--- a/設計/画面設計.pptx
+++ b/設計/画面設計.pptx
@@ -108,6 +108,11 @@
       </a:defRPr>
     </a:lvl9pPr>
   </p:defaultTextStyle>
+  <p:extLst>
+    <p:ext uri="{EFAFB233-063F-42B5-8137-9DF3F51BA10A}">
+      <p15:sldGuideLst xmlns:p15="http://schemas.microsoft.com/office/powerpoint/2012/main"/>
+    </p:ext>
+  </p:extLst>
 </p:presentation>
 </file>
 
@@ -242,7 +247,7 @@
           <a:p>
             <a:fld id="{2A4CCA44-FD07-47AF-AE10-0456D12BF277}" type="datetimeFigureOut">
               <a:rPr kumimoji="1" lang="ja-JP" altLang="en-US" smtClean="0"/>
-              <a:t>2024/9/3</a:t>
+              <a:t>2024/9/5</a:t>
             </a:fld>
             <a:endParaRPr kumimoji="1" lang="ja-JP" altLang="en-US"/>
           </a:p>
@@ -444,7 +449,7 @@
           <a:p>
             <a:fld id="{2A4CCA44-FD07-47AF-AE10-0456D12BF277}" type="datetimeFigureOut">
               <a:rPr kumimoji="1" lang="ja-JP" altLang="en-US" smtClean="0"/>
-              <a:t>2024/9/3</a:t>
+              <a:t>2024/9/5</a:t>
             </a:fld>
             <a:endParaRPr kumimoji="1" lang="ja-JP" altLang="en-US"/>
           </a:p>
@@ -656,7 +661,7 @@
           <a:p>
             <a:fld id="{2A4CCA44-FD07-47AF-AE10-0456D12BF277}" type="datetimeFigureOut">
               <a:rPr kumimoji="1" lang="ja-JP" altLang="en-US" smtClean="0"/>
-              <a:t>2024/9/3</a:t>
+              <a:t>2024/9/5</a:t>
             </a:fld>
             <a:endParaRPr kumimoji="1" lang="ja-JP" altLang="en-US"/>
           </a:p>
@@ -858,7 +863,7 @@
           <a:p>
             <a:fld id="{2A4CCA44-FD07-47AF-AE10-0456D12BF277}" type="datetimeFigureOut">
               <a:rPr kumimoji="1" lang="ja-JP" altLang="en-US" smtClean="0"/>
-              <a:t>2024/9/3</a:t>
+              <a:t>2024/9/5</a:t>
             </a:fld>
             <a:endParaRPr kumimoji="1" lang="ja-JP" altLang="en-US"/>
           </a:p>
@@ -1104,7 +1109,7 @@
           <a:p>
             <a:fld id="{2A4CCA44-FD07-47AF-AE10-0456D12BF277}" type="datetimeFigureOut">
               <a:rPr kumimoji="1" lang="ja-JP" altLang="en-US" smtClean="0"/>
-              <a:t>2024/9/3</a:t>
+              <a:t>2024/9/5</a:t>
             </a:fld>
             <a:endParaRPr kumimoji="1" lang="ja-JP" altLang="en-US"/>
           </a:p>
@@ -1400,7 +1405,7 @@
           <a:p>
             <a:fld id="{2A4CCA44-FD07-47AF-AE10-0456D12BF277}" type="datetimeFigureOut">
               <a:rPr kumimoji="1" lang="ja-JP" altLang="en-US" smtClean="0"/>
-              <a:t>2024/9/3</a:t>
+              <a:t>2024/9/5</a:t>
             </a:fld>
             <a:endParaRPr kumimoji="1" lang="ja-JP" altLang="en-US"/>
           </a:p>
@@ -1831,7 +1836,7 @@
           <a:p>
             <a:fld id="{2A4CCA44-FD07-47AF-AE10-0456D12BF277}" type="datetimeFigureOut">
               <a:rPr kumimoji="1" lang="ja-JP" altLang="en-US" smtClean="0"/>
-              <a:t>2024/9/3</a:t>
+              <a:t>2024/9/5</a:t>
             </a:fld>
             <a:endParaRPr kumimoji="1" lang="ja-JP" altLang="en-US"/>
           </a:p>
@@ -1949,7 +1954,7 @@
           <a:p>
             <a:fld id="{2A4CCA44-FD07-47AF-AE10-0456D12BF277}" type="datetimeFigureOut">
               <a:rPr kumimoji="1" lang="ja-JP" altLang="en-US" smtClean="0"/>
-              <a:t>2024/9/3</a:t>
+              <a:t>2024/9/5</a:t>
             </a:fld>
             <a:endParaRPr kumimoji="1" lang="ja-JP" altLang="en-US"/>
           </a:p>
@@ -2044,7 +2049,7 @@
           <a:p>
             <a:fld id="{2A4CCA44-FD07-47AF-AE10-0456D12BF277}" type="datetimeFigureOut">
               <a:rPr kumimoji="1" lang="ja-JP" altLang="en-US" smtClean="0"/>
-              <a:t>2024/9/3</a:t>
+              <a:t>2024/9/5</a:t>
             </a:fld>
             <a:endParaRPr kumimoji="1" lang="ja-JP" altLang="en-US"/>
           </a:p>
@@ -2353,7 +2358,7 @@
           <a:p>
             <a:fld id="{2A4CCA44-FD07-47AF-AE10-0456D12BF277}" type="datetimeFigureOut">
               <a:rPr kumimoji="1" lang="ja-JP" altLang="en-US" smtClean="0"/>
-              <a:t>2024/9/3</a:t>
+              <a:t>2024/9/5</a:t>
             </a:fld>
             <a:endParaRPr kumimoji="1" lang="ja-JP" altLang="en-US"/>
           </a:p>
@@ -2606,7 +2611,7 @@
           <a:p>
             <a:fld id="{2A4CCA44-FD07-47AF-AE10-0456D12BF277}" type="datetimeFigureOut">
               <a:rPr kumimoji="1" lang="ja-JP" altLang="en-US" smtClean="0"/>
-              <a:t>2024/9/3</a:t>
+              <a:t>2024/9/5</a:t>
             </a:fld>
             <a:endParaRPr kumimoji="1" lang="ja-JP" altLang="en-US"/>
           </a:p>
@@ -2851,7 +2856,7 @@
           <a:p>
             <a:fld id="{2A4CCA44-FD07-47AF-AE10-0456D12BF277}" type="datetimeFigureOut">
               <a:rPr kumimoji="1" lang="ja-JP" altLang="en-US" smtClean="0"/>
-              <a:t>2024/9/3</a:t>
+              <a:t>2024/9/5</a:t>
             </a:fld>
             <a:endParaRPr kumimoji="1" lang="ja-JP" altLang="en-US"/>
           </a:p>
@@ -3474,7 +3479,7 @@
         </p:blipFill>
         <p:spPr>
           <a:xfrm>
-            <a:off x="9224873" y="723387"/>
+            <a:off x="9224873" y="718190"/>
             <a:ext cx="1742054" cy="2420376"/>
           </a:xfrm>
           <a:prstGeom prst="rect">
@@ -3504,7 +3509,7 @@
         </p:blipFill>
         <p:spPr>
           <a:xfrm>
-            <a:off x="9355158" y="723387"/>
+            <a:off x="9946627" y="4292301"/>
             <a:ext cx="1742054" cy="2420376"/>
           </a:xfrm>
           <a:prstGeom prst="rect">
@@ -3694,7 +3699,7 @@
         </p:nvSpPr>
         <p:spPr>
           <a:xfrm>
-            <a:off x="7865827" y="3823343"/>
+            <a:off x="7469195" y="3867715"/>
             <a:ext cx="2080800" cy="1209821"/>
           </a:xfrm>
           <a:prstGeom prst="rect">
@@ -3970,6 +3975,60 @@
           </a:p>
         </p:txBody>
       </p:sp>
+      <p:pic>
+        <p:nvPicPr>
+          <p:cNvPr id="20" name="図 19"/>
+          <p:cNvPicPr>
+            <a:picLocks noChangeAspect="1"/>
+          </p:cNvPicPr>
+          <p:nvPr/>
+        </p:nvPicPr>
+        <p:blipFill>
+          <a:blip r:embed="rId2">
+            <a:extLst>
+              <a:ext uri="{28A0092B-C50C-407E-A947-70E740481C1C}">
+                <a14:useLocalDpi xmlns:a14="http://schemas.microsoft.com/office/drawing/2010/main" val="0"/>
+              </a:ext>
+            </a:extLst>
+          </a:blip>
+          <a:stretch>
+            <a:fillRect/>
+          </a:stretch>
+        </p:blipFill>
+        <p:spPr>
+          <a:xfrm>
+            <a:off x="10095900" y="4292301"/>
+            <a:ext cx="1742054" cy="2420376"/>
+          </a:xfrm>
+          <a:prstGeom prst="rect">
+            <a:avLst/>
+          </a:prstGeom>
+        </p:spPr>
+      </p:pic>
+      <p:pic>
+        <p:nvPicPr>
+          <p:cNvPr id="2" name="図 1"/>
+          <p:cNvPicPr>
+            <a:picLocks noChangeAspect="1"/>
+          </p:cNvPicPr>
+          <p:nvPr/>
+        </p:nvPicPr>
+        <p:blipFill>
+          <a:blip r:embed="rId6"/>
+          <a:stretch>
+            <a:fillRect/>
+          </a:stretch>
+        </p:blipFill>
+        <p:spPr>
+          <a:xfrm>
+            <a:off x="10298633" y="4283430"/>
+            <a:ext cx="1743607" cy="2420322"/>
+          </a:xfrm>
+          <a:prstGeom prst="rect">
+            <a:avLst/>
+          </a:prstGeom>
+        </p:spPr>
+      </p:pic>
     </p:spTree>
     <p:extLst>
       <p:ext uri="{BB962C8B-B14F-4D97-AF65-F5344CB8AC3E}">
@@ -4616,6 +4675,96 @@
           <a:xfrm>
             <a:off x="5058441" y="3583658"/>
             <a:ext cx="1621015" cy="2300797"/>
+          </a:xfrm>
+          <a:prstGeom prst="rect">
+            <a:avLst/>
+          </a:prstGeom>
+        </p:spPr>
+      </p:pic>
+      <p:pic>
+        <p:nvPicPr>
+          <p:cNvPr id="20" name="図 19"/>
+          <p:cNvPicPr>
+            <a:picLocks noChangeAspect="1"/>
+          </p:cNvPicPr>
+          <p:nvPr/>
+        </p:nvPicPr>
+        <p:blipFill>
+          <a:blip r:embed="rId2">
+            <a:extLst>
+              <a:ext uri="{28A0092B-C50C-407E-A947-70E740481C1C}">
+                <a14:useLocalDpi xmlns:a14="http://schemas.microsoft.com/office/drawing/2010/main" val="0"/>
+              </a:ext>
+            </a:extLst>
+          </a:blip>
+          <a:stretch>
+            <a:fillRect/>
+          </a:stretch>
+        </p:blipFill>
+        <p:spPr>
+          <a:xfrm>
+            <a:off x="10095900" y="4065476"/>
+            <a:ext cx="1742054" cy="2420376"/>
+          </a:xfrm>
+          <a:prstGeom prst="rect">
+            <a:avLst/>
+          </a:prstGeom>
+        </p:spPr>
+      </p:pic>
+      <p:pic>
+        <p:nvPicPr>
+          <p:cNvPr id="22" name="図 21"/>
+          <p:cNvPicPr>
+            <a:picLocks noChangeAspect="1"/>
+          </p:cNvPicPr>
+          <p:nvPr/>
+        </p:nvPicPr>
+        <p:blipFill>
+          <a:blip r:embed="rId2">
+            <a:extLst>
+              <a:ext uri="{28A0092B-C50C-407E-A947-70E740481C1C}">
+                <a14:useLocalDpi xmlns:a14="http://schemas.microsoft.com/office/drawing/2010/main" val="0"/>
+              </a:ext>
+            </a:extLst>
+          </a:blip>
+          <a:stretch>
+            <a:fillRect/>
+          </a:stretch>
+        </p:blipFill>
+        <p:spPr>
+          <a:xfrm>
+            <a:off x="10252058" y="4065476"/>
+            <a:ext cx="1742054" cy="2420376"/>
+          </a:xfrm>
+          <a:prstGeom prst="rect">
+            <a:avLst/>
+          </a:prstGeom>
+        </p:spPr>
+      </p:pic>
+      <p:pic>
+        <p:nvPicPr>
+          <p:cNvPr id="23" name="図 22"/>
+          <p:cNvPicPr>
+            <a:picLocks noChangeAspect="1"/>
+          </p:cNvPicPr>
+          <p:nvPr/>
+        </p:nvPicPr>
+        <p:blipFill>
+          <a:blip r:embed="rId2">
+            <a:extLst>
+              <a:ext uri="{28A0092B-C50C-407E-A947-70E740481C1C}">
+                <a14:useLocalDpi xmlns:a14="http://schemas.microsoft.com/office/drawing/2010/main" val="0"/>
+              </a:ext>
+            </a:extLst>
+          </a:blip>
+          <a:stretch>
+            <a:fillRect/>
+          </a:stretch>
+        </p:blipFill>
+        <p:spPr>
+          <a:xfrm>
+            <a:off x="10398317" y="4022482"/>
+            <a:ext cx="1742054" cy="2420376"/>
           </a:xfrm>
           <a:prstGeom prst="rect">
             <a:avLst/>
@@ -5269,6 +5418,96 @@
           </a:prstGeom>
         </p:spPr>
       </p:pic>
+      <p:pic>
+        <p:nvPicPr>
+          <p:cNvPr id="20" name="図 19"/>
+          <p:cNvPicPr>
+            <a:picLocks noChangeAspect="1"/>
+          </p:cNvPicPr>
+          <p:nvPr/>
+        </p:nvPicPr>
+        <p:blipFill>
+          <a:blip r:embed="rId2">
+            <a:extLst>
+              <a:ext uri="{28A0092B-C50C-407E-A947-70E740481C1C}">
+                <a14:useLocalDpi xmlns:a14="http://schemas.microsoft.com/office/drawing/2010/main" val="0"/>
+              </a:ext>
+            </a:extLst>
+          </a:blip>
+          <a:stretch>
+            <a:fillRect/>
+          </a:stretch>
+        </p:blipFill>
+        <p:spPr>
+          <a:xfrm>
+            <a:off x="10095900" y="4065476"/>
+            <a:ext cx="1742054" cy="2420376"/>
+          </a:xfrm>
+          <a:prstGeom prst="rect">
+            <a:avLst/>
+          </a:prstGeom>
+        </p:spPr>
+      </p:pic>
+      <p:pic>
+        <p:nvPicPr>
+          <p:cNvPr id="22" name="図 21"/>
+          <p:cNvPicPr>
+            <a:picLocks noChangeAspect="1"/>
+          </p:cNvPicPr>
+          <p:nvPr/>
+        </p:nvPicPr>
+        <p:blipFill>
+          <a:blip r:embed="rId2">
+            <a:extLst>
+              <a:ext uri="{28A0092B-C50C-407E-A947-70E740481C1C}">
+                <a14:useLocalDpi xmlns:a14="http://schemas.microsoft.com/office/drawing/2010/main" val="0"/>
+              </a:ext>
+            </a:extLst>
+          </a:blip>
+          <a:stretch>
+            <a:fillRect/>
+          </a:stretch>
+        </p:blipFill>
+        <p:spPr>
+          <a:xfrm>
+            <a:off x="10245173" y="3981713"/>
+            <a:ext cx="1742054" cy="2420376"/>
+          </a:xfrm>
+          <a:prstGeom prst="rect">
+            <a:avLst/>
+          </a:prstGeom>
+        </p:spPr>
+      </p:pic>
+      <p:pic>
+        <p:nvPicPr>
+          <p:cNvPr id="23" name="図 22"/>
+          <p:cNvPicPr>
+            <a:picLocks noChangeAspect="1"/>
+          </p:cNvPicPr>
+          <p:nvPr/>
+        </p:nvPicPr>
+        <p:blipFill>
+          <a:blip r:embed="rId2">
+            <a:extLst>
+              <a:ext uri="{28A0092B-C50C-407E-A947-70E740481C1C}">
+                <a14:useLocalDpi xmlns:a14="http://schemas.microsoft.com/office/drawing/2010/main" val="0"/>
+              </a:ext>
+            </a:extLst>
+          </a:blip>
+          <a:stretch>
+            <a:fillRect/>
+          </a:stretch>
+        </p:blipFill>
+        <p:spPr>
+          <a:xfrm>
+            <a:off x="10394446" y="3966356"/>
+            <a:ext cx="1742054" cy="2420376"/>
+          </a:xfrm>
+          <a:prstGeom prst="rect">
+            <a:avLst/>
+          </a:prstGeom>
+        </p:spPr>
+      </p:pic>
     </p:spTree>
     <p:extLst>
       <p:ext uri="{BB962C8B-B14F-4D97-AF65-F5344CB8AC3E}">
@@ -5915,6 +6154,96 @@
           <a:xfrm>
             <a:off x="4242379" y="1410917"/>
             <a:ext cx="2993298" cy="2993298"/>
+          </a:xfrm>
+          <a:prstGeom prst="rect">
+            <a:avLst/>
+          </a:prstGeom>
+        </p:spPr>
+      </p:pic>
+      <p:pic>
+        <p:nvPicPr>
+          <p:cNvPr id="20" name="図 19"/>
+          <p:cNvPicPr>
+            <a:picLocks noChangeAspect="1"/>
+          </p:cNvPicPr>
+          <p:nvPr/>
+        </p:nvPicPr>
+        <p:blipFill>
+          <a:blip r:embed="rId2">
+            <a:extLst>
+              <a:ext uri="{28A0092B-C50C-407E-A947-70E740481C1C}">
+                <a14:useLocalDpi xmlns:a14="http://schemas.microsoft.com/office/drawing/2010/main" val="0"/>
+              </a:ext>
+            </a:extLst>
+          </a:blip>
+          <a:stretch>
+            <a:fillRect/>
+          </a:stretch>
+        </p:blipFill>
+        <p:spPr>
+          <a:xfrm>
+            <a:off x="10226185" y="4149237"/>
+            <a:ext cx="1742054" cy="2420376"/>
+          </a:xfrm>
+          <a:prstGeom prst="rect">
+            <a:avLst/>
+          </a:prstGeom>
+        </p:spPr>
+      </p:pic>
+      <p:pic>
+        <p:nvPicPr>
+          <p:cNvPr id="22" name="図 21"/>
+          <p:cNvPicPr>
+            <a:picLocks noChangeAspect="1"/>
+          </p:cNvPicPr>
+          <p:nvPr/>
+        </p:nvPicPr>
+        <p:blipFill>
+          <a:blip r:embed="rId2">
+            <a:extLst>
+              <a:ext uri="{28A0092B-C50C-407E-A947-70E740481C1C}">
+                <a14:useLocalDpi xmlns:a14="http://schemas.microsoft.com/office/drawing/2010/main" val="0"/>
+              </a:ext>
+            </a:extLst>
+          </a:blip>
+          <a:stretch>
+            <a:fillRect/>
+          </a:stretch>
+        </p:blipFill>
+        <p:spPr>
+          <a:xfrm>
+            <a:off x="10361734" y="4149237"/>
+            <a:ext cx="1742054" cy="2420376"/>
+          </a:xfrm>
+          <a:prstGeom prst="rect">
+            <a:avLst/>
+          </a:prstGeom>
+        </p:spPr>
+      </p:pic>
+      <p:pic>
+        <p:nvPicPr>
+          <p:cNvPr id="23" name="図 22"/>
+          <p:cNvPicPr>
+            <a:picLocks noChangeAspect="1"/>
+          </p:cNvPicPr>
+          <p:nvPr/>
+        </p:nvPicPr>
+        <p:blipFill>
+          <a:blip r:embed="rId2">
+            <a:extLst>
+              <a:ext uri="{28A0092B-C50C-407E-A947-70E740481C1C}">
+                <a14:useLocalDpi xmlns:a14="http://schemas.microsoft.com/office/drawing/2010/main" val="0"/>
+              </a:ext>
+            </a:extLst>
+          </a:blip>
+          <a:stretch>
+            <a:fillRect/>
+          </a:stretch>
+        </p:blipFill>
+        <p:spPr>
+          <a:xfrm>
+            <a:off x="10573664" y="4149237"/>
+            <a:ext cx="1742054" cy="2420376"/>
           </a:xfrm>
           <a:prstGeom prst="rect">
             <a:avLst/>

--- a/設計/画面設計.pptx
+++ b/設計/画面設計.pptx
@@ -3334,54 +3334,6 @@
           </a:p>
         </p:txBody>
       </p:sp>
-      <p:sp>
-        <p:nvSpPr>
-          <p:cNvPr id="3" name="正方形/長方形 2"/>
-          <p:cNvSpPr/>
-          <p:nvPr/>
-        </p:nvSpPr>
-        <p:spPr>
-          <a:xfrm>
-            <a:off x="8932985" y="4951828"/>
-            <a:ext cx="2067950" cy="984738"/>
-          </a:xfrm>
-          <a:prstGeom prst="rect">
-            <a:avLst/>
-          </a:prstGeom>
-        </p:spPr>
-        <p:style>
-          <a:lnRef idx="2">
-            <a:schemeClr val="dk1">
-              <a:shade val="50000"/>
-            </a:schemeClr>
-          </a:lnRef>
-          <a:fillRef idx="1">
-            <a:schemeClr val="dk1"/>
-          </a:fillRef>
-          <a:effectRef idx="0">
-            <a:schemeClr val="dk1"/>
-          </a:effectRef>
-          <a:fontRef idx="minor">
-            <a:schemeClr val="lt1"/>
-          </a:fontRef>
-        </p:style>
-        <p:txBody>
-          <a:bodyPr rtlCol="0" anchor="ctr"/>
-          <a:lstStyle/>
-          <a:p>
-            <a:pPr algn="ctr"/>
-            <a:r>
-              <a:rPr kumimoji="1" lang="en-US" altLang="ja-JP" dirty="0" smtClean="0"/>
-              <a:t>100</a:t>
-            </a:r>
-            <a:r>
-              <a:rPr kumimoji="1" lang="ja-JP" altLang="en-US" dirty="0" smtClean="0"/>
-              <a:t>コイン</a:t>
-            </a:r>
-            <a:endParaRPr kumimoji="1" lang="ja-JP" altLang="en-US" dirty="0"/>
-          </a:p>
-        </p:txBody>
-      </p:sp>
     </p:spTree>
     <p:extLst>
       <p:ext uri="{BB962C8B-B14F-4D97-AF65-F5344CB8AC3E}">
@@ -3449,7 +3401,7 @@
         </p:blipFill>
         <p:spPr>
           <a:xfrm>
-            <a:off x="9094588" y="723387"/>
+            <a:off x="9028453" y="282250"/>
             <a:ext cx="1731929" cy="2406308"/>
           </a:xfrm>
           <a:prstGeom prst="rect">
@@ -3479,68 +3431,8 @@
         </p:blipFill>
         <p:spPr>
           <a:xfrm>
-            <a:off x="9224873" y="718190"/>
+            <a:off x="9549995" y="396875"/>
             <a:ext cx="1742054" cy="2420376"/>
-          </a:xfrm>
-          <a:prstGeom prst="rect">
-            <a:avLst/>
-          </a:prstGeom>
-        </p:spPr>
-      </p:pic>
-      <p:pic>
-        <p:nvPicPr>
-          <p:cNvPr id="6" name="図 5"/>
-          <p:cNvPicPr>
-            <a:picLocks noChangeAspect="1"/>
-          </p:cNvPicPr>
-          <p:nvPr/>
-        </p:nvPicPr>
-        <p:blipFill>
-          <a:blip r:embed="rId2">
-            <a:extLst>
-              <a:ext uri="{28A0092B-C50C-407E-A947-70E740481C1C}">
-                <a14:useLocalDpi xmlns:a14="http://schemas.microsoft.com/office/drawing/2010/main" val="0"/>
-              </a:ext>
-            </a:extLst>
-          </a:blip>
-          <a:stretch>
-            <a:fillRect/>
-          </a:stretch>
-        </p:blipFill>
-        <p:spPr>
-          <a:xfrm>
-            <a:off x="9946627" y="4292301"/>
-            <a:ext cx="1742054" cy="2420376"/>
-          </a:xfrm>
-          <a:prstGeom prst="rect">
-            <a:avLst/>
-          </a:prstGeom>
-        </p:spPr>
-      </p:pic>
-      <p:pic>
-        <p:nvPicPr>
-          <p:cNvPr id="7" name="図 6"/>
-          <p:cNvPicPr>
-            <a:picLocks noChangeAspect="1"/>
-          </p:cNvPicPr>
-          <p:nvPr/>
-        </p:nvPicPr>
-        <p:blipFill>
-          <a:blip r:embed="rId2">
-            <a:extLst>
-              <a:ext uri="{28A0092B-C50C-407E-A947-70E740481C1C}">
-                <a14:useLocalDpi xmlns:a14="http://schemas.microsoft.com/office/drawing/2010/main" val="0"/>
-              </a:ext>
-            </a:extLst>
-          </a:blip>
-          <a:stretch>
-            <a:fillRect/>
-          </a:stretch>
-        </p:blipFill>
-        <p:spPr>
-          <a:xfrm>
-            <a:off x="5023383" y="3559126"/>
-            <a:ext cx="1600301" cy="2223428"/>
           </a:xfrm>
           <a:prstGeom prst="rect">
             <a:avLst/>
@@ -3569,8 +3461,8 @@
         </p:blipFill>
         <p:spPr>
           <a:xfrm>
-            <a:off x="5023383" y="827719"/>
-            <a:ext cx="1379996" cy="1829641"/>
+            <a:off x="5064458" y="797979"/>
+            <a:ext cx="1390460" cy="1843514"/>
           </a:xfrm>
           <a:prstGeom prst="rect">
             <a:avLst/>
@@ -3786,7 +3678,7 @@
         <p:spPr>
           <a:xfrm>
             <a:off x="1836270" y="3966589"/>
-            <a:ext cx="1930337" cy="923330"/>
+            <a:ext cx="2013693" cy="923330"/>
           </a:xfrm>
           <a:prstGeom prst="rect">
             <a:avLst/>
@@ -3805,7 +3697,7 @@
                   <a:srgbClr val="FFFF00"/>
                 </a:solidFill>
               </a:rPr>
-              <a:t>HIGT</a:t>
+              <a:t>HIGH</a:t>
             </a:r>
             <a:endParaRPr kumimoji="1" lang="ja-JP" altLang="en-US" sz="5400" b="1" dirty="0">
               <a:solidFill>
@@ -3876,18 +3768,220 @@
           </a:p>
         </p:txBody>
       </p:sp>
-      <p:sp>
-        <p:nvSpPr>
-          <p:cNvPr id="19" name="フローチャート: 代替処理 18"/>
+      <p:pic>
+        <p:nvPicPr>
+          <p:cNvPr id="24" name="図 23"/>
+          <p:cNvPicPr>
+            <a:picLocks noChangeAspect="1"/>
+          </p:cNvPicPr>
+          <p:nvPr/>
+        </p:nvPicPr>
+        <p:blipFill>
+          <a:blip r:embed="rId2">
+            <a:extLst>
+              <a:ext uri="{28A0092B-C50C-407E-A947-70E740481C1C}">
+                <a14:useLocalDpi xmlns:a14="http://schemas.microsoft.com/office/drawing/2010/main" val="0"/>
+              </a:ext>
+            </a:extLst>
+          </a:blip>
+          <a:stretch>
+            <a:fillRect/>
+          </a:stretch>
+        </p:blipFill>
+        <p:spPr>
+          <a:xfrm>
+            <a:off x="9809267" y="4156766"/>
+            <a:ext cx="1731929" cy="2406308"/>
+          </a:xfrm>
+          <a:prstGeom prst="rect">
+            <a:avLst/>
+          </a:prstGeom>
+        </p:spPr>
+      </p:pic>
+      <p:pic>
+        <p:nvPicPr>
+          <p:cNvPr id="25" name="図 24"/>
+          <p:cNvPicPr>
+            <a:picLocks noChangeAspect="1"/>
+          </p:cNvPicPr>
+          <p:nvPr/>
+        </p:nvPicPr>
+        <p:blipFill>
+          <a:blip r:embed="rId2">
+            <a:extLst>
+              <a:ext uri="{28A0092B-C50C-407E-A947-70E740481C1C}">
+                <a14:useLocalDpi xmlns:a14="http://schemas.microsoft.com/office/drawing/2010/main" val="0"/>
+              </a:ext>
+            </a:extLst>
+          </a:blip>
+          <a:stretch>
+            <a:fillRect/>
+          </a:stretch>
+        </p:blipFill>
+        <p:spPr>
+          <a:xfrm>
+            <a:off x="10227474" y="4157667"/>
+            <a:ext cx="1742054" cy="2420376"/>
+          </a:xfrm>
+          <a:prstGeom prst="rect">
+            <a:avLst/>
+          </a:prstGeom>
+        </p:spPr>
+      </p:pic>
+      <p:pic>
+        <p:nvPicPr>
+          <p:cNvPr id="26" name="図 25"/>
+          <p:cNvPicPr>
+            <a:picLocks noChangeAspect="1"/>
+          </p:cNvPicPr>
+          <p:nvPr/>
+        </p:nvPicPr>
+        <p:blipFill>
+          <a:blip r:embed="rId2">
+            <a:extLst>
+              <a:ext uri="{28A0092B-C50C-407E-A947-70E740481C1C}">
+                <a14:useLocalDpi xmlns:a14="http://schemas.microsoft.com/office/drawing/2010/main" val="0"/>
+              </a:ext>
+            </a:extLst>
+          </a:blip>
+          <a:stretch>
+            <a:fillRect/>
+          </a:stretch>
+        </p:blipFill>
+        <p:spPr>
+          <a:xfrm>
+            <a:off x="546102" y="297282"/>
+            <a:ext cx="1731929" cy="2406308"/>
+          </a:xfrm>
+          <a:prstGeom prst="rect">
+            <a:avLst/>
+          </a:prstGeom>
+        </p:spPr>
+      </p:pic>
+      <p:pic>
+        <p:nvPicPr>
+          <p:cNvPr id="27" name="図 26"/>
+          <p:cNvPicPr>
+            <a:picLocks noChangeAspect="1"/>
+          </p:cNvPicPr>
+          <p:nvPr/>
+        </p:nvPicPr>
+        <p:blipFill>
+          <a:blip r:embed="rId2">
+            <a:extLst>
+              <a:ext uri="{28A0092B-C50C-407E-A947-70E740481C1C}">
+                <a14:useLocalDpi xmlns:a14="http://schemas.microsoft.com/office/drawing/2010/main" val="0"/>
+              </a:ext>
+            </a:extLst>
+          </a:blip>
+          <a:stretch>
+            <a:fillRect/>
+          </a:stretch>
+        </p:blipFill>
+        <p:spPr>
+          <a:xfrm>
+            <a:off x="844627" y="277443"/>
+            <a:ext cx="1742054" cy="2420376"/>
+          </a:xfrm>
+          <a:prstGeom prst="rect">
+            <a:avLst/>
+          </a:prstGeom>
+        </p:spPr>
+      </p:pic>
+      <p:pic>
+        <p:nvPicPr>
+          <p:cNvPr id="28" name="図 27"/>
+          <p:cNvPicPr>
+            <a:picLocks noChangeAspect="1"/>
+          </p:cNvPicPr>
+          <p:nvPr/>
+        </p:nvPicPr>
+        <p:blipFill>
+          <a:blip r:embed="rId2">
+            <a:extLst>
+              <a:ext uri="{28A0092B-C50C-407E-A947-70E740481C1C}">
+                <a14:useLocalDpi xmlns:a14="http://schemas.microsoft.com/office/drawing/2010/main" val="0"/>
+              </a:ext>
+            </a:extLst>
+          </a:blip>
+          <a:stretch>
+            <a:fillRect/>
+          </a:stretch>
+        </p:blipFill>
+        <p:spPr>
+          <a:xfrm>
+            <a:off x="1075521" y="235185"/>
+            <a:ext cx="1731929" cy="2406308"/>
+          </a:xfrm>
+          <a:prstGeom prst="rect">
+            <a:avLst/>
+          </a:prstGeom>
+        </p:spPr>
+      </p:pic>
+      <p:sp>
+        <p:nvSpPr>
+          <p:cNvPr id="29" name="フローチャート: 端子 28"/>
           <p:cNvSpPr/>
           <p:nvPr/>
         </p:nvSpPr>
         <p:spPr>
           <a:xfrm>
-            <a:off x="323557" y="5630389"/>
-            <a:ext cx="1512713" cy="756343"/>
-          </a:xfrm>
-          <a:prstGeom prst="flowChartAlternateProcess">
+            <a:off x="353314" y="2779333"/>
+            <a:ext cx="2233367" cy="399966"/>
+          </a:xfrm>
+          <a:prstGeom prst="flowChartTerminator">
+            <a:avLst/>
+          </a:prstGeom>
+          <a:solidFill>
+            <a:schemeClr val="tx1"/>
+          </a:solidFill>
+          <a:ln>
+            <a:solidFill>
+              <a:schemeClr val="bg1"/>
+            </a:solidFill>
+          </a:ln>
+        </p:spPr>
+        <p:style>
+          <a:lnRef idx="2">
+            <a:schemeClr val="accent1">
+              <a:shade val="50000"/>
+            </a:schemeClr>
+          </a:lnRef>
+          <a:fillRef idx="1">
+            <a:schemeClr val="accent1"/>
+          </a:fillRef>
+          <a:effectRef idx="0">
+            <a:schemeClr val="accent1"/>
+          </a:effectRef>
+          <a:fontRef idx="minor">
+            <a:schemeClr val="lt1"/>
+          </a:fontRef>
+        </p:style>
+        <p:txBody>
+          <a:bodyPr rtlCol="0" anchor="ctr"/>
+          <a:lstStyle/>
+          <a:p>
+            <a:pPr algn="ctr"/>
+            <a:r>
+              <a:rPr kumimoji="1" lang="ja-JP" altLang="en-US" dirty="0" smtClean="0"/>
+              <a:t>山札</a:t>
+            </a:r>
+            <a:endParaRPr kumimoji="1" lang="ja-JP" altLang="en-US" dirty="0"/>
+          </a:p>
+        </p:txBody>
+      </p:sp>
+      <p:sp>
+        <p:nvSpPr>
+          <p:cNvPr id="11" name="正方形/長方形 10"/>
+          <p:cNvSpPr/>
+          <p:nvPr/>
+        </p:nvSpPr>
+        <p:spPr>
+          <a:xfrm>
+            <a:off x="647114" y="5345723"/>
+            <a:ext cx="2160336" cy="1140129"/>
+          </a:xfrm>
+          <a:prstGeom prst="rect">
             <a:avLst/>
           </a:prstGeom>
         </p:spPr>
@@ -3913,122 +4007,13 @@
           <a:p>
             <a:pPr algn="ctr"/>
             <a:r>
-              <a:rPr kumimoji="1" lang="en-US" altLang="ja-JP" dirty="0" smtClean="0"/>
-              <a:t>1</a:t>
-            </a:r>
-            <a:r>
               <a:rPr kumimoji="1" lang="ja-JP" altLang="en-US" dirty="0" smtClean="0"/>
-              <a:t>連勝</a:t>
+              <a:t>０連勝</a:t>
             </a:r>
             <a:endParaRPr kumimoji="1" lang="ja-JP" altLang="en-US" dirty="0"/>
           </a:p>
         </p:txBody>
       </p:sp>
-      <p:sp>
-        <p:nvSpPr>
-          <p:cNvPr id="21" name="フローチャート: 代替処理 20"/>
-          <p:cNvSpPr/>
-          <p:nvPr/>
-        </p:nvSpPr>
-        <p:spPr>
-          <a:xfrm>
-            <a:off x="2179025" y="5615030"/>
-            <a:ext cx="1572047" cy="787059"/>
-          </a:xfrm>
-          <a:prstGeom prst="flowChartAlternateProcess">
-            <a:avLst/>
-          </a:prstGeom>
-          <a:solidFill>
-            <a:schemeClr val="tx1"/>
-          </a:solidFill>
-        </p:spPr>
-        <p:style>
-          <a:lnRef idx="2">
-            <a:schemeClr val="accent1">
-              <a:shade val="50000"/>
-            </a:schemeClr>
-          </a:lnRef>
-          <a:fillRef idx="1">
-            <a:schemeClr val="accent1"/>
-          </a:fillRef>
-          <a:effectRef idx="0">
-            <a:schemeClr val="accent1"/>
-          </a:effectRef>
-          <a:fontRef idx="minor">
-            <a:schemeClr val="lt1"/>
-          </a:fontRef>
-        </p:style>
-        <p:txBody>
-          <a:bodyPr rtlCol="0" anchor="ctr"/>
-          <a:lstStyle/>
-          <a:p>
-            <a:pPr algn="ctr"/>
-            <a:r>
-              <a:rPr lang="en-US" altLang="ja-JP" dirty="0"/>
-              <a:t>1</a:t>
-            </a:r>
-            <a:r>
-              <a:rPr kumimoji="1" lang="en-US" altLang="ja-JP" dirty="0" smtClean="0"/>
-              <a:t>00</a:t>
-            </a:r>
-            <a:endParaRPr kumimoji="1" lang="ja-JP" altLang="en-US" dirty="0"/>
-          </a:p>
-        </p:txBody>
-      </p:sp>
-      <p:pic>
-        <p:nvPicPr>
-          <p:cNvPr id="20" name="図 19"/>
-          <p:cNvPicPr>
-            <a:picLocks noChangeAspect="1"/>
-          </p:cNvPicPr>
-          <p:nvPr/>
-        </p:nvPicPr>
-        <p:blipFill>
-          <a:blip r:embed="rId2">
-            <a:extLst>
-              <a:ext uri="{28A0092B-C50C-407E-A947-70E740481C1C}">
-                <a14:useLocalDpi xmlns:a14="http://schemas.microsoft.com/office/drawing/2010/main" val="0"/>
-              </a:ext>
-            </a:extLst>
-          </a:blip>
-          <a:stretch>
-            <a:fillRect/>
-          </a:stretch>
-        </p:blipFill>
-        <p:spPr>
-          <a:xfrm>
-            <a:off x="10095900" y="4292301"/>
-            <a:ext cx="1742054" cy="2420376"/>
-          </a:xfrm>
-          <a:prstGeom prst="rect">
-            <a:avLst/>
-          </a:prstGeom>
-        </p:spPr>
-      </p:pic>
-      <p:pic>
-        <p:nvPicPr>
-          <p:cNvPr id="2" name="図 1"/>
-          <p:cNvPicPr>
-            <a:picLocks noChangeAspect="1"/>
-          </p:cNvPicPr>
-          <p:nvPr/>
-        </p:nvPicPr>
-        <p:blipFill>
-          <a:blip r:embed="rId6"/>
-          <a:stretch>
-            <a:fillRect/>
-          </a:stretch>
-        </p:blipFill>
-        <p:spPr>
-          <a:xfrm>
-            <a:off x="10298633" y="4283430"/>
-            <a:ext cx="1743607" cy="2420322"/>
-          </a:xfrm>
-          <a:prstGeom prst="rect">
-            <a:avLst/>
-          </a:prstGeom>
-        </p:spPr>
-      </p:pic>
     </p:spTree>
     <p:extLst>
       <p:ext uri="{BB962C8B-B14F-4D97-AF65-F5344CB8AC3E}">
@@ -4216,7 +4201,7 @@
         </p:blipFill>
         <p:spPr>
           <a:xfrm>
-            <a:off x="5023383" y="827719"/>
+            <a:off x="5023383" y="797711"/>
             <a:ext cx="1379996" cy="1829641"/>
           </a:xfrm>
           <a:prstGeom prst="rect">
@@ -4433,7 +4418,7 @@
         <p:spPr>
           <a:xfrm>
             <a:off x="1836270" y="3966589"/>
-            <a:ext cx="1930337" cy="923330"/>
+            <a:ext cx="2013693" cy="923330"/>
           </a:xfrm>
           <a:prstGeom prst="rect">
             <a:avLst/>
@@ -4452,7 +4437,7 @@
                   <a:srgbClr val="FFFF00"/>
                 </a:solidFill>
               </a:rPr>
-              <a:t>HIGT</a:t>
+              <a:t>HIGH</a:t>
             </a:r>
             <a:endParaRPr kumimoji="1" lang="ja-JP" altLang="en-US" sz="5400" b="1" dirty="0">
               <a:solidFill>
@@ -4523,18 +4508,279 @@
           </a:p>
         </p:txBody>
       </p:sp>
-      <p:sp>
-        <p:nvSpPr>
-          <p:cNvPr id="19" name="フローチャート: 代替処理 18"/>
+      <p:pic>
+        <p:nvPicPr>
+          <p:cNvPr id="2" name="図 1"/>
+          <p:cNvPicPr>
+            <a:picLocks noChangeAspect="1"/>
+          </p:cNvPicPr>
+          <p:nvPr/>
+        </p:nvPicPr>
+        <p:blipFill>
+          <a:blip r:embed="rId6">
+            <a:extLst>
+              <a:ext uri="{28A0092B-C50C-407E-A947-70E740481C1C}">
+                <a14:useLocalDpi xmlns:a14="http://schemas.microsoft.com/office/drawing/2010/main" val="0"/>
+              </a:ext>
+            </a:extLst>
+          </a:blip>
+          <a:stretch>
+            <a:fillRect/>
+          </a:stretch>
+        </p:blipFill>
+        <p:spPr>
+          <a:xfrm>
+            <a:off x="3836167" y="1861296"/>
+            <a:ext cx="4065563" cy="2462014"/>
+          </a:xfrm>
+          <a:prstGeom prst="rect">
+            <a:avLst/>
+          </a:prstGeom>
+        </p:spPr>
+      </p:pic>
+      <p:pic>
+        <p:nvPicPr>
+          <p:cNvPr id="3" name="図 2"/>
+          <p:cNvPicPr>
+            <a:picLocks noChangeAspect="1"/>
+          </p:cNvPicPr>
+          <p:nvPr/>
+        </p:nvPicPr>
+        <p:blipFill rotWithShape="1">
+          <a:blip r:embed="rId7" cstate="print">
+            <a:extLst>
+              <a:ext uri="{28A0092B-C50C-407E-A947-70E740481C1C}">
+                <a14:useLocalDpi xmlns:a14="http://schemas.microsoft.com/office/drawing/2010/main" val="0"/>
+              </a:ext>
+            </a:extLst>
+          </a:blip>
+          <a:srcRect l="20075" t="7442" r="18439" b="5288"/>
+          <a:stretch/>
+        </p:blipFill>
+        <p:spPr>
+          <a:xfrm>
+            <a:off x="5023383" y="3570124"/>
+            <a:ext cx="1514272" cy="2149291"/>
+          </a:xfrm>
+          <a:prstGeom prst="rect">
+            <a:avLst/>
+          </a:prstGeom>
+        </p:spPr>
+      </p:pic>
+      <p:pic>
+        <p:nvPicPr>
+          <p:cNvPr id="24" name="図 23"/>
+          <p:cNvPicPr>
+            <a:picLocks noChangeAspect="1"/>
+          </p:cNvPicPr>
+          <p:nvPr/>
+        </p:nvPicPr>
+        <p:blipFill>
+          <a:blip r:embed="rId2">
+            <a:extLst>
+              <a:ext uri="{28A0092B-C50C-407E-A947-70E740481C1C}">
+                <a14:useLocalDpi xmlns:a14="http://schemas.microsoft.com/office/drawing/2010/main" val="0"/>
+              </a:ext>
+            </a:extLst>
+          </a:blip>
+          <a:stretch>
+            <a:fillRect/>
+          </a:stretch>
+        </p:blipFill>
+        <p:spPr>
+          <a:xfrm>
+            <a:off x="10494244" y="4149237"/>
+            <a:ext cx="1731929" cy="2406308"/>
+          </a:xfrm>
+          <a:prstGeom prst="rect">
+            <a:avLst/>
+          </a:prstGeom>
+        </p:spPr>
+      </p:pic>
+      <p:pic>
+        <p:nvPicPr>
+          <p:cNvPr id="25" name="図 24"/>
+          <p:cNvPicPr>
+            <a:picLocks noChangeAspect="1"/>
+          </p:cNvPicPr>
+          <p:nvPr/>
+        </p:nvPicPr>
+        <p:blipFill>
+          <a:blip r:embed="rId2">
+            <a:extLst>
+              <a:ext uri="{28A0092B-C50C-407E-A947-70E740481C1C}">
+                <a14:useLocalDpi xmlns:a14="http://schemas.microsoft.com/office/drawing/2010/main" val="0"/>
+              </a:ext>
+            </a:extLst>
+          </a:blip>
+          <a:stretch>
+            <a:fillRect/>
+          </a:stretch>
+        </p:blipFill>
+        <p:spPr>
+          <a:xfrm>
+            <a:off x="9955490" y="4149237"/>
+            <a:ext cx="1742054" cy="2420376"/>
+          </a:xfrm>
+          <a:prstGeom prst="rect">
+            <a:avLst/>
+          </a:prstGeom>
+        </p:spPr>
+      </p:pic>
+      <p:pic>
+        <p:nvPicPr>
+          <p:cNvPr id="26" name="図 25"/>
+          <p:cNvPicPr>
+            <a:picLocks noChangeAspect="1"/>
+          </p:cNvPicPr>
+          <p:nvPr/>
+        </p:nvPicPr>
+        <p:blipFill>
+          <a:blip r:embed="rId2">
+            <a:extLst>
+              <a:ext uri="{28A0092B-C50C-407E-A947-70E740481C1C}">
+                <a14:useLocalDpi xmlns:a14="http://schemas.microsoft.com/office/drawing/2010/main" val="0"/>
+              </a:ext>
+            </a:extLst>
+          </a:blip>
+          <a:stretch>
+            <a:fillRect/>
+          </a:stretch>
+        </p:blipFill>
+        <p:spPr>
+          <a:xfrm>
+            <a:off x="546102" y="297282"/>
+            <a:ext cx="1731929" cy="2406308"/>
+          </a:xfrm>
+          <a:prstGeom prst="rect">
+            <a:avLst/>
+          </a:prstGeom>
+        </p:spPr>
+      </p:pic>
+      <p:pic>
+        <p:nvPicPr>
+          <p:cNvPr id="27" name="図 26"/>
+          <p:cNvPicPr>
+            <a:picLocks noChangeAspect="1"/>
+          </p:cNvPicPr>
+          <p:nvPr/>
+        </p:nvPicPr>
+        <p:blipFill>
+          <a:blip r:embed="rId2">
+            <a:extLst>
+              <a:ext uri="{28A0092B-C50C-407E-A947-70E740481C1C}">
+                <a14:useLocalDpi xmlns:a14="http://schemas.microsoft.com/office/drawing/2010/main" val="0"/>
+              </a:ext>
+            </a:extLst>
+          </a:blip>
+          <a:stretch>
+            <a:fillRect/>
+          </a:stretch>
+        </p:blipFill>
+        <p:spPr>
+          <a:xfrm>
+            <a:off x="844627" y="277443"/>
+            <a:ext cx="1742054" cy="2420376"/>
+          </a:xfrm>
+          <a:prstGeom prst="rect">
+            <a:avLst/>
+          </a:prstGeom>
+        </p:spPr>
+      </p:pic>
+      <p:pic>
+        <p:nvPicPr>
+          <p:cNvPr id="28" name="図 27"/>
+          <p:cNvPicPr>
+            <a:picLocks noChangeAspect="1"/>
+          </p:cNvPicPr>
+          <p:nvPr/>
+        </p:nvPicPr>
+        <p:blipFill>
+          <a:blip r:embed="rId2">
+            <a:extLst>
+              <a:ext uri="{28A0092B-C50C-407E-A947-70E740481C1C}">
+                <a14:useLocalDpi xmlns:a14="http://schemas.microsoft.com/office/drawing/2010/main" val="0"/>
+              </a:ext>
+            </a:extLst>
+          </a:blip>
+          <a:stretch>
+            <a:fillRect/>
+          </a:stretch>
+        </p:blipFill>
+        <p:spPr>
+          <a:xfrm>
+            <a:off x="1075521" y="235185"/>
+            <a:ext cx="1731929" cy="2406308"/>
+          </a:xfrm>
+          <a:prstGeom prst="rect">
+            <a:avLst/>
+          </a:prstGeom>
+        </p:spPr>
+      </p:pic>
+      <p:sp>
+        <p:nvSpPr>
+          <p:cNvPr id="29" name="フローチャート: 端子 28"/>
           <p:cNvSpPr/>
           <p:nvPr/>
         </p:nvSpPr>
         <p:spPr>
           <a:xfrm>
-            <a:off x="323557" y="5630389"/>
-            <a:ext cx="1512713" cy="756343"/>
-          </a:xfrm>
-          <a:prstGeom prst="flowChartAlternateProcess">
+            <a:off x="353314" y="2779333"/>
+            <a:ext cx="2233367" cy="399966"/>
+          </a:xfrm>
+          <a:prstGeom prst="flowChartTerminator">
+            <a:avLst/>
+          </a:prstGeom>
+          <a:solidFill>
+            <a:schemeClr val="tx1"/>
+          </a:solidFill>
+          <a:ln>
+            <a:solidFill>
+              <a:schemeClr val="bg1"/>
+            </a:solidFill>
+          </a:ln>
+        </p:spPr>
+        <p:style>
+          <a:lnRef idx="2">
+            <a:schemeClr val="accent1">
+              <a:shade val="50000"/>
+            </a:schemeClr>
+          </a:lnRef>
+          <a:fillRef idx="1">
+            <a:schemeClr val="accent1"/>
+          </a:fillRef>
+          <a:effectRef idx="0">
+            <a:schemeClr val="accent1"/>
+          </a:effectRef>
+          <a:fontRef idx="minor">
+            <a:schemeClr val="lt1"/>
+          </a:fontRef>
+        </p:style>
+        <p:txBody>
+          <a:bodyPr rtlCol="0" anchor="ctr"/>
+          <a:lstStyle/>
+          <a:p>
+            <a:pPr algn="ctr"/>
+            <a:r>
+              <a:rPr kumimoji="1" lang="ja-JP" altLang="en-US" dirty="0" smtClean="0"/>
+              <a:t>山札</a:t>
+            </a:r>
+            <a:endParaRPr kumimoji="1" lang="ja-JP" altLang="en-US" dirty="0"/>
+          </a:p>
+        </p:txBody>
+      </p:sp>
+      <p:sp>
+        <p:nvSpPr>
+          <p:cNvPr id="30" name="正方形/長方形 29"/>
+          <p:cNvSpPr/>
+          <p:nvPr/>
+        </p:nvSpPr>
+        <p:spPr>
+          <a:xfrm>
+            <a:off x="647114" y="5345723"/>
+            <a:ext cx="2160336" cy="1140129"/>
+          </a:xfrm>
+          <a:prstGeom prst="rect">
             <a:avLst/>
           </a:prstGeom>
         </p:spPr>
@@ -4560,8 +4806,8 @@
           <a:p>
             <a:pPr algn="ctr"/>
             <a:r>
-              <a:rPr kumimoji="1" lang="en-US" altLang="ja-JP" dirty="0" smtClean="0"/>
-              <a:t>2</a:t>
+              <a:rPr lang="en-US" altLang="ja-JP" dirty="0"/>
+              <a:t>1</a:t>
             </a:r>
             <a:r>
               <a:rPr kumimoji="1" lang="ja-JP" altLang="en-US" dirty="0" smtClean="0"/>
@@ -4571,206 +4817,6 @@
           </a:p>
         </p:txBody>
       </p:sp>
-      <p:sp>
-        <p:nvSpPr>
-          <p:cNvPr id="21" name="フローチャート: 代替処理 20"/>
-          <p:cNvSpPr/>
-          <p:nvPr/>
-        </p:nvSpPr>
-        <p:spPr>
-          <a:xfrm>
-            <a:off x="2179025" y="5615030"/>
-            <a:ext cx="1572047" cy="787059"/>
-          </a:xfrm>
-          <a:prstGeom prst="flowChartAlternateProcess">
-            <a:avLst/>
-          </a:prstGeom>
-          <a:solidFill>
-            <a:schemeClr val="tx1"/>
-          </a:solidFill>
-        </p:spPr>
-        <p:style>
-          <a:lnRef idx="2">
-            <a:schemeClr val="accent1">
-              <a:shade val="50000"/>
-            </a:schemeClr>
-          </a:lnRef>
-          <a:fillRef idx="1">
-            <a:schemeClr val="accent1"/>
-          </a:fillRef>
-          <a:effectRef idx="0">
-            <a:schemeClr val="accent1"/>
-          </a:effectRef>
-          <a:fontRef idx="minor">
-            <a:schemeClr val="lt1"/>
-          </a:fontRef>
-        </p:style>
-        <p:txBody>
-          <a:bodyPr rtlCol="0" anchor="ctr"/>
-          <a:lstStyle/>
-          <a:p>
-            <a:pPr algn="ctr"/>
-            <a:r>
-              <a:rPr lang="en-US" altLang="ja-JP" dirty="0"/>
-              <a:t>4</a:t>
-            </a:r>
-            <a:r>
-              <a:rPr kumimoji="1" lang="en-US" altLang="ja-JP" dirty="0" smtClean="0"/>
-              <a:t>00</a:t>
-            </a:r>
-            <a:endParaRPr kumimoji="1" lang="ja-JP" altLang="en-US" dirty="0"/>
-          </a:p>
-        </p:txBody>
-      </p:sp>
-      <p:pic>
-        <p:nvPicPr>
-          <p:cNvPr id="2" name="図 1"/>
-          <p:cNvPicPr>
-            <a:picLocks noChangeAspect="1"/>
-          </p:cNvPicPr>
-          <p:nvPr/>
-        </p:nvPicPr>
-        <p:blipFill>
-          <a:blip r:embed="rId6">
-            <a:extLst>
-              <a:ext uri="{28A0092B-C50C-407E-A947-70E740481C1C}">
-                <a14:useLocalDpi xmlns:a14="http://schemas.microsoft.com/office/drawing/2010/main" val="0"/>
-              </a:ext>
-            </a:extLst>
-          </a:blip>
-          <a:stretch>
-            <a:fillRect/>
-          </a:stretch>
-        </p:blipFill>
-        <p:spPr>
-          <a:xfrm>
-            <a:off x="3947055" y="1754017"/>
-            <a:ext cx="4065563" cy="2462014"/>
-          </a:xfrm>
-          <a:prstGeom prst="rect">
-            <a:avLst/>
-          </a:prstGeom>
-        </p:spPr>
-      </p:pic>
-      <p:pic>
-        <p:nvPicPr>
-          <p:cNvPr id="3" name="図 2"/>
-          <p:cNvPicPr>
-            <a:picLocks noChangeAspect="1"/>
-          </p:cNvPicPr>
-          <p:nvPr/>
-        </p:nvPicPr>
-        <p:blipFill rotWithShape="1">
-          <a:blip r:embed="rId7" cstate="print">
-            <a:extLst>
-              <a:ext uri="{28A0092B-C50C-407E-A947-70E740481C1C}">
-                <a14:useLocalDpi xmlns:a14="http://schemas.microsoft.com/office/drawing/2010/main" val="0"/>
-              </a:ext>
-            </a:extLst>
-          </a:blip>
-          <a:srcRect l="20075" t="7442" r="18439" b="5288"/>
-          <a:stretch/>
-        </p:blipFill>
-        <p:spPr>
-          <a:xfrm>
-            <a:off x="5058441" y="3583658"/>
-            <a:ext cx="1621015" cy="2300797"/>
-          </a:xfrm>
-          <a:prstGeom prst="rect">
-            <a:avLst/>
-          </a:prstGeom>
-        </p:spPr>
-      </p:pic>
-      <p:pic>
-        <p:nvPicPr>
-          <p:cNvPr id="20" name="図 19"/>
-          <p:cNvPicPr>
-            <a:picLocks noChangeAspect="1"/>
-          </p:cNvPicPr>
-          <p:nvPr/>
-        </p:nvPicPr>
-        <p:blipFill>
-          <a:blip r:embed="rId2">
-            <a:extLst>
-              <a:ext uri="{28A0092B-C50C-407E-A947-70E740481C1C}">
-                <a14:useLocalDpi xmlns:a14="http://schemas.microsoft.com/office/drawing/2010/main" val="0"/>
-              </a:ext>
-            </a:extLst>
-          </a:blip>
-          <a:stretch>
-            <a:fillRect/>
-          </a:stretch>
-        </p:blipFill>
-        <p:spPr>
-          <a:xfrm>
-            <a:off x="10095900" y="4065476"/>
-            <a:ext cx="1742054" cy="2420376"/>
-          </a:xfrm>
-          <a:prstGeom prst="rect">
-            <a:avLst/>
-          </a:prstGeom>
-        </p:spPr>
-      </p:pic>
-      <p:pic>
-        <p:nvPicPr>
-          <p:cNvPr id="22" name="図 21"/>
-          <p:cNvPicPr>
-            <a:picLocks noChangeAspect="1"/>
-          </p:cNvPicPr>
-          <p:nvPr/>
-        </p:nvPicPr>
-        <p:blipFill>
-          <a:blip r:embed="rId2">
-            <a:extLst>
-              <a:ext uri="{28A0092B-C50C-407E-A947-70E740481C1C}">
-                <a14:useLocalDpi xmlns:a14="http://schemas.microsoft.com/office/drawing/2010/main" val="0"/>
-              </a:ext>
-            </a:extLst>
-          </a:blip>
-          <a:stretch>
-            <a:fillRect/>
-          </a:stretch>
-        </p:blipFill>
-        <p:spPr>
-          <a:xfrm>
-            <a:off x="10252058" y="4065476"/>
-            <a:ext cx="1742054" cy="2420376"/>
-          </a:xfrm>
-          <a:prstGeom prst="rect">
-            <a:avLst/>
-          </a:prstGeom>
-        </p:spPr>
-      </p:pic>
-      <p:pic>
-        <p:nvPicPr>
-          <p:cNvPr id="23" name="図 22"/>
-          <p:cNvPicPr>
-            <a:picLocks noChangeAspect="1"/>
-          </p:cNvPicPr>
-          <p:nvPr/>
-        </p:nvPicPr>
-        <p:blipFill>
-          <a:blip r:embed="rId2">
-            <a:extLst>
-              <a:ext uri="{28A0092B-C50C-407E-A947-70E740481C1C}">
-                <a14:useLocalDpi xmlns:a14="http://schemas.microsoft.com/office/drawing/2010/main" val="0"/>
-              </a:ext>
-            </a:extLst>
-          </a:blip>
-          <a:stretch>
-            <a:fillRect/>
-          </a:stretch>
-        </p:blipFill>
-        <p:spPr>
-          <a:xfrm>
-            <a:off x="10398317" y="4022482"/>
-            <a:ext cx="1742054" cy="2420376"/>
-          </a:xfrm>
-          <a:prstGeom prst="rect">
-            <a:avLst/>
-          </a:prstGeom>
-        </p:spPr>
-      </p:pic>
     </p:spTree>
     <p:extLst>
       <p:ext uri="{BB962C8B-B14F-4D97-AF65-F5344CB8AC3E}">
@@ -5175,7 +5221,7 @@
         <p:spPr>
           <a:xfrm>
             <a:off x="1836270" y="3966589"/>
-            <a:ext cx="1930337" cy="923330"/>
+            <a:ext cx="2013693" cy="923330"/>
           </a:xfrm>
           <a:prstGeom prst="rect">
             <a:avLst/>
@@ -5194,7 +5240,7 @@
                   <a:srgbClr val="FFFF00"/>
                 </a:solidFill>
               </a:rPr>
-              <a:t>HIGT</a:t>
+              <a:t>HIGH</a:t>
             </a:r>
             <a:endParaRPr kumimoji="1" lang="ja-JP" altLang="en-US" sz="5400" b="1" dirty="0">
               <a:solidFill>
@@ -5265,18 +5311,280 @@
           </a:p>
         </p:txBody>
       </p:sp>
-      <p:sp>
-        <p:nvSpPr>
-          <p:cNvPr id="19" name="フローチャート: 代替処理 18"/>
+      <p:pic>
+        <p:nvPicPr>
+          <p:cNvPr id="10" name="図 9"/>
+          <p:cNvPicPr>
+            <a:picLocks noChangeAspect="1"/>
+          </p:cNvPicPr>
+          <p:nvPr/>
+        </p:nvPicPr>
+        <p:blipFill>
+          <a:blip r:embed="rId6">
+            <a:extLst>
+              <a:ext uri="{28A0092B-C50C-407E-A947-70E740481C1C}">
+                <a14:useLocalDpi xmlns:a14="http://schemas.microsoft.com/office/drawing/2010/main" val="0"/>
+              </a:ext>
+            </a:extLst>
+          </a:blip>
+          <a:stretch>
+            <a:fillRect/>
+          </a:stretch>
+        </p:blipFill>
+        <p:spPr>
+          <a:xfrm>
+            <a:off x="4143912" y="1926541"/>
+            <a:ext cx="3904068" cy="2597706"/>
+          </a:xfrm>
+          <a:prstGeom prst="rect">
+            <a:avLst/>
+          </a:prstGeom>
+        </p:spPr>
+      </p:pic>
+      <p:pic>
+        <p:nvPicPr>
+          <p:cNvPr id="24" name="図 23"/>
+          <p:cNvPicPr>
+            <a:picLocks noChangeAspect="1"/>
+          </p:cNvPicPr>
+          <p:nvPr/>
+        </p:nvPicPr>
+        <p:blipFill>
+          <a:blip r:embed="rId7">
+            <a:extLst>
+              <a:ext uri="{28A0092B-C50C-407E-A947-70E740481C1C}">
+                <a14:useLocalDpi xmlns:a14="http://schemas.microsoft.com/office/drawing/2010/main" val="0"/>
+              </a:ext>
+            </a:extLst>
+          </a:blip>
+          <a:stretch>
+            <a:fillRect/>
+          </a:stretch>
+        </p:blipFill>
+        <p:spPr>
+          <a:xfrm>
+            <a:off x="5027652" y="3600377"/>
+            <a:ext cx="1548497" cy="2132221"/>
+          </a:xfrm>
+          <a:prstGeom prst="rect">
+            <a:avLst/>
+          </a:prstGeom>
+        </p:spPr>
+      </p:pic>
+      <p:pic>
+        <p:nvPicPr>
+          <p:cNvPr id="26" name="図 25"/>
+          <p:cNvPicPr>
+            <a:picLocks noChangeAspect="1"/>
+          </p:cNvPicPr>
+          <p:nvPr/>
+        </p:nvPicPr>
+        <p:blipFill>
+          <a:blip r:embed="rId2">
+            <a:extLst>
+              <a:ext uri="{28A0092B-C50C-407E-A947-70E740481C1C}">
+                <a14:useLocalDpi xmlns:a14="http://schemas.microsoft.com/office/drawing/2010/main" val="0"/>
+              </a:ext>
+            </a:extLst>
+          </a:blip>
+          <a:stretch>
+            <a:fillRect/>
+          </a:stretch>
+        </p:blipFill>
+        <p:spPr>
+          <a:xfrm>
+            <a:off x="10424753" y="4149237"/>
+            <a:ext cx="1731929" cy="2406308"/>
+          </a:xfrm>
+          <a:prstGeom prst="rect">
+            <a:avLst/>
+          </a:prstGeom>
+        </p:spPr>
+      </p:pic>
+      <p:pic>
+        <p:nvPicPr>
+          <p:cNvPr id="27" name="図 26"/>
+          <p:cNvPicPr>
+            <a:picLocks noChangeAspect="1"/>
+          </p:cNvPicPr>
+          <p:nvPr/>
+        </p:nvPicPr>
+        <p:blipFill>
+          <a:blip r:embed="rId2">
+            <a:extLst>
+              <a:ext uri="{28A0092B-C50C-407E-A947-70E740481C1C}">
+                <a14:useLocalDpi xmlns:a14="http://schemas.microsoft.com/office/drawing/2010/main" val="0"/>
+              </a:ext>
+            </a:extLst>
+          </a:blip>
+          <a:stretch>
+            <a:fillRect/>
+          </a:stretch>
+        </p:blipFill>
+        <p:spPr>
+          <a:xfrm>
+            <a:off x="9885999" y="4149237"/>
+            <a:ext cx="1742054" cy="2420376"/>
+          </a:xfrm>
+          <a:prstGeom prst="rect">
+            <a:avLst/>
+          </a:prstGeom>
+        </p:spPr>
+      </p:pic>
+      <p:pic>
+        <p:nvPicPr>
+          <p:cNvPr id="28" name="図 27"/>
+          <p:cNvPicPr>
+            <a:picLocks noChangeAspect="1"/>
+          </p:cNvPicPr>
+          <p:nvPr/>
+        </p:nvPicPr>
+        <p:blipFill>
+          <a:blip r:embed="rId2">
+            <a:extLst>
+              <a:ext uri="{28A0092B-C50C-407E-A947-70E740481C1C}">
+                <a14:useLocalDpi xmlns:a14="http://schemas.microsoft.com/office/drawing/2010/main" val="0"/>
+              </a:ext>
+            </a:extLst>
+          </a:blip>
+          <a:stretch>
+            <a:fillRect/>
+          </a:stretch>
+        </p:blipFill>
+        <p:spPr>
+          <a:xfrm>
+            <a:off x="546102" y="297282"/>
+            <a:ext cx="1731929" cy="2406308"/>
+          </a:xfrm>
+          <a:prstGeom prst="rect">
+            <a:avLst/>
+          </a:prstGeom>
+        </p:spPr>
+      </p:pic>
+      <p:pic>
+        <p:nvPicPr>
+          <p:cNvPr id="29" name="図 28"/>
+          <p:cNvPicPr>
+            <a:picLocks noChangeAspect="1"/>
+          </p:cNvPicPr>
+          <p:nvPr/>
+        </p:nvPicPr>
+        <p:blipFill>
+          <a:blip r:embed="rId2">
+            <a:extLst>
+              <a:ext uri="{28A0092B-C50C-407E-A947-70E740481C1C}">
+                <a14:useLocalDpi xmlns:a14="http://schemas.microsoft.com/office/drawing/2010/main" val="0"/>
+              </a:ext>
+            </a:extLst>
+          </a:blip>
+          <a:stretch>
+            <a:fillRect/>
+          </a:stretch>
+        </p:blipFill>
+        <p:spPr>
+          <a:xfrm>
+            <a:off x="844627" y="277443"/>
+            <a:ext cx="1742054" cy="2420376"/>
+          </a:xfrm>
+          <a:prstGeom prst="rect">
+            <a:avLst/>
+          </a:prstGeom>
+        </p:spPr>
+      </p:pic>
+      <p:pic>
+        <p:nvPicPr>
+          <p:cNvPr id="30" name="図 29"/>
+          <p:cNvPicPr>
+            <a:picLocks noChangeAspect="1"/>
+          </p:cNvPicPr>
+          <p:nvPr/>
+        </p:nvPicPr>
+        <p:blipFill>
+          <a:blip r:embed="rId2">
+            <a:extLst>
+              <a:ext uri="{28A0092B-C50C-407E-A947-70E740481C1C}">
+                <a14:useLocalDpi xmlns:a14="http://schemas.microsoft.com/office/drawing/2010/main" val="0"/>
+              </a:ext>
+            </a:extLst>
+          </a:blip>
+          <a:stretch>
+            <a:fillRect/>
+          </a:stretch>
+        </p:blipFill>
+        <p:spPr>
+          <a:xfrm>
+            <a:off x="1075521" y="235185"/>
+            <a:ext cx="1731929" cy="2406308"/>
+          </a:xfrm>
+          <a:prstGeom prst="rect">
+            <a:avLst/>
+          </a:prstGeom>
+        </p:spPr>
+      </p:pic>
+      <p:sp>
+        <p:nvSpPr>
+          <p:cNvPr id="31" name="フローチャート: 端子 30"/>
           <p:cNvSpPr/>
           <p:nvPr/>
         </p:nvSpPr>
         <p:spPr>
           <a:xfrm>
-            <a:off x="323557" y="5630389"/>
-            <a:ext cx="1512713" cy="756343"/>
-          </a:xfrm>
-          <a:prstGeom prst="flowChartAlternateProcess">
+            <a:off x="353314" y="2779333"/>
+            <a:ext cx="2233367" cy="399966"/>
+          </a:xfrm>
+          <a:prstGeom prst="flowChartTerminator">
+            <a:avLst/>
+          </a:prstGeom>
+          <a:solidFill>
+            <a:schemeClr val="tx1"/>
+          </a:solidFill>
+          <a:ln>
+            <a:solidFill>
+              <a:schemeClr val="bg1"/>
+            </a:solidFill>
+          </a:ln>
+        </p:spPr>
+        <p:style>
+          <a:lnRef idx="2">
+            <a:schemeClr val="accent1">
+              <a:shade val="50000"/>
+            </a:schemeClr>
+          </a:lnRef>
+          <a:fillRef idx="1">
+            <a:schemeClr val="accent1"/>
+          </a:fillRef>
+          <a:effectRef idx="0">
+            <a:schemeClr val="accent1"/>
+          </a:effectRef>
+          <a:fontRef idx="minor">
+            <a:schemeClr val="lt1"/>
+          </a:fontRef>
+        </p:style>
+        <p:txBody>
+          <a:bodyPr rtlCol="0" anchor="ctr"/>
+          <a:lstStyle/>
+          <a:p>
+            <a:pPr algn="ctr"/>
+            <a:r>
+              <a:rPr kumimoji="1" lang="ja-JP" altLang="en-US" dirty="0" smtClean="0"/>
+              <a:t>山札</a:t>
+            </a:r>
+            <a:endParaRPr kumimoji="1" lang="ja-JP" altLang="en-US" dirty="0"/>
+          </a:p>
+        </p:txBody>
+      </p:sp>
+      <p:sp>
+        <p:nvSpPr>
+          <p:cNvPr id="32" name="正方形/長方形 31"/>
+          <p:cNvSpPr/>
+          <p:nvPr/>
+        </p:nvSpPr>
+        <p:spPr>
+          <a:xfrm>
+            <a:off x="647114" y="5345723"/>
+            <a:ext cx="2160336" cy="1140129"/>
+          </a:xfrm>
+          <a:prstGeom prst="rect">
             <a:avLst/>
           </a:prstGeom>
         </p:spPr>
@@ -5302,212 +5610,13 @@
           <a:p>
             <a:pPr algn="ctr"/>
             <a:r>
-              <a:rPr kumimoji="1" lang="en-US" altLang="ja-JP" dirty="0" smtClean="0"/>
-              <a:t>0</a:t>
-            </a:r>
-            <a:r>
               <a:rPr kumimoji="1" lang="ja-JP" altLang="en-US" dirty="0" smtClean="0"/>
-              <a:t>連勝</a:t>
+              <a:t>０連勝</a:t>
             </a:r>
             <a:endParaRPr kumimoji="1" lang="ja-JP" altLang="en-US" dirty="0"/>
           </a:p>
         </p:txBody>
       </p:sp>
-      <p:sp>
-        <p:nvSpPr>
-          <p:cNvPr id="21" name="フローチャート: 代替処理 20"/>
-          <p:cNvSpPr/>
-          <p:nvPr/>
-        </p:nvSpPr>
-        <p:spPr>
-          <a:xfrm>
-            <a:off x="2179025" y="5615030"/>
-            <a:ext cx="1572047" cy="787059"/>
-          </a:xfrm>
-          <a:prstGeom prst="flowChartAlternateProcess">
-            <a:avLst/>
-          </a:prstGeom>
-          <a:solidFill>
-            <a:schemeClr val="tx1"/>
-          </a:solidFill>
-        </p:spPr>
-        <p:style>
-          <a:lnRef idx="2">
-            <a:schemeClr val="accent1">
-              <a:shade val="50000"/>
-            </a:schemeClr>
-          </a:lnRef>
-          <a:fillRef idx="1">
-            <a:schemeClr val="accent1"/>
-          </a:fillRef>
-          <a:effectRef idx="0">
-            <a:schemeClr val="accent1"/>
-          </a:effectRef>
-          <a:fontRef idx="minor">
-            <a:schemeClr val="lt1"/>
-          </a:fontRef>
-        </p:style>
-        <p:txBody>
-          <a:bodyPr rtlCol="0" anchor="ctr"/>
-          <a:lstStyle/>
-          <a:p>
-            <a:pPr algn="ctr"/>
-            <a:r>
-              <a:rPr kumimoji="1" lang="en-US" altLang="ja-JP" dirty="0" smtClean="0"/>
-              <a:t>0</a:t>
-            </a:r>
-          </a:p>
-        </p:txBody>
-      </p:sp>
-      <p:pic>
-        <p:nvPicPr>
-          <p:cNvPr id="3" name="図 2"/>
-          <p:cNvPicPr>
-            <a:picLocks noChangeAspect="1"/>
-          </p:cNvPicPr>
-          <p:nvPr/>
-        </p:nvPicPr>
-        <p:blipFill rotWithShape="1">
-          <a:blip r:embed="rId6" cstate="print">
-            <a:extLst>
-              <a:ext uri="{28A0092B-C50C-407E-A947-70E740481C1C}">
-                <a14:useLocalDpi xmlns:a14="http://schemas.microsoft.com/office/drawing/2010/main" val="0"/>
-              </a:ext>
-            </a:extLst>
-          </a:blip>
-          <a:srcRect l="20075" t="7442" r="18439" b="5288"/>
-          <a:stretch/>
-        </p:blipFill>
-        <p:spPr>
-          <a:xfrm>
-            <a:off x="5058441" y="3583658"/>
-            <a:ext cx="1621015" cy="2300797"/>
-          </a:xfrm>
-          <a:prstGeom prst="rect">
-            <a:avLst/>
-          </a:prstGeom>
-        </p:spPr>
-      </p:pic>
-      <p:pic>
-        <p:nvPicPr>
-          <p:cNvPr id="10" name="図 9"/>
-          <p:cNvPicPr>
-            <a:picLocks noChangeAspect="1"/>
-          </p:cNvPicPr>
-          <p:nvPr/>
-        </p:nvPicPr>
-        <p:blipFill>
-          <a:blip r:embed="rId7">
-            <a:extLst>
-              <a:ext uri="{28A0092B-C50C-407E-A947-70E740481C1C}">
-                <a14:useLocalDpi xmlns:a14="http://schemas.microsoft.com/office/drawing/2010/main" val="0"/>
-              </a:ext>
-            </a:extLst>
-          </a:blip>
-          <a:stretch>
-            <a:fillRect/>
-          </a:stretch>
-        </p:blipFill>
-        <p:spPr>
-          <a:xfrm>
-            <a:off x="4143912" y="1926541"/>
-            <a:ext cx="3904068" cy="2597706"/>
-          </a:xfrm>
-          <a:prstGeom prst="rect">
-            <a:avLst/>
-          </a:prstGeom>
-        </p:spPr>
-      </p:pic>
-      <p:pic>
-        <p:nvPicPr>
-          <p:cNvPr id="20" name="図 19"/>
-          <p:cNvPicPr>
-            <a:picLocks noChangeAspect="1"/>
-          </p:cNvPicPr>
-          <p:nvPr/>
-        </p:nvPicPr>
-        <p:blipFill>
-          <a:blip r:embed="rId2">
-            <a:extLst>
-              <a:ext uri="{28A0092B-C50C-407E-A947-70E740481C1C}">
-                <a14:useLocalDpi xmlns:a14="http://schemas.microsoft.com/office/drawing/2010/main" val="0"/>
-              </a:ext>
-            </a:extLst>
-          </a:blip>
-          <a:stretch>
-            <a:fillRect/>
-          </a:stretch>
-        </p:blipFill>
-        <p:spPr>
-          <a:xfrm>
-            <a:off x="10095900" y="4065476"/>
-            <a:ext cx="1742054" cy="2420376"/>
-          </a:xfrm>
-          <a:prstGeom prst="rect">
-            <a:avLst/>
-          </a:prstGeom>
-        </p:spPr>
-      </p:pic>
-      <p:pic>
-        <p:nvPicPr>
-          <p:cNvPr id="22" name="図 21"/>
-          <p:cNvPicPr>
-            <a:picLocks noChangeAspect="1"/>
-          </p:cNvPicPr>
-          <p:nvPr/>
-        </p:nvPicPr>
-        <p:blipFill>
-          <a:blip r:embed="rId2">
-            <a:extLst>
-              <a:ext uri="{28A0092B-C50C-407E-A947-70E740481C1C}">
-                <a14:useLocalDpi xmlns:a14="http://schemas.microsoft.com/office/drawing/2010/main" val="0"/>
-              </a:ext>
-            </a:extLst>
-          </a:blip>
-          <a:stretch>
-            <a:fillRect/>
-          </a:stretch>
-        </p:blipFill>
-        <p:spPr>
-          <a:xfrm>
-            <a:off x="10245173" y="3981713"/>
-            <a:ext cx="1742054" cy="2420376"/>
-          </a:xfrm>
-          <a:prstGeom prst="rect">
-            <a:avLst/>
-          </a:prstGeom>
-        </p:spPr>
-      </p:pic>
-      <p:pic>
-        <p:nvPicPr>
-          <p:cNvPr id="23" name="図 22"/>
-          <p:cNvPicPr>
-            <a:picLocks noChangeAspect="1"/>
-          </p:cNvPicPr>
-          <p:nvPr/>
-        </p:nvPicPr>
-        <p:blipFill>
-          <a:blip r:embed="rId2">
-            <a:extLst>
-              <a:ext uri="{28A0092B-C50C-407E-A947-70E740481C1C}">
-                <a14:useLocalDpi xmlns:a14="http://schemas.microsoft.com/office/drawing/2010/main" val="0"/>
-              </a:ext>
-            </a:extLst>
-          </a:blip>
-          <a:stretch>
-            <a:fillRect/>
-          </a:stretch>
-        </p:blipFill>
-        <p:spPr>
-          <a:xfrm>
-            <a:off x="10394446" y="3966356"/>
-            <a:ext cx="1742054" cy="2420376"/>
-          </a:xfrm>
-          <a:prstGeom prst="rect">
-            <a:avLst/>
-          </a:prstGeom>
-        </p:spPr>
-      </p:pic>
     </p:spTree>
     <p:extLst>
       <p:ext uri="{BB962C8B-B14F-4D97-AF65-F5344CB8AC3E}">
@@ -5912,7 +6021,7 @@
         <p:spPr>
           <a:xfrm>
             <a:off x="1836270" y="3966589"/>
-            <a:ext cx="1930337" cy="923330"/>
+            <a:ext cx="2013693" cy="923330"/>
           </a:xfrm>
           <a:prstGeom prst="rect">
             <a:avLst/>
@@ -5926,12 +6035,12 @@
           <a:lstStyle/>
           <a:p>
             <a:r>
-              <a:rPr kumimoji="1" lang="en-US" altLang="ja-JP" sz="5400" b="1" dirty="0" smtClean="0">
+              <a:rPr kumimoji="1" lang="en-US" altLang="ja-JP" sz="5400" b="1" smtClean="0">
                 <a:solidFill>
                   <a:srgbClr val="FFFF00"/>
                 </a:solidFill>
               </a:rPr>
-              <a:t>HIGT</a:t>
+              <a:t>HIGH</a:t>
             </a:r>
             <a:endParaRPr kumimoji="1" lang="ja-JP" altLang="en-US" sz="5400" b="1" dirty="0">
               <a:solidFill>
@@ -6002,18 +6111,280 @@
           </a:p>
         </p:txBody>
       </p:sp>
-      <p:sp>
-        <p:nvSpPr>
-          <p:cNvPr id="19" name="フローチャート: 代替処理 18"/>
+      <p:pic>
+        <p:nvPicPr>
+          <p:cNvPr id="10" name="図 9"/>
+          <p:cNvPicPr>
+            <a:picLocks noChangeAspect="1"/>
+          </p:cNvPicPr>
+          <p:nvPr/>
+        </p:nvPicPr>
+        <p:blipFill>
+          <a:blip r:embed="rId6">
+            <a:extLst>
+              <a:ext uri="{28A0092B-C50C-407E-A947-70E740481C1C}">
+                <a14:useLocalDpi xmlns:a14="http://schemas.microsoft.com/office/drawing/2010/main" val="0"/>
+              </a:ext>
+            </a:extLst>
+          </a:blip>
+          <a:stretch>
+            <a:fillRect/>
+          </a:stretch>
+        </p:blipFill>
+        <p:spPr>
+          <a:xfrm>
+            <a:off x="4242379" y="1410917"/>
+            <a:ext cx="2993298" cy="2993298"/>
+          </a:xfrm>
+          <a:prstGeom prst="rect">
+            <a:avLst/>
+          </a:prstGeom>
+        </p:spPr>
+      </p:pic>
+      <p:pic>
+        <p:nvPicPr>
+          <p:cNvPr id="25" name="図 24"/>
+          <p:cNvPicPr>
+            <a:picLocks noChangeAspect="1"/>
+          </p:cNvPicPr>
+          <p:nvPr/>
+        </p:nvPicPr>
+        <p:blipFill>
+          <a:blip r:embed="rId7" cstate="print">
+            <a:extLst>
+              <a:ext uri="{28A0092B-C50C-407E-A947-70E740481C1C}">
+                <a14:useLocalDpi xmlns:a14="http://schemas.microsoft.com/office/drawing/2010/main" val="0"/>
+              </a:ext>
+            </a:extLst>
+          </a:blip>
+          <a:stretch>
+            <a:fillRect/>
+          </a:stretch>
+        </p:blipFill>
+        <p:spPr>
+          <a:xfrm>
+            <a:off x="4958317" y="3499792"/>
+            <a:ext cx="1724078" cy="2407865"/>
+          </a:xfrm>
+          <a:prstGeom prst="rect">
+            <a:avLst/>
+          </a:prstGeom>
+        </p:spPr>
+      </p:pic>
+      <p:pic>
+        <p:nvPicPr>
+          <p:cNvPr id="26" name="図 25"/>
+          <p:cNvPicPr>
+            <a:picLocks noChangeAspect="1"/>
+          </p:cNvPicPr>
+          <p:nvPr/>
+        </p:nvPicPr>
+        <p:blipFill>
+          <a:blip r:embed="rId2">
+            <a:extLst>
+              <a:ext uri="{28A0092B-C50C-407E-A947-70E740481C1C}">
+                <a14:useLocalDpi xmlns:a14="http://schemas.microsoft.com/office/drawing/2010/main" val="0"/>
+              </a:ext>
+            </a:extLst>
+          </a:blip>
+          <a:stretch>
+            <a:fillRect/>
+          </a:stretch>
+        </p:blipFill>
+        <p:spPr>
+          <a:xfrm>
+            <a:off x="10494244" y="4149237"/>
+            <a:ext cx="1731929" cy="2406308"/>
+          </a:xfrm>
+          <a:prstGeom prst="rect">
+            <a:avLst/>
+          </a:prstGeom>
+        </p:spPr>
+      </p:pic>
+      <p:pic>
+        <p:nvPicPr>
+          <p:cNvPr id="27" name="図 26"/>
+          <p:cNvPicPr>
+            <a:picLocks noChangeAspect="1"/>
+          </p:cNvPicPr>
+          <p:nvPr/>
+        </p:nvPicPr>
+        <p:blipFill>
+          <a:blip r:embed="rId2">
+            <a:extLst>
+              <a:ext uri="{28A0092B-C50C-407E-A947-70E740481C1C}">
+                <a14:useLocalDpi xmlns:a14="http://schemas.microsoft.com/office/drawing/2010/main" val="0"/>
+              </a:ext>
+            </a:extLst>
+          </a:blip>
+          <a:stretch>
+            <a:fillRect/>
+          </a:stretch>
+        </p:blipFill>
+        <p:spPr>
+          <a:xfrm>
+            <a:off x="10160365" y="4149237"/>
+            <a:ext cx="1742054" cy="2420376"/>
+          </a:xfrm>
+          <a:prstGeom prst="rect">
+            <a:avLst/>
+          </a:prstGeom>
+        </p:spPr>
+      </p:pic>
+      <p:pic>
+        <p:nvPicPr>
+          <p:cNvPr id="28" name="図 27"/>
+          <p:cNvPicPr>
+            <a:picLocks noChangeAspect="1"/>
+          </p:cNvPicPr>
+          <p:nvPr/>
+        </p:nvPicPr>
+        <p:blipFill>
+          <a:blip r:embed="rId2">
+            <a:extLst>
+              <a:ext uri="{28A0092B-C50C-407E-A947-70E740481C1C}">
+                <a14:useLocalDpi xmlns:a14="http://schemas.microsoft.com/office/drawing/2010/main" val="0"/>
+              </a:ext>
+            </a:extLst>
+          </a:blip>
+          <a:stretch>
+            <a:fillRect/>
+          </a:stretch>
+        </p:blipFill>
+        <p:spPr>
+          <a:xfrm>
+            <a:off x="546102" y="297282"/>
+            <a:ext cx="1731929" cy="2406308"/>
+          </a:xfrm>
+          <a:prstGeom prst="rect">
+            <a:avLst/>
+          </a:prstGeom>
+        </p:spPr>
+      </p:pic>
+      <p:pic>
+        <p:nvPicPr>
+          <p:cNvPr id="29" name="図 28"/>
+          <p:cNvPicPr>
+            <a:picLocks noChangeAspect="1"/>
+          </p:cNvPicPr>
+          <p:nvPr/>
+        </p:nvPicPr>
+        <p:blipFill>
+          <a:blip r:embed="rId2">
+            <a:extLst>
+              <a:ext uri="{28A0092B-C50C-407E-A947-70E740481C1C}">
+                <a14:useLocalDpi xmlns:a14="http://schemas.microsoft.com/office/drawing/2010/main" val="0"/>
+              </a:ext>
+            </a:extLst>
+          </a:blip>
+          <a:stretch>
+            <a:fillRect/>
+          </a:stretch>
+        </p:blipFill>
+        <p:spPr>
+          <a:xfrm>
+            <a:off x="844627" y="277443"/>
+            <a:ext cx="1742054" cy="2420376"/>
+          </a:xfrm>
+          <a:prstGeom prst="rect">
+            <a:avLst/>
+          </a:prstGeom>
+        </p:spPr>
+      </p:pic>
+      <p:pic>
+        <p:nvPicPr>
+          <p:cNvPr id="30" name="図 29"/>
+          <p:cNvPicPr>
+            <a:picLocks noChangeAspect="1"/>
+          </p:cNvPicPr>
+          <p:nvPr/>
+        </p:nvPicPr>
+        <p:blipFill>
+          <a:blip r:embed="rId2">
+            <a:extLst>
+              <a:ext uri="{28A0092B-C50C-407E-A947-70E740481C1C}">
+                <a14:useLocalDpi xmlns:a14="http://schemas.microsoft.com/office/drawing/2010/main" val="0"/>
+              </a:ext>
+            </a:extLst>
+          </a:blip>
+          <a:stretch>
+            <a:fillRect/>
+          </a:stretch>
+        </p:blipFill>
+        <p:spPr>
+          <a:xfrm>
+            <a:off x="1075521" y="235185"/>
+            <a:ext cx="1731929" cy="2406308"/>
+          </a:xfrm>
+          <a:prstGeom prst="rect">
+            <a:avLst/>
+          </a:prstGeom>
+        </p:spPr>
+      </p:pic>
+      <p:sp>
+        <p:nvSpPr>
+          <p:cNvPr id="31" name="フローチャート: 端子 30"/>
           <p:cNvSpPr/>
           <p:nvPr/>
         </p:nvSpPr>
         <p:spPr>
           <a:xfrm>
-            <a:off x="323557" y="5630389"/>
-            <a:ext cx="1512713" cy="756343"/>
-          </a:xfrm>
-          <a:prstGeom prst="flowChartAlternateProcess">
+            <a:off x="353314" y="2779333"/>
+            <a:ext cx="2233367" cy="399966"/>
+          </a:xfrm>
+          <a:prstGeom prst="flowChartTerminator">
+            <a:avLst/>
+          </a:prstGeom>
+          <a:solidFill>
+            <a:schemeClr val="tx1"/>
+          </a:solidFill>
+          <a:ln>
+            <a:solidFill>
+              <a:schemeClr val="bg1"/>
+            </a:solidFill>
+          </a:ln>
+        </p:spPr>
+        <p:style>
+          <a:lnRef idx="2">
+            <a:schemeClr val="accent1">
+              <a:shade val="50000"/>
+            </a:schemeClr>
+          </a:lnRef>
+          <a:fillRef idx="1">
+            <a:schemeClr val="accent1"/>
+          </a:fillRef>
+          <a:effectRef idx="0">
+            <a:schemeClr val="accent1"/>
+          </a:effectRef>
+          <a:fontRef idx="minor">
+            <a:schemeClr val="lt1"/>
+          </a:fontRef>
+        </p:style>
+        <p:txBody>
+          <a:bodyPr rtlCol="0" anchor="ctr"/>
+          <a:lstStyle/>
+          <a:p>
+            <a:pPr algn="ctr"/>
+            <a:r>
+              <a:rPr kumimoji="1" lang="ja-JP" altLang="en-US" dirty="0" smtClean="0"/>
+              <a:t>山札</a:t>
+            </a:r>
+            <a:endParaRPr kumimoji="1" lang="ja-JP" altLang="en-US" dirty="0"/>
+          </a:p>
+        </p:txBody>
+      </p:sp>
+      <p:sp>
+        <p:nvSpPr>
+          <p:cNvPr id="32" name="正方形/長方形 31"/>
+          <p:cNvSpPr/>
+          <p:nvPr/>
+        </p:nvSpPr>
+        <p:spPr>
+          <a:xfrm>
+            <a:off x="647114" y="5345723"/>
+            <a:ext cx="2160336" cy="1140129"/>
+          </a:xfrm>
+          <a:prstGeom prst="rect">
             <a:avLst/>
           </a:prstGeom>
         </p:spPr>
@@ -6039,217 +6410,13 @@
           <a:p>
             <a:pPr algn="ctr"/>
             <a:r>
-              <a:rPr kumimoji="1" lang="en-US" altLang="ja-JP" dirty="0" smtClean="0"/>
-              <a:t>1</a:t>
-            </a:r>
-            <a:r>
               <a:rPr kumimoji="1" lang="ja-JP" altLang="en-US" dirty="0" smtClean="0"/>
-              <a:t>連勝</a:t>
+              <a:t>０連勝</a:t>
             </a:r>
             <a:endParaRPr kumimoji="1" lang="ja-JP" altLang="en-US" dirty="0"/>
           </a:p>
         </p:txBody>
       </p:sp>
-      <p:sp>
-        <p:nvSpPr>
-          <p:cNvPr id="21" name="フローチャート: 代替処理 20"/>
-          <p:cNvSpPr/>
-          <p:nvPr/>
-        </p:nvSpPr>
-        <p:spPr>
-          <a:xfrm>
-            <a:off x="2179025" y="5615030"/>
-            <a:ext cx="1572047" cy="787059"/>
-          </a:xfrm>
-          <a:prstGeom prst="flowChartAlternateProcess">
-            <a:avLst/>
-          </a:prstGeom>
-          <a:solidFill>
-            <a:schemeClr val="tx1"/>
-          </a:solidFill>
-        </p:spPr>
-        <p:style>
-          <a:lnRef idx="2">
-            <a:schemeClr val="accent1">
-              <a:shade val="50000"/>
-            </a:schemeClr>
-          </a:lnRef>
-          <a:fillRef idx="1">
-            <a:schemeClr val="accent1"/>
-          </a:fillRef>
-          <a:effectRef idx="0">
-            <a:schemeClr val="accent1"/>
-          </a:effectRef>
-          <a:fontRef idx="minor">
-            <a:schemeClr val="lt1"/>
-          </a:fontRef>
-        </p:style>
-        <p:txBody>
-          <a:bodyPr rtlCol="0" anchor="ctr"/>
-          <a:lstStyle/>
-          <a:p>
-            <a:pPr algn="ctr"/>
-            <a:r>
-              <a:rPr lang="en-US" altLang="ja-JP" dirty="0"/>
-              <a:t>1</a:t>
-            </a:r>
-            <a:r>
-              <a:rPr kumimoji="1" lang="en-US" altLang="ja-JP" dirty="0" smtClean="0"/>
-              <a:t>00</a:t>
-            </a:r>
-            <a:endParaRPr kumimoji="1" lang="ja-JP" altLang="en-US" dirty="0"/>
-          </a:p>
-        </p:txBody>
-      </p:sp>
-      <p:pic>
-        <p:nvPicPr>
-          <p:cNvPr id="3" name="図 2"/>
-          <p:cNvPicPr>
-            <a:picLocks noChangeAspect="1"/>
-          </p:cNvPicPr>
-          <p:nvPr/>
-        </p:nvPicPr>
-        <p:blipFill rotWithShape="1">
-          <a:blip r:embed="rId6" cstate="print">
-            <a:extLst>
-              <a:ext uri="{28A0092B-C50C-407E-A947-70E740481C1C}">
-                <a14:useLocalDpi xmlns:a14="http://schemas.microsoft.com/office/drawing/2010/main" val="0"/>
-              </a:ext>
-            </a:extLst>
-          </a:blip>
-          <a:srcRect l="20075" t="7442" r="18439" b="5288"/>
-          <a:stretch/>
-        </p:blipFill>
-        <p:spPr>
-          <a:xfrm>
-            <a:off x="5058441" y="3583658"/>
-            <a:ext cx="1621015" cy="2300797"/>
-          </a:xfrm>
-          <a:prstGeom prst="rect">
-            <a:avLst/>
-          </a:prstGeom>
-        </p:spPr>
-      </p:pic>
-      <p:pic>
-        <p:nvPicPr>
-          <p:cNvPr id="10" name="図 9"/>
-          <p:cNvPicPr>
-            <a:picLocks noChangeAspect="1"/>
-          </p:cNvPicPr>
-          <p:nvPr/>
-        </p:nvPicPr>
-        <p:blipFill>
-          <a:blip r:embed="rId7">
-            <a:extLst>
-              <a:ext uri="{28A0092B-C50C-407E-A947-70E740481C1C}">
-                <a14:useLocalDpi xmlns:a14="http://schemas.microsoft.com/office/drawing/2010/main" val="0"/>
-              </a:ext>
-            </a:extLst>
-          </a:blip>
-          <a:stretch>
-            <a:fillRect/>
-          </a:stretch>
-        </p:blipFill>
-        <p:spPr>
-          <a:xfrm>
-            <a:off x="4242379" y="1410917"/>
-            <a:ext cx="2993298" cy="2993298"/>
-          </a:xfrm>
-          <a:prstGeom prst="rect">
-            <a:avLst/>
-          </a:prstGeom>
-        </p:spPr>
-      </p:pic>
-      <p:pic>
-        <p:nvPicPr>
-          <p:cNvPr id="20" name="図 19"/>
-          <p:cNvPicPr>
-            <a:picLocks noChangeAspect="1"/>
-          </p:cNvPicPr>
-          <p:nvPr/>
-        </p:nvPicPr>
-        <p:blipFill>
-          <a:blip r:embed="rId2">
-            <a:extLst>
-              <a:ext uri="{28A0092B-C50C-407E-A947-70E740481C1C}">
-                <a14:useLocalDpi xmlns:a14="http://schemas.microsoft.com/office/drawing/2010/main" val="0"/>
-              </a:ext>
-            </a:extLst>
-          </a:blip>
-          <a:stretch>
-            <a:fillRect/>
-          </a:stretch>
-        </p:blipFill>
-        <p:spPr>
-          <a:xfrm>
-            <a:off x="10226185" y="4149237"/>
-            <a:ext cx="1742054" cy="2420376"/>
-          </a:xfrm>
-          <a:prstGeom prst="rect">
-            <a:avLst/>
-          </a:prstGeom>
-        </p:spPr>
-      </p:pic>
-      <p:pic>
-        <p:nvPicPr>
-          <p:cNvPr id="22" name="図 21"/>
-          <p:cNvPicPr>
-            <a:picLocks noChangeAspect="1"/>
-          </p:cNvPicPr>
-          <p:nvPr/>
-        </p:nvPicPr>
-        <p:blipFill>
-          <a:blip r:embed="rId2">
-            <a:extLst>
-              <a:ext uri="{28A0092B-C50C-407E-A947-70E740481C1C}">
-                <a14:useLocalDpi xmlns:a14="http://schemas.microsoft.com/office/drawing/2010/main" val="0"/>
-              </a:ext>
-            </a:extLst>
-          </a:blip>
-          <a:stretch>
-            <a:fillRect/>
-          </a:stretch>
-        </p:blipFill>
-        <p:spPr>
-          <a:xfrm>
-            <a:off x="10361734" y="4149237"/>
-            <a:ext cx="1742054" cy="2420376"/>
-          </a:xfrm>
-          <a:prstGeom prst="rect">
-            <a:avLst/>
-          </a:prstGeom>
-        </p:spPr>
-      </p:pic>
-      <p:pic>
-        <p:nvPicPr>
-          <p:cNvPr id="23" name="図 22"/>
-          <p:cNvPicPr>
-            <a:picLocks noChangeAspect="1"/>
-          </p:cNvPicPr>
-          <p:nvPr/>
-        </p:nvPicPr>
-        <p:blipFill>
-          <a:blip r:embed="rId2">
-            <a:extLst>
-              <a:ext uri="{28A0092B-C50C-407E-A947-70E740481C1C}">
-                <a14:useLocalDpi xmlns:a14="http://schemas.microsoft.com/office/drawing/2010/main" val="0"/>
-              </a:ext>
-            </a:extLst>
-          </a:blip>
-          <a:stretch>
-            <a:fillRect/>
-          </a:stretch>
-        </p:blipFill>
-        <p:spPr>
-          <a:xfrm>
-            <a:off x="10573664" y="4149237"/>
-            <a:ext cx="1742054" cy="2420376"/>
-          </a:xfrm>
-          <a:prstGeom prst="rect">
-            <a:avLst/>
-          </a:prstGeom>
-        </p:spPr>
-      </p:pic>
     </p:spTree>
     <p:extLst>
       <p:ext uri="{BB962C8B-B14F-4D97-AF65-F5344CB8AC3E}">

--- a/設計/画面設計.pptx
+++ b/設計/画面設計.pptx
@@ -3750,6 +3750,21 @@
             <a:pPr algn="ctr"/>
             <a:r>
               <a:rPr kumimoji="1" lang="en-US" altLang="ja-JP" dirty="0" smtClean="0"/>
+              <a:t>1</a:t>
+            </a:r>
+            <a:r>
+              <a:rPr kumimoji="1" lang="ja-JP" altLang="en-US" dirty="0" smtClean="0"/>
+              <a:t>枚選択して、</a:t>
+            </a:r>
+            <a:r>
+              <a:rPr kumimoji="1" lang="en-US" altLang="ja-JP" dirty="0" smtClean="0"/>
+              <a:t/>
+            </a:r>
+            <a:br>
+              <a:rPr kumimoji="1" lang="en-US" altLang="ja-JP" dirty="0" smtClean="0"/>
+            </a:br>
+            <a:r>
+              <a:rPr kumimoji="1" lang="en-US" altLang="ja-JP" dirty="0" smtClean="0"/>
               <a:t>HIGT</a:t>
             </a:r>
             <a:r>
@@ -3762,72 +3777,20 @@
             </a:r>
             <a:r>
               <a:rPr kumimoji="1" lang="ja-JP" altLang="en-US" dirty="0" smtClean="0"/>
-              <a:t>を選択してください。</a:t>
+              <a:t>を</a:t>
+            </a:r>
+            <a:r>
+              <a:rPr lang="ja-JP" altLang="en-US" dirty="0" smtClean="0"/>
+              <a:t>宣言してください</a:t>
+            </a:r>
+            <a:r>
+              <a:rPr kumimoji="1" lang="ja-JP" altLang="en-US" dirty="0" smtClean="0"/>
+              <a:t>。</a:t>
             </a:r>
             <a:endParaRPr kumimoji="1" lang="ja-JP" altLang="en-US" dirty="0"/>
           </a:p>
         </p:txBody>
       </p:sp>
-      <p:pic>
-        <p:nvPicPr>
-          <p:cNvPr id="24" name="図 23"/>
-          <p:cNvPicPr>
-            <a:picLocks noChangeAspect="1"/>
-          </p:cNvPicPr>
-          <p:nvPr/>
-        </p:nvPicPr>
-        <p:blipFill>
-          <a:blip r:embed="rId2">
-            <a:extLst>
-              <a:ext uri="{28A0092B-C50C-407E-A947-70E740481C1C}">
-                <a14:useLocalDpi xmlns:a14="http://schemas.microsoft.com/office/drawing/2010/main" val="0"/>
-              </a:ext>
-            </a:extLst>
-          </a:blip>
-          <a:stretch>
-            <a:fillRect/>
-          </a:stretch>
-        </p:blipFill>
-        <p:spPr>
-          <a:xfrm>
-            <a:off x="9809267" y="4156766"/>
-            <a:ext cx="1731929" cy="2406308"/>
-          </a:xfrm>
-          <a:prstGeom prst="rect">
-            <a:avLst/>
-          </a:prstGeom>
-        </p:spPr>
-      </p:pic>
-      <p:pic>
-        <p:nvPicPr>
-          <p:cNvPr id="25" name="図 24"/>
-          <p:cNvPicPr>
-            <a:picLocks noChangeAspect="1"/>
-          </p:cNvPicPr>
-          <p:nvPr/>
-        </p:nvPicPr>
-        <p:blipFill>
-          <a:blip r:embed="rId2">
-            <a:extLst>
-              <a:ext uri="{28A0092B-C50C-407E-A947-70E740481C1C}">
-                <a14:useLocalDpi xmlns:a14="http://schemas.microsoft.com/office/drawing/2010/main" val="0"/>
-              </a:ext>
-            </a:extLst>
-          </a:blip>
-          <a:stretch>
-            <a:fillRect/>
-          </a:stretch>
-        </p:blipFill>
-        <p:spPr>
-          <a:xfrm>
-            <a:off x="10227474" y="4157667"/>
-            <a:ext cx="1742054" cy="2420376"/>
-          </a:xfrm>
-          <a:prstGeom prst="rect">
-            <a:avLst/>
-          </a:prstGeom>
-        </p:spPr>
-      </p:pic>
       <p:pic>
         <p:nvPicPr>
           <p:cNvPr id="26" name="図 25"/>
@@ -4014,6 +3977,125 @@
           </a:p>
         </p:txBody>
       </p:sp>
+      <p:pic>
+        <p:nvPicPr>
+          <p:cNvPr id="19" name="図 18"/>
+          <p:cNvPicPr>
+            <a:picLocks noChangeAspect="1"/>
+          </p:cNvPicPr>
+          <p:nvPr/>
+        </p:nvPicPr>
+        <p:blipFill>
+          <a:blip r:embed="rId2">
+            <a:extLst>
+              <a:ext uri="{28A0092B-C50C-407E-A947-70E740481C1C}">
+                <a14:useLocalDpi xmlns:a14="http://schemas.microsoft.com/office/drawing/2010/main" val="0"/>
+              </a:ext>
+            </a:extLst>
+          </a:blip>
+          <a:stretch>
+            <a:fillRect/>
+          </a:stretch>
+        </p:blipFill>
+        <p:spPr>
+          <a:xfrm>
+            <a:off x="5033515" y="797979"/>
+            <a:ext cx="1421403" cy="1974870"/>
+          </a:xfrm>
+          <a:prstGeom prst="rect">
+            <a:avLst/>
+          </a:prstGeom>
+        </p:spPr>
+      </p:pic>
+      <p:pic>
+        <p:nvPicPr>
+          <p:cNvPr id="20" name="図 19"/>
+          <p:cNvPicPr>
+            <a:picLocks noChangeAspect="1"/>
+          </p:cNvPicPr>
+          <p:nvPr/>
+        </p:nvPicPr>
+        <p:blipFill rotWithShape="1">
+          <a:blip r:embed="rId6" cstate="print">
+            <a:extLst>
+              <a:ext uri="{28A0092B-C50C-407E-A947-70E740481C1C}">
+                <a14:useLocalDpi xmlns:a14="http://schemas.microsoft.com/office/drawing/2010/main" val="0"/>
+              </a:ext>
+            </a:extLst>
+          </a:blip>
+          <a:srcRect l="20075" t="7442" r="18439" b="5288"/>
+          <a:stretch/>
+        </p:blipFill>
+        <p:spPr>
+          <a:xfrm>
+            <a:off x="9777777" y="3766496"/>
+            <a:ext cx="1514272" cy="2149291"/>
+          </a:xfrm>
+          <a:prstGeom prst="rect">
+            <a:avLst/>
+          </a:prstGeom>
+        </p:spPr>
+      </p:pic>
+      <p:pic>
+        <p:nvPicPr>
+          <p:cNvPr id="21" name="図 20"/>
+          <p:cNvPicPr>
+            <a:picLocks noChangeAspect="1"/>
+          </p:cNvPicPr>
+          <p:nvPr/>
+        </p:nvPicPr>
+        <p:blipFill>
+          <a:blip r:embed="rId7">
+            <a:extLst>
+              <a:ext uri="{28A0092B-C50C-407E-A947-70E740481C1C}">
+                <a14:useLocalDpi xmlns:a14="http://schemas.microsoft.com/office/drawing/2010/main" val="0"/>
+              </a:ext>
+            </a:extLst>
+          </a:blip>
+          <a:stretch>
+            <a:fillRect/>
+          </a:stretch>
+        </p:blipFill>
+        <p:spPr>
+          <a:xfrm>
+            <a:off x="10046749" y="3778975"/>
+            <a:ext cx="1427266" cy="1965290"/>
+          </a:xfrm>
+          <a:prstGeom prst="rect">
+            <a:avLst/>
+          </a:prstGeom>
+        </p:spPr>
+      </p:pic>
+      <p:pic>
+        <p:nvPicPr>
+          <p:cNvPr id="22" name="図 21"/>
+          <p:cNvPicPr>
+            <a:picLocks noChangeAspect="1"/>
+          </p:cNvPicPr>
+          <p:nvPr/>
+        </p:nvPicPr>
+        <p:blipFill>
+          <a:blip r:embed="rId8" cstate="print">
+            <a:extLst>
+              <a:ext uri="{28A0092B-C50C-407E-A947-70E740481C1C}">
+                <a14:useLocalDpi xmlns:a14="http://schemas.microsoft.com/office/drawing/2010/main" val="0"/>
+              </a:ext>
+            </a:extLst>
+          </a:blip>
+          <a:stretch>
+            <a:fillRect/>
+          </a:stretch>
+        </p:blipFill>
+        <p:spPr>
+          <a:xfrm>
+            <a:off x="10668285" y="3778975"/>
+            <a:ext cx="1407186" cy="1965290"/>
+          </a:xfrm>
+          <a:prstGeom prst="rect">
+            <a:avLst/>
+          </a:prstGeom>
+        </p:spPr>
+      </p:pic>
     </p:spTree>
     <p:extLst>
       <p:ext uri="{BB962C8B-B14F-4D97-AF65-F5344CB8AC3E}">
@@ -4569,66 +4651,6 @@
       </p:pic>
       <p:pic>
         <p:nvPicPr>
-          <p:cNvPr id="24" name="図 23"/>
-          <p:cNvPicPr>
-            <a:picLocks noChangeAspect="1"/>
-          </p:cNvPicPr>
-          <p:nvPr/>
-        </p:nvPicPr>
-        <p:blipFill>
-          <a:blip r:embed="rId2">
-            <a:extLst>
-              <a:ext uri="{28A0092B-C50C-407E-A947-70E740481C1C}">
-                <a14:useLocalDpi xmlns:a14="http://schemas.microsoft.com/office/drawing/2010/main" val="0"/>
-              </a:ext>
-            </a:extLst>
-          </a:blip>
-          <a:stretch>
-            <a:fillRect/>
-          </a:stretch>
-        </p:blipFill>
-        <p:spPr>
-          <a:xfrm>
-            <a:off x="10494244" y="4149237"/>
-            <a:ext cx="1731929" cy="2406308"/>
-          </a:xfrm>
-          <a:prstGeom prst="rect">
-            <a:avLst/>
-          </a:prstGeom>
-        </p:spPr>
-      </p:pic>
-      <p:pic>
-        <p:nvPicPr>
-          <p:cNvPr id="25" name="図 24"/>
-          <p:cNvPicPr>
-            <a:picLocks noChangeAspect="1"/>
-          </p:cNvPicPr>
-          <p:nvPr/>
-        </p:nvPicPr>
-        <p:blipFill>
-          <a:blip r:embed="rId2">
-            <a:extLst>
-              <a:ext uri="{28A0092B-C50C-407E-A947-70E740481C1C}">
-                <a14:useLocalDpi xmlns:a14="http://schemas.microsoft.com/office/drawing/2010/main" val="0"/>
-              </a:ext>
-            </a:extLst>
-          </a:blip>
-          <a:stretch>
-            <a:fillRect/>
-          </a:stretch>
-        </p:blipFill>
-        <p:spPr>
-          <a:xfrm>
-            <a:off x="9955490" y="4149237"/>
-            <a:ext cx="1742054" cy="2420376"/>
-          </a:xfrm>
-          <a:prstGeom prst="rect">
-            <a:avLst/>
-          </a:prstGeom>
-        </p:spPr>
-      </p:pic>
-      <p:pic>
-        <p:nvPicPr>
           <p:cNvPr id="26" name="図 25"/>
           <p:cNvPicPr>
             <a:picLocks noChangeAspect="1"/>
@@ -4817,6 +4839,96 @@
           </a:p>
         </p:txBody>
       </p:sp>
+      <p:pic>
+        <p:nvPicPr>
+          <p:cNvPr id="23" name="図 22"/>
+          <p:cNvPicPr>
+            <a:picLocks noChangeAspect="1"/>
+          </p:cNvPicPr>
+          <p:nvPr/>
+        </p:nvPicPr>
+        <p:blipFill>
+          <a:blip r:embed="rId2">
+            <a:extLst>
+              <a:ext uri="{28A0092B-C50C-407E-A947-70E740481C1C}">
+                <a14:useLocalDpi xmlns:a14="http://schemas.microsoft.com/office/drawing/2010/main" val="0"/>
+              </a:ext>
+            </a:extLst>
+          </a:blip>
+          <a:stretch>
+            <a:fillRect/>
+          </a:stretch>
+        </p:blipFill>
+        <p:spPr>
+          <a:xfrm>
+            <a:off x="4976441" y="670855"/>
+            <a:ext cx="1426938" cy="1982560"/>
+          </a:xfrm>
+          <a:prstGeom prst="rect">
+            <a:avLst/>
+          </a:prstGeom>
+        </p:spPr>
+      </p:pic>
+      <p:pic>
+        <p:nvPicPr>
+          <p:cNvPr id="32" name="図 31"/>
+          <p:cNvPicPr>
+            <a:picLocks noChangeAspect="1"/>
+          </p:cNvPicPr>
+          <p:nvPr/>
+        </p:nvPicPr>
+        <p:blipFill>
+          <a:blip r:embed="rId8">
+            <a:extLst>
+              <a:ext uri="{28A0092B-C50C-407E-A947-70E740481C1C}">
+                <a14:useLocalDpi xmlns:a14="http://schemas.microsoft.com/office/drawing/2010/main" val="0"/>
+              </a:ext>
+            </a:extLst>
+          </a:blip>
+          <a:stretch>
+            <a:fillRect/>
+          </a:stretch>
+        </p:blipFill>
+        <p:spPr>
+          <a:xfrm>
+            <a:off x="10046749" y="3778975"/>
+            <a:ext cx="1427266" cy="1965290"/>
+          </a:xfrm>
+          <a:prstGeom prst="rect">
+            <a:avLst/>
+          </a:prstGeom>
+        </p:spPr>
+      </p:pic>
+      <p:pic>
+        <p:nvPicPr>
+          <p:cNvPr id="33" name="図 32"/>
+          <p:cNvPicPr>
+            <a:picLocks noChangeAspect="1"/>
+          </p:cNvPicPr>
+          <p:nvPr/>
+        </p:nvPicPr>
+        <p:blipFill>
+          <a:blip r:embed="rId9" cstate="print">
+            <a:extLst>
+              <a:ext uri="{28A0092B-C50C-407E-A947-70E740481C1C}">
+                <a14:useLocalDpi xmlns:a14="http://schemas.microsoft.com/office/drawing/2010/main" val="0"/>
+              </a:ext>
+            </a:extLst>
+          </a:blip>
+          <a:stretch>
+            <a:fillRect/>
+          </a:stretch>
+        </p:blipFill>
+        <p:spPr>
+          <a:xfrm>
+            <a:off x="10668285" y="3778975"/>
+            <a:ext cx="1407186" cy="1965290"/>
+          </a:xfrm>
+          <a:prstGeom prst="rect">
+            <a:avLst/>
+          </a:prstGeom>
+        </p:spPr>
+      </p:pic>
     </p:spTree>
     <p:extLst>
       <p:ext uri="{BB962C8B-B14F-4D97-AF65-F5344CB8AC3E}">
@@ -5373,66 +5485,6 @@
       </p:pic>
       <p:pic>
         <p:nvPicPr>
-          <p:cNvPr id="26" name="図 25"/>
-          <p:cNvPicPr>
-            <a:picLocks noChangeAspect="1"/>
-          </p:cNvPicPr>
-          <p:nvPr/>
-        </p:nvPicPr>
-        <p:blipFill>
-          <a:blip r:embed="rId2">
-            <a:extLst>
-              <a:ext uri="{28A0092B-C50C-407E-A947-70E740481C1C}">
-                <a14:useLocalDpi xmlns:a14="http://schemas.microsoft.com/office/drawing/2010/main" val="0"/>
-              </a:ext>
-            </a:extLst>
-          </a:blip>
-          <a:stretch>
-            <a:fillRect/>
-          </a:stretch>
-        </p:blipFill>
-        <p:spPr>
-          <a:xfrm>
-            <a:off x="10424753" y="4149237"/>
-            <a:ext cx="1731929" cy="2406308"/>
-          </a:xfrm>
-          <a:prstGeom prst="rect">
-            <a:avLst/>
-          </a:prstGeom>
-        </p:spPr>
-      </p:pic>
-      <p:pic>
-        <p:nvPicPr>
-          <p:cNvPr id="27" name="図 26"/>
-          <p:cNvPicPr>
-            <a:picLocks noChangeAspect="1"/>
-          </p:cNvPicPr>
-          <p:nvPr/>
-        </p:nvPicPr>
-        <p:blipFill>
-          <a:blip r:embed="rId2">
-            <a:extLst>
-              <a:ext uri="{28A0092B-C50C-407E-A947-70E740481C1C}">
-                <a14:useLocalDpi xmlns:a14="http://schemas.microsoft.com/office/drawing/2010/main" val="0"/>
-              </a:ext>
-            </a:extLst>
-          </a:blip>
-          <a:stretch>
-            <a:fillRect/>
-          </a:stretch>
-        </p:blipFill>
-        <p:spPr>
-          <a:xfrm>
-            <a:off x="9885999" y="4149237"/>
-            <a:ext cx="1742054" cy="2420376"/>
-          </a:xfrm>
-          <a:prstGeom prst="rect">
-            <a:avLst/>
-          </a:prstGeom>
-        </p:spPr>
-      </p:pic>
-      <p:pic>
-        <p:nvPicPr>
           <p:cNvPr id="28" name="図 27"/>
           <p:cNvPicPr>
             <a:picLocks noChangeAspect="1"/>
@@ -5617,6 +5669,65 @@
           </a:p>
         </p:txBody>
       </p:sp>
+      <p:pic>
+        <p:nvPicPr>
+          <p:cNvPr id="23" name="図 22"/>
+          <p:cNvPicPr>
+            <a:picLocks noChangeAspect="1"/>
+          </p:cNvPicPr>
+          <p:nvPr/>
+        </p:nvPicPr>
+        <p:blipFill rotWithShape="1">
+          <a:blip r:embed="rId8" cstate="print">
+            <a:extLst>
+              <a:ext uri="{28A0092B-C50C-407E-A947-70E740481C1C}">
+                <a14:useLocalDpi xmlns:a14="http://schemas.microsoft.com/office/drawing/2010/main" val="0"/>
+              </a:ext>
+            </a:extLst>
+          </a:blip>
+          <a:srcRect l="20075" t="7442" r="18439" b="5288"/>
+          <a:stretch/>
+        </p:blipFill>
+        <p:spPr>
+          <a:xfrm>
+            <a:off x="10209791" y="4420322"/>
+            <a:ext cx="1514272" cy="2149291"/>
+          </a:xfrm>
+          <a:prstGeom prst="rect">
+            <a:avLst/>
+          </a:prstGeom>
+        </p:spPr>
+      </p:pic>
+      <p:pic>
+        <p:nvPicPr>
+          <p:cNvPr id="33" name="図 32"/>
+          <p:cNvPicPr>
+            <a:picLocks noChangeAspect="1"/>
+          </p:cNvPicPr>
+          <p:nvPr/>
+        </p:nvPicPr>
+        <p:blipFill>
+          <a:blip r:embed="rId9" cstate="print">
+            <a:extLst>
+              <a:ext uri="{28A0092B-C50C-407E-A947-70E740481C1C}">
+                <a14:useLocalDpi xmlns:a14="http://schemas.microsoft.com/office/drawing/2010/main" val="0"/>
+              </a:ext>
+            </a:extLst>
+          </a:blip>
+          <a:stretch>
+            <a:fillRect/>
+          </a:stretch>
+        </p:blipFill>
+        <p:spPr>
+          <a:xfrm>
+            <a:off x="10678765" y="4386050"/>
+            <a:ext cx="1407186" cy="1965290"/>
+          </a:xfrm>
+          <a:prstGeom prst="rect">
+            <a:avLst/>
+          </a:prstGeom>
+        </p:spPr>
+      </p:pic>
     </p:spTree>
     <p:extLst>
       <p:ext uri="{BB962C8B-B14F-4D97-AF65-F5344CB8AC3E}">
@@ -6173,66 +6284,6 @@
       </p:pic>
       <p:pic>
         <p:nvPicPr>
-          <p:cNvPr id="26" name="図 25"/>
-          <p:cNvPicPr>
-            <a:picLocks noChangeAspect="1"/>
-          </p:cNvPicPr>
-          <p:nvPr/>
-        </p:nvPicPr>
-        <p:blipFill>
-          <a:blip r:embed="rId2">
-            <a:extLst>
-              <a:ext uri="{28A0092B-C50C-407E-A947-70E740481C1C}">
-                <a14:useLocalDpi xmlns:a14="http://schemas.microsoft.com/office/drawing/2010/main" val="0"/>
-              </a:ext>
-            </a:extLst>
-          </a:blip>
-          <a:stretch>
-            <a:fillRect/>
-          </a:stretch>
-        </p:blipFill>
-        <p:spPr>
-          <a:xfrm>
-            <a:off x="10494244" y="4149237"/>
-            <a:ext cx="1731929" cy="2406308"/>
-          </a:xfrm>
-          <a:prstGeom prst="rect">
-            <a:avLst/>
-          </a:prstGeom>
-        </p:spPr>
-      </p:pic>
-      <p:pic>
-        <p:nvPicPr>
-          <p:cNvPr id="27" name="図 26"/>
-          <p:cNvPicPr>
-            <a:picLocks noChangeAspect="1"/>
-          </p:cNvPicPr>
-          <p:nvPr/>
-        </p:nvPicPr>
-        <p:blipFill>
-          <a:blip r:embed="rId2">
-            <a:extLst>
-              <a:ext uri="{28A0092B-C50C-407E-A947-70E740481C1C}">
-                <a14:useLocalDpi xmlns:a14="http://schemas.microsoft.com/office/drawing/2010/main" val="0"/>
-              </a:ext>
-            </a:extLst>
-          </a:blip>
-          <a:stretch>
-            <a:fillRect/>
-          </a:stretch>
-        </p:blipFill>
-        <p:spPr>
-          <a:xfrm>
-            <a:off x="10160365" y="4149237"/>
-            <a:ext cx="1742054" cy="2420376"/>
-          </a:xfrm>
-          <a:prstGeom prst="rect">
-            <a:avLst/>
-          </a:prstGeom>
-        </p:spPr>
-      </p:pic>
-      <p:pic>
-        <p:nvPicPr>
           <p:cNvPr id="28" name="図 27"/>
           <p:cNvPicPr>
             <a:picLocks noChangeAspect="1"/>
@@ -6417,6 +6468,65 @@
           </a:p>
         </p:txBody>
       </p:sp>
+      <p:pic>
+        <p:nvPicPr>
+          <p:cNvPr id="23" name="図 22"/>
+          <p:cNvPicPr>
+            <a:picLocks noChangeAspect="1"/>
+          </p:cNvPicPr>
+          <p:nvPr/>
+        </p:nvPicPr>
+        <p:blipFill rotWithShape="1">
+          <a:blip r:embed="rId8" cstate="print">
+            <a:extLst>
+              <a:ext uri="{28A0092B-C50C-407E-A947-70E740481C1C}">
+                <a14:useLocalDpi xmlns:a14="http://schemas.microsoft.com/office/drawing/2010/main" val="0"/>
+              </a:ext>
+            </a:extLst>
+          </a:blip>
+          <a:srcRect l="20075" t="7442" r="18439" b="5288"/>
+          <a:stretch/>
+        </p:blipFill>
+        <p:spPr>
+          <a:xfrm>
+            <a:off x="10307805" y="4420322"/>
+            <a:ext cx="1514272" cy="2149291"/>
+          </a:xfrm>
+          <a:prstGeom prst="rect">
+            <a:avLst/>
+          </a:prstGeom>
+        </p:spPr>
+      </p:pic>
+      <p:pic>
+        <p:nvPicPr>
+          <p:cNvPr id="24" name="図 23"/>
+          <p:cNvPicPr>
+            <a:picLocks noChangeAspect="1"/>
+          </p:cNvPicPr>
+          <p:nvPr/>
+        </p:nvPicPr>
+        <p:blipFill>
+          <a:blip r:embed="rId9">
+            <a:extLst>
+              <a:ext uri="{28A0092B-C50C-407E-A947-70E740481C1C}">
+                <a14:useLocalDpi xmlns:a14="http://schemas.microsoft.com/office/drawing/2010/main" val="0"/>
+              </a:ext>
+            </a:extLst>
+          </a:blip>
+          <a:stretch>
+            <a:fillRect/>
+          </a:stretch>
+        </p:blipFill>
+        <p:spPr>
+          <a:xfrm>
+            <a:off x="10576777" y="4432801"/>
+            <a:ext cx="1427266" cy="1965290"/>
+          </a:xfrm>
+          <a:prstGeom prst="rect">
+            <a:avLst/>
+          </a:prstGeom>
+        </p:spPr>
+      </p:pic>
     </p:spTree>
     <p:extLst>
       <p:ext uri="{BB962C8B-B14F-4D97-AF65-F5344CB8AC3E}">

--- a/設計/画面設計.pptx
+++ b/設計/画面設計.pptx
@@ -7,9 +7,11 @@
   <p:sldIdLst>
     <p:sldId id="261" r:id="rId2"/>
     <p:sldId id="256" r:id="rId3"/>
-    <p:sldId id="257" r:id="rId4"/>
-    <p:sldId id="258" r:id="rId5"/>
-    <p:sldId id="259" r:id="rId6"/>
+    <p:sldId id="264" r:id="rId4"/>
+    <p:sldId id="263" r:id="rId5"/>
+    <p:sldId id="257" r:id="rId6"/>
+    <p:sldId id="258" r:id="rId7"/>
+    <p:sldId id="259" r:id="rId8"/>
   </p:sldIdLst>
   <p:sldSz cx="12192000" cy="6858000"/>
   <p:notesSz cx="6858000" cy="9144000"/>
@@ -247,7 +249,7 @@
           <a:p>
             <a:fld id="{2A4CCA44-FD07-47AF-AE10-0456D12BF277}" type="datetimeFigureOut">
               <a:rPr kumimoji="1" lang="ja-JP" altLang="en-US" smtClean="0"/>
-              <a:t>2024/9/5</a:t>
+              <a:t>2024/9/6</a:t>
             </a:fld>
             <a:endParaRPr kumimoji="1" lang="ja-JP" altLang="en-US"/>
           </a:p>
@@ -449,7 +451,7 @@
           <a:p>
             <a:fld id="{2A4CCA44-FD07-47AF-AE10-0456D12BF277}" type="datetimeFigureOut">
               <a:rPr kumimoji="1" lang="ja-JP" altLang="en-US" smtClean="0"/>
-              <a:t>2024/9/5</a:t>
+              <a:t>2024/9/6</a:t>
             </a:fld>
             <a:endParaRPr kumimoji="1" lang="ja-JP" altLang="en-US"/>
           </a:p>
@@ -661,7 +663,7 @@
           <a:p>
             <a:fld id="{2A4CCA44-FD07-47AF-AE10-0456D12BF277}" type="datetimeFigureOut">
               <a:rPr kumimoji="1" lang="ja-JP" altLang="en-US" smtClean="0"/>
-              <a:t>2024/9/5</a:t>
+              <a:t>2024/9/6</a:t>
             </a:fld>
             <a:endParaRPr kumimoji="1" lang="ja-JP" altLang="en-US"/>
           </a:p>
@@ -863,7 +865,7 @@
           <a:p>
             <a:fld id="{2A4CCA44-FD07-47AF-AE10-0456D12BF277}" type="datetimeFigureOut">
               <a:rPr kumimoji="1" lang="ja-JP" altLang="en-US" smtClean="0"/>
-              <a:t>2024/9/5</a:t>
+              <a:t>2024/9/6</a:t>
             </a:fld>
             <a:endParaRPr kumimoji="1" lang="ja-JP" altLang="en-US"/>
           </a:p>
@@ -1109,7 +1111,7 @@
           <a:p>
             <a:fld id="{2A4CCA44-FD07-47AF-AE10-0456D12BF277}" type="datetimeFigureOut">
               <a:rPr kumimoji="1" lang="ja-JP" altLang="en-US" smtClean="0"/>
-              <a:t>2024/9/5</a:t>
+              <a:t>2024/9/6</a:t>
             </a:fld>
             <a:endParaRPr kumimoji="1" lang="ja-JP" altLang="en-US"/>
           </a:p>
@@ -1405,7 +1407,7 @@
           <a:p>
             <a:fld id="{2A4CCA44-FD07-47AF-AE10-0456D12BF277}" type="datetimeFigureOut">
               <a:rPr kumimoji="1" lang="ja-JP" altLang="en-US" smtClean="0"/>
-              <a:t>2024/9/5</a:t>
+              <a:t>2024/9/6</a:t>
             </a:fld>
             <a:endParaRPr kumimoji="1" lang="ja-JP" altLang="en-US"/>
           </a:p>
@@ -1836,7 +1838,7 @@
           <a:p>
             <a:fld id="{2A4CCA44-FD07-47AF-AE10-0456D12BF277}" type="datetimeFigureOut">
               <a:rPr kumimoji="1" lang="ja-JP" altLang="en-US" smtClean="0"/>
-              <a:t>2024/9/5</a:t>
+              <a:t>2024/9/6</a:t>
             </a:fld>
             <a:endParaRPr kumimoji="1" lang="ja-JP" altLang="en-US"/>
           </a:p>
@@ -1954,7 +1956,7 @@
           <a:p>
             <a:fld id="{2A4CCA44-FD07-47AF-AE10-0456D12BF277}" type="datetimeFigureOut">
               <a:rPr kumimoji="1" lang="ja-JP" altLang="en-US" smtClean="0"/>
-              <a:t>2024/9/5</a:t>
+              <a:t>2024/9/6</a:t>
             </a:fld>
             <a:endParaRPr kumimoji="1" lang="ja-JP" altLang="en-US"/>
           </a:p>
@@ -2049,7 +2051,7 @@
           <a:p>
             <a:fld id="{2A4CCA44-FD07-47AF-AE10-0456D12BF277}" type="datetimeFigureOut">
               <a:rPr kumimoji="1" lang="ja-JP" altLang="en-US" smtClean="0"/>
-              <a:t>2024/9/5</a:t>
+              <a:t>2024/9/6</a:t>
             </a:fld>
             <a:endParaRPr kumimoji="1" lang="ja-JP" altLang="en-US"/>
           </a:p>
@@ -2358,7 +2360,7 @@
           <a:p>
             <a:fld id="{2A4CCA44-FD07-47AF-AE10-0456D12BF277}" type="datetimeFigureOut">
               <a:rPr kumimoji="1" lang="ja-JP" altLang="en-US" smtClean="0"/>
-              <a:t>2024/9/5</a:t>
+              <a:t>2024/9/6</a:t>
             </a:fld>
             <a:endParaRPr kumimoji="1" lang="ja-JP" altLang="en-US"/>
           </a:p>
@@ -2611,7 +2613,7 @@
           <a:p>
             <a:fld id="{2A4CCA44-FD07-47AF-AE10-0456D12BF277}" type="datetimeFigureOut">
               <a:rPr kumimoji="1" lang="ja-JP" altLang="en-US" smtClean="0"/>
-              <a:t>2024/9/5</a:t>
+              <a:t>2024/9/6</a:t>
             </a:fld>
             <a:endParaRPr kumimoji="1" lang="ja-JP" altLang="en-US"/>
           </a:p>
@@ -2856,7 +2858,7 @@
           <a:p>
             <a:fld id="{2A4CCA44-FD07-47AF-AE10-0456D12BF277}" type="datetimeFigureOut">
               <a:rPr kumimoji="1" lang="ja-JP" altLang="en-US" smtClean="0"/>
-              <a:t>2024/9/5</a:t>
+              <a:t>2024/9/6</a:t>
             </a:fld>
             <a:endParaRPr kumimoji="1" lang="ja-JP" altLang="en-US"/>
           </a:p>
@@ -3585,26 +3587,171 @@
       </p:sp>
       <p:sp>
         <p:nvSpPr>
-          <p:cNvPr id="14" name="正方形/長方形 13"/>
+          <p:cNvPr id="18" name="フローチャート: 端子 17"/>
           <p:cNvSpPr/>
           <p:nvPr/>
         </p:nvSpPr>
         <p:spPr>
           <a:xfrm>
-            <a:off x="7469195" y="3867715"/>
-            <a:ext cx="2080800" cy="1209821"/>
-          </a:xfrm>
-          <a:prstGeom prst="rect">
+            <a:off x="3273460" y="2752455"/>
+            <a:ext cx="5190978" cy="679696"/>
+          </a:xfrm>
+          <a:prstGeom prst="flowChartTerminator">
+            <a:avLst/>
+          </a:prstGeom>
+          <a:ln w="38100">
+            <a:solidFill>
+              <a:schemeClr val="bg1"/>
+            </a:solidFill>
+          </a:ln>
+        </p:spPr>
+        <p:style>
+          <a:lnRef idx="2">
+            <a:schemeClr val="dk1">
+              <a:shade val="50000"/>
+            </a:schemeClr>
+          </a:lnRef>
+          <a:fillRef idx="1">
+            <a:schemeClr val="dk1"/>
+          </a:fillRef>
+          <a:effectRef idx="0">
+            <a:schemeClr val="dk1"/>
+          </a:effectRef>
+          <a:fontRef idx="minor">
+            <a:schemeClr val="lt1"/>
+          </a:fontRef>
+        </p:style>
+        <p:txBody>
+          <a:bodyPr rtlCol="0" anchor="ctr"/>
+          <a:lstStyle/>
+          <a:p>
+            <a:pPr algn="ctr"/>
+            <a:r>
+              <a:rPr kumimoji="1" lang="en-US" altLang="ja-JP" dirty="0" smtClean="0"/>
+              <a:t>1</a:t>
+            </a:r>
+            <a:r>
+              <a:rPr kumimoji="1" lang="ja-JP" altLang="en-US" dirty="0" smtClean="0"/>
+              <a:t>枚選択</a:t>
+            </a:r>
+            <a:r>
+              <a:rPr kumimoji="1" lang="ja-JP" altLang="en-US" dirty="0" smtClean="0"/>
+              <a:t>してください</a:t>
+            </a:r>
+            <a:endParaRPr kumimoji="1" lang="ja-JP" altLang="en-US" dirty="0"/>
+          </a:p>
+        </p:txBody>
+      </p:sp>
+      <p:pic>
+        <p:nvPicPr>
+          <p:cNvPr id="26" name="図 25"/>
+          <p:cNvPicPr>
+            <a:picLocks noChangeAspect="1"/>
+          </p:cNvPicPr>
+          <p:nvPr/>
+        </p:nvPicPr>
+        <p:blipFill>
+          <a:blip r:embed="rId2">
+            <a:extLst>
+              <a:ext uri="{28A0092B-C50C-407E-A947-70E740481C1C}">
+                <a14:useLocalDpi xmlns:a14="http://schemas.microsoft.com/office/drawing/2010/main" val="0"/>
+              </a:ext>
+            </a:extLst>
+          </a:blip>
+          <a:stretch>
+            <a:fillRect/>
+          </a:stretch>
+        </p:blipFill>
+        <p:spPr>
+          <a:xfrm>
+            <a:off x="546102" y="297282"/>
+            <a:ext cx="1731929" cy="2406308"/>
+          </a:xfrm>
+          <a:prstGeom prst="rect">
+            <a:avLst/>
+          </a:prstGeom>
+        </p:spPr>
+      </p:pic>
+      <p:pic>
+        <p:nvPicPr>
+          <p:cNvPr id="27" name="図 26"/>
+          <p:cNvPicPr>
+            <a:picLocks noChangeAspect="1"/>
+          </p:cNvPicPr>
+          <p:nvPr/>
+        </p:nvPicPr>
+        <p:blipFill>
+          <a:blip r:embed="rId2">
+            <a:extLst>
+              <a:ext uri="{28A0092B-C50C-407E-A947-70E740481C1C}">
+                <a14:useLocalDpi xmlns:a14="http://schemas.microsoft.com/office/drawing/2010/main" val="0"/>
+              </a:ext>
+            </a:extLst>
+          </a:blip>
+          <a:stretch>
+            <a:fillRect/>
+          </a:stretch>
+        </p:blipFill>
+        <p:spPr>
+          <a:xfrm>
+            <a:off x="844627" y="277443"/>
+            <a:ext cx="1742054" cy="2420376"/>
+          </a:xfrm>
+          <a:prstGeom prst="rect">
+            <a:avLst/>
+          </a:prstGeom>
+        </p:spPr>
+      </p:pic>
+      <p:pic>
+        <p:nvPicPr>
+          <p:cNvPr id="28" name="図 27"/>
+          <p:cNvPicPr>
+            <a:picLocks noChangeAspect="1"/>
+          </p:cNvPicPr>
+          <p:nvPr/>
+        </p:nvPicPr>
+        <p:blipFill>
+          <a:blip r:embed="rId2">
+            <a:extLst>
+              <a:ext uri="{28A0092B-C50C-407E-A947-70E740481C1C}">
+                <a14:useLocalDpi xmlns:a14="http://schemas.microsoft.com/office/drawing/2010/main" val="0"/>
+              </a:ext>
+            </a:extLst>
+          </a:blip>
+          <a:stretch>
+            <a:fillRect/>
+          </a:stretch>
+        </p:blipFill>
+        <p:spPr>
+          <a:xfrm>
+            <a:off x="1075521" y="235185"/>
+            <a:ext cx="1731929" cy="2406308"/>
+          </a:xfrm>
+          <a:prstGeom prst="rect">
+            <a:avLst/>
+          </a:prstGeom>
+        </p:spPr>
+      </p:pic>
+      <p:sp>
+        <p:nvSpPr>
+          <p:cNvPr id="29" name="フローチャート: 端子 28"/>
+          <p:cNvSpPr/>
+          <p:nvPr/>
+        </p:nvSpPr>
+        <p:spPr>
+          <a:xfrm>
+            <a:off x="353314" y="2779333"/>
+            <a:ext cx="2233367" cy="399966"/>
+          </a:xfrm>
+          <a:prstGeom prst="flowChartTerminator">
             <a:avLst/>
           </a:prstGeom>
           <a:solidFill>
-            <a:schemeClr val="accent1">
-              <a:lumMod val="75000"/>
-            </a:schemeClr>
+            <a:schemeClr val="tx1"/>
           </a:solidFill>
-          <a:ln w="88900" cmpd="sng">
+          <a:ln>
             <a:solidFill>
-              <a:srgbClr val="FFFF00"/>
+              <a:schemeClr val="bg1"/>
             </a:solidFill>
           </a:ln>
         </p:spPr>
@@ -3630,102 +3777,27 @@
           <a:p>
             <a:pPr algn="ctr"/>
             <a:r>
-              <a:rPr kumimoji="1" lang="en-US" altLang="ja-JP" sz="5400" b="1" dirty="0" smtClean="0">
-                <a:solidFill>
-                  <a:srgbClr val="FFFF00"/>
-                </a:solidFill>
-              </a:rPr>
-              <a:t>LOW</a:t>
-            </a:r>
-            <a:endParaRPr kumimoji="1" lang="ja-JP" altLang="en-US" sz="5400" b="1" dirty="0">
-              <a:solidFill>
-                <a:srgbClr val="FFFF00"/>
-              </a:solidFill>
-            </a:endParaRPr>
-          </a:p>
-        </p:txBody>
-      </p:sp>
-      <p:pic>
-        <p:nvPicPr>
-          <p:cNvPr id="16" name="図 15"/>
-          <p:cNvPicPr>
-            <a:picLocks noChangeAspect="1"/>
-          </p:cNvPicPr>
-          <p:nvPr/>
-        </p:nvPicPr>
-        <p:blipFill>
-          <a:blip r:embed="rId5"/>
-          <a:stretch>
-            <a:fillRect/>
-          </a:stretch>
-        </p:blipFill>
-        <p:spPr>
-          <a:xfrm>
-            <a:off x="1716257" y="3778975"/>
-            <a:ext cx="2170364" cy="1298561"/>
-          </a:xfrm>
-          <a:prstGeom prst="rect">
-            <a:avLst/>
-          </a:prstGeom>
-        </p:spPr>
-      </p:pic>
-      <p:sp>
-        <p:nvSpPr>
-          <p:cNvPr id="17" name="テキスト ボックス 16"/>
-          <p:cNvSpPr txBox="1"/>
-          <p:nvPr/>
-        </p:nvSpPr>
-        <p:spPr>
-          <a:xfrm>
-            <a:off x="1836270" y="3966589"/>
-            <a:ext cx="2013693" cy="923330"/>
-          </a:xfrm>
-          <a:prstGeom prst="rect">
-            <a:avLst/>
-          </a:prstGeom>
-          <a:noFill/>
-        </p:spPr>
-        <p:txBody>
-          <a:bodyPr wrap="none" rtlCol="0">
-            <a:spAutoFit/>
-          </a:bodyPr>
-          <a:lstStyle/>
-          <a:p>
-            <a:r>
-              <a:rPr kumimoji="1" lang="en-US" altLang="ja-JP" sz="5400" b="1" dirty="0" smtClean="0">
-                <a:solidFill>
-                  <a:srgbClr val="FFFF00"/>
-                </a:solidFill>
-              </a:rPr>
-              <a:t>HIGH</a:t>
-            </a:r>
-            <a:endParaRPr kumimoji="1" lang="ja-JP" altLang="en-US" sz="5400" b="1" dirty="0">
-              <a:solidFill>
-                <a:srgbClr val="FFFF00"/>
-              </a:solidFill>
-            </a:endParaRPr>
-          </a:p>
-        </p:txBody>
-      </p:sp>
-      <p:sp>
-        <p:nvSpPr>
-          <p:cNvPr id="18" name="フローチャート: 端子 17"/>
+              <a:rPr kumimoji="1" lang="ja-JP" altLang="en-US" dirty="0" smtClean="0"/>
+              <a:t>山札</a:t>
+            </a:r>
+            <a:endParaRPr kumimoji="1" lang="ja-JP" altLang="en-US" dirty="0"/>
+          </a:p>
+        </p:txBody>
+      </p:sp>
+      <p:sp>
+        <p:nvSpPr>
+          <p:cNvPr id="11" name="正方形/長方形 10"/>
           <p:cNvSpPr/>
           <p:nvPr/>
         </p:nvSpPr>
         <p:spPr>
           <a:xfrm>
-            <a:off x="3273460" y="2752455"/>
-            <a:ext cx="5190978" cy="679696"/>
-          </a:xfrm>
-          <a:prstGeom prst="flowChartTerminator">
-            <a:avLst/>
-          </a:prstGeom>
-          <a:ln w="38100">
-            <a:solidFill>
-              <a:schemeClr val="bg1"/>
-            </a:solidFill>
-          </a:ln>
+            <a:off x="647114" y="5345723"/>
+            <a:ext cx="2160336" cy="1140129"/>
+          </a:xfrm>
+          <a:prstGeom prst="rect">
+            <a:avLst/>
+          </a:prstGeom>
         </p:spPr>
         <p:style>
           <a:lnRef idx="2">
@@ -3749,43 +3821,8 @@
           <a:p>
             <a:pPr algn="ctr"/>
             <a:r>
-              <a:rPr kumimoji="1" lang="en-US" altLang="ja-JP" dirty="0" smtClean="0"/>
-              <a:t>1</a:t>
-            </a:r>
-            <a:r>
               <a:rPr kumimoji="1" lang="ja-JP" altLang="en-US" dirty="0" smtClean="0"/>
-              <a:t>枚選択して、</a:t>
-            </a:r>
-            <a:r>
-              <a:rPr kumimoji="1" lang="en-US" altLang="ja-JP" dirty="0" smtClean="0"/>
-              <a:t/>
-            </a:r>
-            <a:br>
-              <a:rPr kumimoji="1" lang="en-US" altLang="ja-JP" dirty="0" smtClean="0"/>
-            </a:br>
-            <a:r>
-              <a:rPr kumimoji="1" lang="en-US" altLang="ja-JP" dirty="0" smtClean="0"/>
-              <a:t>HIGT</a:t>
-            </a:r>
-            <a:r>
-              <a:rPr kumimoji="1" lang="ja-JP" altLang="en-US" dirty="0" smtClean="0"/>
-              <a:t>か</a:t>
-            </a:r>
-            <a:r>
-              <a:rPr kumimoji="1" lang="en-US" altLang="ja-JP" dirty="0" smtClean="0"/>
-              <a:t>LOW</a:t>
-            </a:r>
-            <a:r>
-              <a:rPr kumimoji="1" lang="ja-JP" altLang="en-US" dirty="0" smtClean="0"/>
-              <a:t>を</a:t>
-            </a:r>
-            <a:r>
-              <a:rPr lang="ja-JP" altLang="en-US" dirty="0" smtClean="0"/>
-              <a:t>宣言してください</a:t>
-            </a:r>
-            <a:r>
-              <a:rPr kumimoji="1" lang="ja-JP" altLang="en-US" dirty="0" smtClean="0"/>
-              <a:t>。</a:t>
+              <a:t>０連勝</a:t>
             </a:r>
             <a:endParaRPr kumimoji="1" lang="ja-JP" altLang="en-US" dirty="0"/>
           </a:p>
@@ -3793,7 +3830,7 @@
       </p:sp>
       <p:pic>
         <p:nvPicPr>
-          <p:cNvPr id="26" name="図 25"/>
+          <p:cNvPr id="19" name="図 18"/>
           <p:cNvPicPr>
             <a:picLocks noChangeAspect="1"/>
           </p:cNvPicPr>
@@ -3813,8 +3850,8 @@
         </p:blipFill>
         <p:spPr>
           <a:xfrm>
-            <a:off x="546102" y="297282"/>
-            <a:ext cx="1731929" cy="2406308"/>
+            <a:off x="5033515" y="797979"/>
+            <a:ext cx="1421403" cy="1974870"/>
           </a:xfrm>
           <a:prstGeom prst="rect">
             <a:avLst/>
@@ -3823,14 +3860,43 @@
       </p:pic>
       <p:pic>
         <p:nvPicPr>
-          <p:cNvPr id="27" name="図 26"/>
+          <p:cNvPr id="20" name="図 19"/>
           <p:cNvPicPr>
             <a:picLocks noChangeAspect="1"/>
           </p:cNvPicPr>
           <p:nvPr/>
         </p:nvPicPr>
+        <p:blipFill rotWithShape="1">
+          <a:blip r:embed="rId5" cstate="print">
+            <a:extLst>
+              <a:ext uri="{28A0092B-C50C-407E-A947-70E740481C1C}">
+                <a14:useLocalDpi xmlns:a14="http://schemas.microsoft.com/office/drawing/2010/main" val="0"/>
+              </a:ext>
+            </a:extLst>
+          </a:blip>
+          <a:srcRect l="20075" t="7442" r="18439" b="5288"/>
+          <a:stretch/>
+        </p:blipFill>
+        <p:spPr>
+          <a:xfrm>
+            <a:off x="3130970" y="3657810"/>
+            <a:ext cx="1514272" cy="2149291"/>
+          </a:xfrm>
+          <a:prstGeom prst="rect">
+            <a:avLst/>
+          </a:prstGeom>
+        </p:spPr>
+      </p:pic>
+      <p:pic>
+        <p:nvPicPr>
+          <p:cNvPr id="21" name="図 20"/>
+          <p:cNvPicPr>
+            <a:picLocks noChangeAspect="1"/>
+          </p:cNvPicPr>
+          <p:nvPr/>
+        </p:nvPicPr>
         <p:blipFill>
-          <a:blip r:embed="rId2">
+          <a:blip r:embed="rId6">
             <a:extLst>
               <a:ext uri="{28A0092B-C50C-407E-A947-70E740481C1C}">
                 <a14:useLocalDpi xmlns:a14="http://schemas.microsoft.com/office/drawing/2010/main" val="0"/>
@@ -3843,8 +3909,8 @@
         </p:blipFill>
         <p:spPr>
           <a:xfrm>
-            <a:off x="844627" y="277443"/>
-            <a:ext cx="1742054" cy="2420376"/>
+            <a:off x="4880265" y="3821467"/>
+            <a:ext cx="1427266" cy="1965290"/>
           </a:xfrm>
           <a:prstGeom prst="rect">
             <a:avLst/>
@@ -3853,14 +3919,14 @@
       </p:pic>
       <p:pic>
         <p:nvPicPr>
-          <p:cNvPr id="28" name="図 27"/>
+          <p:cNvPr id="22" name="図 21"/>
           <p:cNvPicPr>
             <a:picLocks noChangeAspect="1"/>
           </p:cNvPicPr>
           <p:nvPr/>
         </p:nvPicPr>
         <p:blipFill>
-          <a:blip r:embed="rId2">
+          <a:blip r:embed="rId7" cstate="print">
             <a:extLst>
               <a:ext uri="{28A0092B-C50C-407E-A947-70E740481C1C}">
                 <a14:useLocalDpi xmlns:a14="http://schemas.microsoft.com/office/drawing/2010/main" val="0"/>
@@ -3873,222 +3939,7 @@
         </p:blipFill>
         <p:spPr>
           <a:xfrm>
-            <a:off x="1075521" y="235185"/>
-            <a:ext cx="1731929" cy="2406308"/>
-          </a:xfrm>
-          <a:prstGeom prst="rect">
-            <a:avLst/>
-          </a:prstGeom>
-        </p:spPr>
-      </p:pic>
-      <p:sp>
-        <p:nvSpPr>
-          <p:cNvPr id="29" name="フローチャート: 端子 28"/>
-          <p:cNvSpPr/>
-          <p:nvPr/>
-        </p:nvSpPr>
-        <p:spPr>
-          <a:xfrm>
-            <a:off x="353314" y="2779333"/>
-            <a:ext cx="2233367" cy="399966"/>
-          </a:xfrm>
-          <a:prstGeom prst="flowChartTerminator">
-            <a:avLst/>
-          </a:prstGeom>
-          <a:solidFill>
-            <a:schemeClr val="tx1"/>
-          </a:solidFill>
-          <a:ln>
-            <a:solidFill>
-              <a:schemeClr val="bg1"/>
-            </a:solidFill>
-          </a:ln>
-        </p:spPr>
-        <p:style>
-          <a:lnRef idx="2">
-            <a:schemeClr val="accent1">
-              <a:shade val="50000"/>
-            </a:schemeClr>
-          </a:lnRef>
-          <a:fillRef idx="1">
-            <a:schemeClr val="accent1"/>
-          </a:fillRef>
-          <a:effectRef idx="0">
-            <a:schemeClr val="accent1"/>
-          </a:effectRef>
-          <a:fontRef idx="minor">
-            <a:schemeClr val="lt1"/>
-          </a:fontRef>
-        </p:style>
-        <p:txBody>
-          <a:bodyPr rtlCol="0" anchor="ctr"/>
-          <a:lstStyle/>
-          <a:p>
-            <a:pPr algn="ctr"/>
-            <a:r>
-              <a:rPr kumimoji="1" lang="ja-JP" altLang="en-US" dirty="0" smtClean="0"/>
-              <a:t>山札</a:t>
-            </a:r>
-            <a:endParaRPr kumimoji="1" lang="ja-JP" altLang="en-US" dirty="0"/>
-          </a:p>
-        </p:txBody>
-      </p:sp>
-      <p:sp>
-        <p:nvSpPr>
-          <p:cNvPr id="11" name="正方形/長方形 10"/>
-          <p:cNvSpPr/>
-          <p:nvPr/>
-        </p:nvSpPr>
-        <p:spPr>
-          <a:xfrm>
-            <a:off x="647114" y="5345723"/>
-            <a:ext cx="2160336" cy="1140129"/>
-          </a:xfrm>
-          <a:prstGeom prst="rect">
-            <a:avLst/>
-          </a:prstGeom>
-        </p:spPr>
-        <p:style>
-          <a:lnRef idx="2">
-            <a:schemeClr val="dk1">
-              <a:shade val="50000"/>
-            </a:schemeClr>
-          </a:lnRef>
-          <a:fillRef idx="1">
-            <a:schemeClr val="dk1"/>
-          </a:fillRef>
-          <a:effectRef idx="0">
-            <a:schemeClr val="dk1"/>
-          </a:effectRef>
-          <a:fontRef idx="minor">
-            <a:schemeClr val="lt1"/>
-          </a:fontRef>
-        </p:style>
-        <p:txBody>
-          <a:bodyPr rtlCol="0" anchor="ctr"/>
-          <a:lstStyle/>
-          <a:p>
-            <a:pPr algn="ctr"/>
-            <a:r>
-              <a:rPr kumimoji="1" lang="ja-JP" altLang="en-US" dirty="0" smtClean="0"/>
-              <a:t>０連勝</a:t>
-            </a:r>
-            <a:endParaRPr kumimoji="1" lang="ja-JP" altLang="en-US" dirty="0"/>
-          </a:p>
-        </p:txBody>
-      </p:sp>
-      <p:pic>
-        <p:nvPicPr>
-          <p:cNvPr id="19" name="図 18"/>
-          <p:cNvPicPr>
-            <a:picLocks noChangeAspect="1"/>
-          </p:cNvPicPr>
-          <p:nvPr/>
-        </p:nvPicPr>
-        <p:blipFill>
-          <a:blip r:embed="rId2">
-            <a:extLst>
-              <a:ext uri="{28A0092B-C50C-407E-A947-70E740481C1C}">
-                <a14:useLocalDpi xmlns:a14="http://schemas.microsoft.com/office/drawing/2010/main" val="0"/>
-              </a:ext>
-            </a:extLst>
-          </a:blip>
-          <a:stretch>
-            <a:fillRect/>
-          </a:stretch>
-        </p:blipFill>
-        <p:spPr>
-          <a:xfrm>
-            <a:off x="5033515" y="797979"/>
-            <a:ext cx="1421403" cy="1974870"/>
-          </a:xfrm>
-          <a:prstGeom prst="rect">
-            <a:avLst/>
-          </a:prstGeom>
-        </p:spPr>
-      </p:pic>
-      <p:pic>
-        <p:nvPicPr>
-          <p:cNvPr id="20" name="図 19"/>
-          <p:cNvPicPr>
-            <a:picLocks noChangeAspect="1"/>
-          </p:cNvPicPr>
-          <p:nvPr/>
-        </p:nvPicPr>
-        <p:blipFill rotWithShape="1">
-          <a:blip r:embed="rId6" cstate="print">
-            <a:extLst>
-              <a:ext uri="{28A0092B-C50C-407E-A947-70E740481C1C}">
-                <a14:useLocalDpi xmlns:a14="http://schemas.microsoft.com/office/drawing/2010/main" val="0"/>
-              </a:ext>
-            </a:extLst>
-          </a:blip>
-          <a:srcRect l="20075" t="7442" r="18439" b="5288"/>
-          <a:stretch/>
-        </p:blipFill>
-        <p:spPr>
-          <a:xfrm>
-            <a:off x="9777777" y="3766496"/>
-            <a:ext cx="1514272" cy="2149291"/>
-          </a:xfrm>
-          <a:prstGeom prst="rect">
-            <a:avLst/>
-          </a:prstGeom>
-        </p:spPr>
-      </p:pic>
-      <p:pic>
-        <p:nvPicPr>
-          <p:cNvPr id="21" name="図 20"/>
-          <p:cNvPicPr>
-            <a:picLocks noChangeAspect="1"/>
-          </p:cNvPicPr>
-          <p:nvPr/>
-        </p:nvPicPr>
-        <p:blipFill>
-          <a:blip r:embed="rId7">
-            <a:extLst>
-              <a:ext uri="{28A0092B-C50C-407E-A947-70E740481C1C}">
-                <a14:useLocalDpi xmlns:a14="http://schemas.microsoft.com/office/drawing/2010/main" val="0"/>
-              </a:ext>
-            </a:extLst>
-          </a:blip>
-          <a:stretch>
-            <a:fillRect/>
-          </a:stretch>
-        </p:blipFill>
-        <p:spPr>
-          <a:xfrm>
-            <a:off x="10046749" y="3778975"/>
-            <a:ext cx="1427266" cy="1965290"/>
-          </a:xfrm>
-          <a:prstGeom prst="rect">
-            <a:avLst/>
-          </a:prstGeom>
-        </p:spPr>
-      </p:pic>
-      <p:pic>
-        <p:nvPicPr>
-          <p:cNvPr id="22" name="図 21"/>
-          <p:cNvPicPr>
-            <a:picLocks noChangeAspect="1"/>
-          </p:cNvPicPr>
-          <p:nvPr/>
-        </p:nvPicPr>
-        <p:blipFill>
-          <a:blip r:embed="rId8" cstate="print">
-            <a:extLst>
-              <a:ext uri="{28A0092B-C50C-407E-A947-70E740481C1C}">
-                <a14:useLocalDpi xmlns:a14="http://schemas.microsoft.com/office/drawing/2010/main" val="0"/>
-              </a:ext>
-            </a:extLst>
-          </a:blip>
-          <a:stretch>
-            <a:fillRect/>
-          </a:stretch>
-        </p:blipFill>
-        <p:spPr>
-          <a:xfrm>
-            <a:off x="10668285" y="3778975"/>
+            <a:off x="6693709" y="3841811"/>
             <a:ext cx="1407186" cy="1965290"/>
           </a:xfrm>
           <a:prstGeom prst="rect">
@@ -4163,7 +4014,7 @@
         </p:blipFill>
         <p:spPr>
           <a:xfrm>
-            <a:off x="9094588" y="723387"/>
+            <a:off x="9028453" y="282250"/>
             <a:ext cx="1731929" cy="2406308"/>
           </a:xfrm>
           <a:prstGeom prst="rect">
@@ -4193,68 +4044,8 @@
         </p:blipFill>
         <p:spPr>
           <a:xfrm>
-            <a:off x="9224873" y="723387"/>
+            <a:off x="9549995" y="396875"/>
             <a:ext cx="1742054" cy="2420376"/>
-          </a:xfrm>
-          <a:prstGeom prst="rect">
-            <a:avLst/>
-          </a:prstGeom>
-        </p:spPr>
-      </p:pic>
-      <p:pic>
-        <p:nvPicPr>
-          <p:cNvPr id="6" name="図 5"/>
-          <p:cNvPicPr>
-            <a:picLocks noChangeAspect="1"/>
-          </p:cNvPicPr>
-          <p:nvPr/>
-        </p:nvPicPr>
-        <p:blipFill>
-          <a:blip r:embed="rId2">
-            <a:extLst>
-              <a:ext uri="{28A0092B-C50C-407E-A947-70E740481C1C}">
-                <a14:useLocalDpi xmlns:a14="http://schemas.microsoft.com/office/drawing/2010/main" val="0"/>
-              </a:ext>
-            </a:extLst>
-          </a:blip>
-          <a:stretch>
-            <a:fillRect/>
-          </a:stretch>
-        </p:blipFill>
-        <p:spPr>
-          <a:xfrm>
-            <a:off x="9355158" y="723387"/>
-            <a:ext cx="1742054" cy="2420376"/>
-          </a:xfrm>
-          <a:prstGeom prst="rect">
-            <a:avLst/>
-          </a:prstGeom>
-        </p:spPr>
-      </p:pic>
-      <p:pic>
-        <p:nvPicPr>
-          <p:cNvPr id="7" name="図 6"/>
-          <p:cNvPicPr>
-            <a:picLocks noChangeAspect="1"/>
-          </p:cNvPicPr>
-          <p:nvPr/>
-        </p:nvPicPr>
-        <p:blipFill>
-          <a:blip r:embed="rId2">
-            <a:extLst>
-              <a:ext uri="{28A0092B-C50C-407E-A947-70E740481C1C}">
-                <a14:useLocalDpi xmlns:a14="http://schemas.microsoft.com/office/drawing/2010/main" val="0"/>
-              </a:ext>
-            </a:extLst>
-          </a:blip>
-          <a:stretch>
-            <a:fillRect/>
-          </a:stretch>
-        </p:blipFill>
-        <p:spPr>
-          <a:xfrm>
-            <a:off x="5023383" y="3559126"/>
-            <a:ext cx="1600301" cy="2223428"/>
           </a:xfrm>
           <a:prstGeom prst="rect">
             <a:avLst/>
@@ -4283,8 +4074,8 @@
         </p:blipFill>
         <p:spPr>
           <a:xfrm>
-            <a:off x="5023383" y="797711"/>
-            <a:ext cx="1379996" cy="1829641"/>
+            <a:off x="5064458" y="797979"/>
+            <a:ext cx="1390460" cy="1843514"/>
           </a:xfrm>
           <a:prstGeom prst="rect">
             <a:avLst/>
@@ -4359,7 +4150,7 @@
         </p:blipFill>
         <p:spPr>
           <a:xfrm>
-            <a:off x="4645242" y="6032760"/>
+            <a:off x="4645242" y="6202887"/>
             <a:ext cx="2447416" cy="536853"/>
           </a:xfrm>
           <a:prstGeom prst="rect">
@@ -4375,7 +4166,7 @@
         </p:nvSpPr>
         <p:spPr>
           <a:xfrm>
-            <a:off x="5430368" y="6116520"/>
+            <a:off x="5463708" y="6241975"/>
             <a:ext cx="877163" cy="369332"/>
           </a:xfrm>
           <a:prstGeom prst="rect">
@@ -4407,26 +4198,167 @@
       </p:sp>
       <p:sp>
         <p:nvSpPr>
-          <p:cNvPr id="14" name="正方形/長方形 13"/>
+          <p:cNvPr id="18" name="フローチャート: 端子 17"/>
           <p:cNvSpPr/>
           <p:nvPr/>
         </p:nvSpPr>
         <p:spPr>
           <a:xfrm>
-            <a:off x="7865827" y="3823343"/>
-            <a:ext cx="2080800" cy="1209821"/>
-          </a:xfrm>
-          <a:prstGeom prst="rect">
+            <a:off x="3273460" y="2752455"/>
+            <a:ext cx="5190978" cy="679696"/>
+          </a:xfrm>
+          <a:prstGeom prst="flowChartTerminator">
+            <a:avLst/>
+          </a:prstGeom>
+          <a:ln w="38100">
+            <a:solidFill>
+              <a:schemeClr val="bg1"/>
+            </a:solidFill>
+          </a:ln>
+        </p:spPr>
+        <p:style>
+          <a:lnRef idx="2">
+            <a:schemeClr val="dk1">
+              <a:shade val="50000"/>
+            </a:schemeClr>
+          </a:lnRef>
+          <a:fillRef idx="1">
+            <a:schemeClr val="dk1"/>
+          </a:fillRef>
+          <a:effectRef idx="0">
+            <a:schemeClr val="dk1"/>
+          </a:effectRef>
+          <a:fontRef idx="minor">
+            <a:schemeClr val="lt1"/>
+          </a:fontRef>
+        </p:style>
+        <p:txBody>
+          <a:bodyPr rtlCol="0" anchor="ctr"/>
+          <a:lstStyle/>
+          <a:p>
+            <a:pPr algn="ctr"/>
+            <a:r>
+              <a:rPr lang="ja-JP" altLang="en-US" dirty="0"/>
+              <a:t>これ</a:t>
+            </a:r>
+            <a:r>
+              <a:rPr lang="ja-JP" altLang="en-US" dirty="0" smtClean="0"/>
+              <a:t>にしますか？</a:t>
+            </a:r>
+            <a:endParaRPr kumimoji="1" lang="ja-JP" altLang="en-US" dirty="0"/>
+          </a:p>
+        </p:txBody>
+      </p:sp>
+      <p:pic>
+        <p:nvPicPr>
+          <p:cNvPr id="26" name="図 25"/>
+          <p:cNvPicPr>
+            <a:picLocks noChangeAspect="1"/>
+          </p:cNvPicPr>
+          <p:nvPr/>
+        </p:nvPicPr>
+        <p:blipFill>
+          <a:blip r:embed="rId2">
+            <a:extLst>
+              <a:ext uri="{28A0092B-C50C-407E-A947-70E740481C1C}">
+                <a14:useLocalDpi xmlns:a14="http://schemas.microsoft.com/office/drawing/2010/main" val="0"/>
+              </a:ext>
+            </a:extLst>
+          </a:blip>
+          <a:stretch>
+            <a:fillRect/>
+          </a:stretch>
+        </p:blipFill>
+        <p:spPr>
+          <a:xfrm>
+            <a:off x="546102" y="297282"/>
+            <a:ext cx="1731929" cy="2406308"/>
+          </a:xfrm>
+          <a:prstGeom prst="rect">
+            <a:avLst/>
+          </a:prstGeom>
+        </p:spPr>
+      </p:pic>
+      <p:pic>
+        <p:nvPicPr>
+          <p:cNvPr id="27" name="図 26"/>
+          <p:cNvPicPr>
+            <a:picLocks noChangeAspect="1"/>
+          </p:cNvPicPr>
+          <p:nvPr/>
+        </p:nvPicPr>
+        <p:blipFill>
+          <a:blip r:embed="rId2">
+            <a:extLst>
+              <a:ext uri="{28A0092B-C50C-407E-A947-70E740481C1C}">
+                <a14:useLocalDpi xmlns:a14="http://schemas.microsoft.com/office/drawing/2010/main" val="0"/>
+              </a:ext>
+            </a:extLst>
+          </a:blip>
+          <a:stretch>
+            <a:fillRect/>
+          </a:stretch>
+        </p:blipFill>
+        <p:spPr>
+          <a:xfrm>
+            <a:off x="844627" y="277443"/>
+            <a:ext cx="1742054" cy="2420376"/>
+          </a:xfrm>
+          <a:prstGeom prst="rect">
+            <a:avLst/>
+          </a:prstGeom>
+        </p:spPr>
+      </p:pic>
+      <p:pic>
+        <p:nvPicPr>
+          <p:cNvPr id="28" name="図 27"/>
+          <p:cNvPicPr>
+            <a:picLocks noChangeAspect="1"/>
+          </p:cNvPicPr>
+          <p:nvPr/>
+        </p:nvPicPr>
+        <p:blipFill>
+          <a:blip r:embed="rId2">
+            <a:extLst>
+              <a:ext uri="{28A0092B-C50C-407E-A947-70E740481C1C}">
+                <a14:useLocalDpi xmlns:a14="http://schemas.microsoft.com/office/drawing/2010/main" val="0"/>
+              </a:ext>
+            </a:extLst>
+          </a:blip>
+          <a:stretch>
+            <a:fillRect/>
+          </a:stretch>
+        </p:blipFill>
+        <p:spPr>
+          <a:xfrm>
+            <a:off x="1075521" y="235185"/>
+            <a:ext cx="1731929" cy="2406308"/>
+          </a:xfrm>
+          <a:prstGeom prst="rect">
+            <a:avLst/>
+          </a:prstGeom>
+        </p:spPr>
+      </p:pic>
+      <p:sp>
+        <p:nvSpPr>
+          <p:cNvPr id="29" name="フローチャート: 端子 28"/>
+          <p:cNvSpPr/>
+          <p:nvPr/>
+        </p:nvSpPr>
+        <p:spPr>
+          <a:xfrm>
+            <a:off x="353314" y="2779333"/>
+            <a:ext cx="2233367" cy="399966"/>
+          </a:xfrm>
+          <a:prstGeom prst="flowChartTerminator">
             <a:avLst/>
           </a:prstGeom>
           <a:solidFill>
-            <a:schemeClr val="accent1">
-              <a:lumMod val="75000"/>
-            </a:schemeClr>
+            <a:schemeClr val="tx1"/>
           </a:solidFill>
-          <a:ln w="88900" cmpd="sng">
+          <a:ln>
             <a:solidFill>
-              <a:srgbClr val="FFFF00"/>
+              <a:schemeClr val="bg1"/>
             </a:solidFill>
           </a:ln>
         </p:spPr>
@@ -4452,102 +4384,27 @@
           <a:p>
             <a:pPr algn="ctr"/>
             <a:r>
-              <a:rPr kumimoji="1" lang="en-US" altLang="ja-JP" sz="5400" b="1" dirty="0" smtClean="0">
-                <a:solidFill>
-                  <a:srgbClr val="FFFF00"/>
-                </a:solidFill>
-              </a:rPr>
-              <a:t>LOW</a:t>
-            </a:r>
-            <a:endParaRPr kumimoji="1" lang="ja-JP" altLang="en-US" sz="5400" b="1" dirty="0">
-              <a:solidFill>
-                <a:srgbClr val="FFFF00"/>
-              </a:solidFill>
-            </a:endParaRPr>
-          </a:p>
-        </p:txBody>
-      </p:sp>
-      <p:pic>
-        <p:nvPicPr>
-          <p:cNvPr id="16" name="図 15"/>
-          <p:cNvPicPr>
-            <a:picLocks noChangeAspect="1"/>
-          </p:cNvPicPr>
-          <p:nvPr/>
-        </p:nvPicPr>
-        <p:blipFill>
-          <a:blip r:embed="rId5"/>
-          <a:stretch>
-            <a:fillRect/>
-          </a:stretch>
-        </p:blipFill>
-        <p:spPr>
-          <a:xfrm>
-            <a:off x="1716257" y="3778975"/>
-            <a:ext cx="2170364" cy="1298561"/>
-          </a:xfrm>
-          <a:prstGeom prst="rect">
-            <a:avLst/>
-          </a:prstGeom>
-        </p:spPr>
-      </p:pic>
-      <p:sp>
-        <p:nvSpPr>
-          <p:cNvPr id="17" name="テキスト ボックス 16"/>
-          <p:cNvSpPr txBox="1"/>
-          <p:nvPr/>
-        </p:nvSpPr>
-        <p:spPr>
-          <a:xfrm>
-            <a:off x="1836270" y="3966589"/>
-            <a:ext cx="2013693" cy="923330"/>
-          </a:xfrm>
-          <a:prstGeom prst="rect">
-            <a:avLst/>
-          </a:prstGeom>
-          <a:noFill/>
-        </p:spPr>
-        <p:txBody>
-          <a:bodyPr wrap="none" rtlCol="0">
-            <a:spAutoFit/>
-          </a:bodyPr>
-          <a:lstStyle/>
-          <a:p>
-            <a:r>
-              <a:rPr kumimoji="1" lang="en-US" altLang="ja-JP" sz="5400" b="1" dirty="0" smtClean="0">
-                <a:solidFill>
-                  <a:srgbClr val="FFFF00"/>
-                </a:solidFill>
-              </a:rPr>
-              <a:t>HIGH</a:t>
-            </a:r>
-            <a:endParaRPr kumimoji="1" lang="ja-JP" altLang="en-US" sz="5400" b="1" dirty="0">
-              <a:solidFill>
-                <a:srgbClr val="FFFF00"/>
-              </a:solidFill>
-            </a:endParaRPr>
-          </a:p>
-        </p:txBody>
-      </p:sp>
-      <p:sp>
-        <p:nvSpPr>
-          <p:cNvPr id="18" name="フローチャート: 端子 17"/>
+              <a:rPr kumimoji="1" lang="ja-JP" altLang="en-US" dirty="0" smtClean="0"/>
+              <a:t>山札</a:t>
+            </a:r>
+            <a:endParaRPr kumimoji="1" lang="ja-JP" altLang="en-US" dirty="0"/>
+          </a:p>
+        </p:txBody>
+      </p:sp>
+      <p:sp>
+        <p:nvSpPr>
+          <p:cNvPr id="11" name="正方形/長方形 10"/>
           <p:cNvSpPr/>
           <p:nvPr/>
         </p:nvSpPr>
         <p:spPr>
           <a:xfrm>
-            <a:off x="3273460" y="2752455"/>
-            <a:ext cx="5190978" cy="679696"/>
-          </a:xfrm>
-          <a:prstGeom prst="flowChartTerminator">
-            <a:avLst/>
-          </a:prstGeom>
-          <a:ln w="38100">
-            <a:solidFill>
-              <a:schemeClr val="bg1"/>
-            </a:solidFill>
-          </a:ln>
+            <a:off x="117695" y="5546455"/>
+            <a:ext cx="2160336" cy="1140129"/>
+          </a:xfrm>
+          <a:prstGeom prst="rect">
+            <a:avLst/>
+          </a:prstGeom>
         </p:spPr>
         <p:style>
           <a:lnRef idx="2">
@@ -4571,20 +4428,8 @@
           <a:p>
             <a:pPr algn="ctr"/>
             <a:r>
-              <a:rPr kumimoji="1" lang="en-US" altLang="ja-JP" dirty="0" smtClean="0"/>
-              <a:t>HIGT</a:t>
-            </a:r>
-            <a:r>
               <a:rPr kumimoji="1" lang="ja-JP" altLang="en-US" dirty="0" smtClean="0"/>
-              <a:t>か</a:t>
-            </a:r>
-            <a:r>
-              <a:rPr kumimoji="1" lang="en-US" altLang="ja-JP" dirty="0" smtClean="0"/>
-              <a:t>LOW</a:t>
-            </a:r>
-            <a:r>
-              <a:rPr kumimoji="1" lang="ja-JP" altLang="en-US" dirty="0" smtClean="0"/>
-              <a:t>を選択してください。</a:t>
+              <a:t>０連勝</a:t>
             </a:r>
             <a:endParaRPr kumimoji="1" lang="ja-JP" altLang="en-US" dirty="0"/>
           </a:p>
@@ -4592,7 +4437,66 @@
       </p:sp>
       <p:pic>
         <p:nvPicPr>
-          <p:cNvPr id="2" name="図 1"/>
+          <p:cNvPr id="19" name="図 18"/>
+          <p:cNvPicPr>
+            <a:picLocks noChangeAspect="1"/>
+          </p:cNvPicPr>
+          <p:nvPr/>
+        </p:nvPicPr>
+        <p:blipFill>
+          <a:blip r:embed="rId2">
+            <a:extLst>
+              <a:ext uri="{28A0092B-C50C-407E-A947-70E740481C1C}">
+                <a14:useLocalDpi xmlns:a14="http://schemas.microsoft.com/office/drawing/2010/main" val="0"/>
+              </a:ext>
+            </a:extLst>
+          </a:blip>
+          <a:stretch>
+            <a:fillRect/>
+          </a:stretch>
+        </p:blipFill>
+        <p:spPr>
+          <a:xfrm>
+            <a:off x="5033515" y="797979"/>
+            <a:ext cx="1421403" cy="1974870"/>
+          </a:xfrm>
+          <a:prstGeom prst="rect">
+            <a:avLst/>
+          </a:prstGeom>
+        </p:spPr>
+      </p:pic>
+      <p:pic>
+        <p:nvPicPr>
+          <p:cNvPr id="20" name="図 19"/>
+          <p:cNvPicPr>
+            <a:picLocks noChangeAspect="1"/>
+          </p:cNvPicPr>
+          <p:nvPr/>
+        </p:nvPicPr>
+        <p:blipFill rotWithShape="1">
+          <a:blip r:embed="rId5" cstate="print">
+            <a:extLst>
+              <a:ext uri="{28A0092B-C50C-407E-A947-70E740481C1C}">
+                <a14:useLocalDpi xmlns:a14="http://schemas.microsoft.com/office/drawing/2010/main" val="0"/>
+              </a:ext>
+            </a:extLst>
+          </a:blip>
+          <a:srcRect l="20075" t="7442" r="18439" b="5288"/>
+          <a:stretch/>
+        </p:blipFill>
+        <p:spPr>
+          <a:xfrm>
+            <a:off x="5096199" y="3543113"/>
+            <a:ext cx="1514272" cy="2149291"/>
+          </a:xfrm>
+          <a:prstGeom prst="rect">
+            <a:avLst/>
+          </a:prstGeom>
+        </p:spPr>
+      </p:pic>
+      <p:pic>
+        <p:nvPicPr>
+          <p:cNvPr id="21" name="図 20"/>
           <p:cNvPicPr>
             <a:picLocks noChangeAspect="1"/>
           </p:cNvPicPr>
@@ -4612,8 +4516,8 @@
         </p:blipFill>
         <p:spPr>
           <a:xfrm>
-            <a:off x="3836167" y="1861296"/>
-            <a:ext cx="4065563" cy="2462014"/>
+            <a:off x="9333116" y="4563810"/>
+            <a:ext cx="1427266" cy="1965290"/>
           </a:xfrm>
           <a:prstGeom prst="rect">
             <a:avLst/>
@@ -4622,43 +4526,14 @@
       </p:pic>
       <p:pic>
         <p:nvPicPr>
-          <p:cNvPr id="3" name="図 2"/>
+          <p:cNvPr id="22" name="図 21"/>
           <p:cNvPicPr>
             <a:picLocks noChangeAspect="1"/>
           </p:cNvPicPr>
           <p:nvPr/>
         </p:nvPicPr>
-        <p:blipFill rotWithShape="1">
+        <p:blipFill>
           <a:blip r:embed="rId7" cstate="print">
-            <a:extLst>
-              <a:ext uri="{28A0092B-C50C-407E-A947-70E740481C1C}">
-                <a14:useLocalDpi xmlns:a14="http://schemas.microsoft.com/office/drawing/2010/main" val="0"/>
-              </a:ext>
-            </a:extLst>
-          </a:blip>
-          <a:srcRect l="20075" t="7442" r="18439" b="5288"/>
-          <a:stretch/>
-        </p:blipFill>
-        <p:spPr>
-          <a:xfrm>
-            <a:off x="5023383" y="3570124"/>
-            <a:ext cx="1514272" cy="2149291"/>
-          </a:xfrm>
-          <a:prstGeom prst="rect">
-            <a:avLst/>
-          </a:prstGeom>
-        </p:spPr>
-      </p:pic>
-      <p:pic>
-        <p:nvPicPr>
-          <p:cNvPr id="26" name="図 25"/>
-          <p:cNvPicPr>
-            <a:picLocks noChangeAspect="1"/>
-          </p:cNvPicPr>
-          <p:nvPr/>
-        </p:nvPicPr>
-        <p:blipFill>
-          <a:blip r:embed="rId2">
             <a:extLst>
               <a:ext uri="{28A0092B-C50C-407E-A947-70E740481C1C}">
                 <a14:useLocalDpi xmlns:a14="http://schemas.microsoft.com/office/drawing/2010/main" val="0"/>
@@ -4671,136 +4546,24 @@
         </p:blipFill>
         <p:spPr>
           <a:xfrm>
-            <a:off x="546102" y="297282"/>
-            <a:ext cx="1731929" cy="2406308"/>
+            <a:off x="9872122" y="4535474"/>
+            <a:ext cx="1407186" cy="1965290"/>
           </a:xfrm>
           <a:prstGeom prst="rect">
             <a:avLst/>
           </a:prstGeom>
         </p:spPr>
       </p:pic>
-      <p:pic>
-        <p:nvPicPr>
-          <p:cNvPr id="27" name="図 26"/>
-          <p:cNvPicPr>
-            <a:picLocks noChangeAspect="1"/>
-          </p:cNvPicPr>
-          <p:nvPr/>
-        </p:nvPicPr>
-        <p:blipFill>
-          <a:blip r:embed="rId2">
-            <a:extLst>
-              <a:ext uri="{28A0092B-C50C-407E-A947-70E740481C1C}">
-                <a14:useLocalDpi xmlns:a14="http://schemas.microsoft.com/office/drawing/2010/main" val="0"/>
-              </a:ext>
-            </a:extLst>
-          </a:blip>
-          <a:stretch>
-            <a:fillRect/>
-          </a:stretch>
-        </p:blipFill>
-        <p:spPr>
-          <a:xfrm>
-            <a:off x="844627" y="277443"/>
-            <a:ext cx="1742054" cy="2420376"/>
-          </a:xfrm>
-          <a:prstGeom prst="rect">
-            <a:avLst/>
-          </a:prstGeom>
-        </p:spPr>
-      </p:pic>
-      <p:pic>
-        <p:nvPicPr>
-          <p:cNvPr id="28" name="図 27"/>
-          <p:cNvPicPr>
-            <a:picLocks noChangeAspect="1"/>
-          </p:cNvPicPr>
-          <p:nvPr/>
-        </p:nvPicPr>
-        <p:blipFill>
-          <a:blip r:embed="rId2">
-            <a:extLst>
-              <a:ext uri="{28A0092B-C50C-407E-A947-70E740481C1C}">
-                <a14:useLocalDpi xmlns:a14="http://schemas.microsoft.com/office/drawing/2010/main" val="0"/>
-              </a:ext>
-            </a:extLst>
-          </a:blip>
-          <a:stretch>
-            <a:fillRect/>
-          </a:stretch>
-        </p:blipFill>
-        <p:spPr>
-          <a:xfrm>
-            <a:off x="1075521" y="235185"/>
-            <a:ext cx="1731929" cy="2406308"/>
-          </a:xfrm>
-          <a:prstGeom prst="rect">
-            <a:avLst/>
-          </a:prstGeom>
-        </p:spPr>
-      </p:pic>
-      <p:sp>
-        <p:nvSpPr>
-          <p:cNvPr id="29" name="フローチャート: 端子 28"/>
+      <p:sp>
+        <p:nvSpPr>
+          <p:cNvPr id="2" name="正方形/長方形 1"/>
           <p:cNvSpPr/>
           <p:nvPr/>
         </p:nvSpPr>
         <p:spPr>
           <a:xfrm>
-            <a:off x="353314" y="2779333"/>
-            <a:ext cx="2233367" cy="399966"/>
-          </a:xfrm>
-          <a:prstGeom prst="flowChartTerminator">
-            <a:avLst/>
-          </a:prstGeom>
-          <a:solidFill>
-            <a:schemeClr val="tx1"/>
-          </a:solidFill>
-          <a:ln>
-            <a:solidFill>
-              <a:schemeClr val="bg1"/>
-            </a:solidFill>
-          </a:ln>
-        </p:spPr>
-        <p:style>
-          <a:lnRef idx="2">
-            <a:schemeClr val="accent1">
-              <a:shade val="50000"/>
-            </a:schemeClr>
-          </a:lnRef>
-          <a:fillRef idx="1">
-            <a:schemeClr val="accent1"/>
-          </a:fillRef>
-          <a:effectRef idx="0">
-            <a:schemeClr val="accent1"/>
-          </a:effectRef>
-          <a:fontRef idx="minor">
-            <a:schemeClr val="lt1"/>
-          </a:fontRef>
-        </p:style>
-        <p:txBody>
-          <a:bodyPr rtlCol="0" anchor="ctr"/>
-          <a:lstStyle/>
-          <a:p>
-            <a:pPr algn="ctr"/>
-            <a:r>
-              <a:rPr kumimoji="1" lang="ja-JP" altLang="en-US" dirty="0" smtClean="0"/>
-              <a:t>山札</a:t>
-            </a:r>
-            <a:endParaRPr kumimoji="1" lang="ja-JP" altLang="en-US" dirty="0"/>
-          </a:p>
-        </p:txBody>
-      </p:sp>
-      <p:sp>
-        <p:nvSpPr>
-          <p:cNvPr id="30" name="正方形/長方形 29"/>
-          <p:cNvSpPr/>
-          <p:nvPr/>
-        </p:nvSpPr>
-        <p:spPr>
-          <a:xfrm>
-            <a:off x="647114" y="5345723"/>
-            <a:ext cx="2160336" cy="1140129"/>
+            <a:off x="3133836" y="4701921"/>
+            <a:ext cx="1371486" cy="844534"/>
           </a:xfrm>
           <a:prstGeom prst="rect">
             <a:avLst/>
@@ -4828,111 +4591,61 @@
           <a:p>
             <a:pPr algn="ctr"/>
             <a:r>
-              <a:rPr lang="en-US" altLang="ja-JP" dirty="0"/>
-              <a:t>1</a:t>
-            </a:r>
-            <a:r>
-              <a:rPr kumimoji="1" lang="ja-JP" altLang="en-US" dirty="0" smtClean="0"/>
-              <a:t>連勝</a:t>
+              <a:rPr lang="en-US" altLang="ja-JP" dirty="0" smtClean="0"/>
+              <a:t>Yes</a:t>
             </a:r>
             <a:endParaRPr kumimoji="1" lang="ja-JP" altLang="en-US" dirty="0"/>
           </a:p>
         </p:txBody>
       </p:sp>
-      <p:pic>
-        <p:nvPicPr>
-          <p:cNvPr id="23" name="図 22"/>
-          <p:cNvPicPr>
-            <a:picLocks noChangeAspect="1"/>
-          </p:cNvPicPr>
-          <p:nvPr/>
-        </p:nvPicPr>
-        <p:blipFill>
-          <a:blip r:embed="rId2">
-            <a:extLst>
-              <a:ext uri="{28A0092B-C50C-407E-A947-70E740481C1C}">
-                <a14:useLocalDpi xmlns:a14="http://schemas.microsoft.com/office/drawing/2010/main" val="0"/>
-              </a:ext>
-            </a:extLst>
-          </a:blip>
-          <a:stretch>
-            <a:fillRect/>
-          </a:stretch>
-        </p:blipFill>
-        <p:spPr>
-          <a:xfrm>
-            <a:off x="4976441" y="670855"/>
-            <a:ext cx="1426938" cy="1982560"/>
-          </a:xfrm>
-          <a:prstGeom prst="rect">
-            <a:avLst/>
-          </a:prstGeom>
-        </p:spPr>
-      </p:pic>
-      <p:pic>
-        <p:nvPicPr>
-          <p:cNvPr id="32" name="図 31"/>
-          <p:cNvPicPr>
-            <a:picLocks noChangeAspect="1"/>
-          </p:cNvPicPr>
-          <p:nvPr/>
-        </p:nvPicPr>
-        <p:blipFill>
-          <a:blip r:embed="rId8">
-            <a:extLst>
-              <a:ext uri="{28A0092B-C50C-407E-A947-70E740481C1C}">
-                <a14:useLocalDpi xmlns:a14="http://schemas.microsoft.com/office/drawing/2010/main" val="0"/>
-              </a:ext>
-            </a:extLst>
-          </a:blip>
-          <a:stretch>
-            <a:fillRect/>
-          </a:stretch>
-        </p:blipFill>
-        <p:spPr>
-          <a:xfrm>
-            <a:off x="10046749" y="3778975"/>
-            <a:ext cx="1427266" cy="1965290"/>
-          </a:xfrm>
-          <a:prstGeom prst="rect">
-            <a:avLst/>
-          </a:prstGeom>
-        </p:spPr>
-      </p:pic>
-      <p:pic>
-        <p:nvPicPr>
-          <p:cNvPr id="33" name="図 32"/>
-          <p:cNvPicPr>
-            <a:picLocks noChangeAspect="1"/>
-          </p:cNvPicPr>
-          <p:nvPr/>
-        </p:nvPicPr>
-        <p:blipFill>
-          <a:blip r:embed="rId9" cstate="print">
-            <a:extLst>
-              <a:ext uri="{28A0092B-C50C-407E-A947-70E740481C1C}">
-                <a14:useLocalDpi xmlns:a14="http://schemas.microsoft.com/office/drawing/2010/main" val="0"/>
-              </a:ext>
-            </a:extLst>
-          </a:blip>
-          <a:stretch>
-            <a:fillRect/>
-          </a:stretch>
-        </p:blipFill>
-        <p:spPr>
-          <a:xfrm>
-            <a:off x="10668285" y="3778975"/>
-            <a:ext cx="1407186" cy="1965290"/>
-          </a:xfrm>
-          <a:prstGeom prst="rect">
-            <a:avLst/>
-          </a:prstGeom>
-        </p:spPr>
-      </p:pic>
+      <p:sp>
+        <p:nvSpPr>
+          <p:cNvPr id="23" name="正方形/長方形 22"/>
+          <p:cNvSpPr/>
+          <p:nvPr/>
+        </p:nvSpPr>
+        <p:spPr>
+          <a:xfrm>
+            <a:off x="7006384" y="4701921"/>
+            <a:ext cx="1371486" cy="844534"/>
+          </a:xfrm>
+          <a:prstGeom prst="rect">
+            <a:avLst/>
+          </a:prstGeom>
+        </p:spPr>
+        <p:style>
+          <a:lnRef idx="2">
+            <a:schemeClr val="dk1">
+              <a:shade val="50000"/>
+            </a:schemeClr>
+          </a:lnRef>
+          <a:fillRef idx="1">
+            <a:schemeClr val="dk1"/>
+          </a:fillRef>
+          <a:effectRef idx="0">
+            <a:schemeClr val="dk1"/>
+          </a:effectRef>
+          <a:fontRef idx="minor">
+            <a:schemeClr val="lt1"/>
+          </a:fontRef>
+        </p:style>
+        <p:txBody>
+          <a:bodyPr rtlCol="0" anchor="ctr"/>
+          <a:lstStyle/>
+          <a:p>
+            <a:pPr algn="ctr"/>
+            <a:r>
+              <a:rPr lang="en-US" altLang="ja-JP" dirty="0" smtClean="0"/>
+              <a:t>No</a:t>
+            </a:r>
+            <a:endParaRPr kumimoji="1" lang="ja-JP" altLang="en-US" dirty="0"/>
+          </a:p>
+        </p:txBody>
+      </p:sp>
     </p:spTree>
     <p:extLst>
       <p:ext uri="{BB962C8B-B14F-4D97-AF65-F5344CB8AC3E}">
-        <p14:creationId xmlns:p14="http://schemas.microsoft.com/office/powerpoint/2010/main" val="901299354"/>
+        <p14:creationId xmlns:p14="http://schemas.microsoft.com/office/powerpoint/2010/main" val="777270213"/>
       </p:ext>
     </p:extLst>
   </p:cSld>
@@ -4996,6 +4709,1586 @@
         </p:blipFill>
         <p:spPr>
           <a:xfrm>
+            <a:off x="9028453" y="282250"/>
+            <a:ext cx="1731929" cy="2406308"/>
+          </a:xfrm>
+          <a:prstGeom prst="rect">
+            <a:avLst/>
+          </a:prstGeom>
+        </p:spPr>
+      </p:pic>
+      <p:pic>
+        <p:nvPicPr>
+          <p:cNvPr id="5" name="図 4"/>
+          <p:cNvPicPr>
+            <a:picLocks noChangeAspect="1"/>
+          </p:cNvPicPr>
+          <p:nvPr/>
+        </p:nvPicPr>
+        <p:blipFill>
+          <a:blip r:embed="rId2">
+            <a:extLst>
+              <a:ext uri="{28A0092B-C50C-407E-A947-70E740481C1C}">
+                <a14:useLocalDpi xmlns:a14="http://schemas.microsoft.com/office/drawing/2010/main" val="0"/>
+              </a:ext>
+            </a:extLst>
+          </a:blip>
+          <a:stretch>
+            <a:fillRect/>
+          </a:stretch>
+        </p:blipFill>
+        <p:spPr>
+          <a:xfrm>
+            <a:off x="9448206" y="316220"/>
+            <a:ext cx="1742054" cy="2420376"/>
+          </a:xfrm>
+          <a:prstGeom prst="rect">
+            <a:avLst/>
+          </a:prstGeom>
+        </p:spPr>
+      </p:pic>
+      <p:pic>
+        <p:nvPicPr>
+          <p:cNvPr id="8" name="図 7"/>
+          <p:cNvPicPr>
+            <a:picLocks noChangeAspect="1"/>
+          </p:cNvPicPr>
+          <p:nvPr/>
+        </p:nvPicPr>
+        <p:blipFill>
+          <a:blip r:embed="rId3" cstate="print">
+            <a:extLst>
+              <a:ext uri="{28A0092B-C50C-407E-A947-70E740481C1C}">
+                <a14:useLocalDpi xmlns:a14="http://schemas.microsoft.com/office/drawing/2010/main" val="0"/>
+              </a:ext>
+            </a:extLst>
+          </a:blip>
+          <a:stretch>
+            <a:fillRect/>
+          </a:stretch>
+        </p:blipFill>
+        <p:spPr>
+          <a:xfrm>
+            <a:off x="5064458" y="797979"/>
+            <a:ext cx="1390460" cy="1843514"/>
+          </a:xfrm>
+          <a:prstGeom prst="rect">
+            <a:avLst/>
+          </a:prstGeom>
+        </p:spPr>
+      </p:pic>
+      <p:sp>
+        <p:nvSpPr>
+          <p:cNvPr id="9" name="フローチャート: 端子 8"/>
+          <p:cNvSpPr/>
+          <p:nvPr/>
+        </p:nvSpPr>
+        <p:spPr>
+          <a:xfrm>
+            <a:off x="4645242" y="273221"/>
+            <a:ext cx="2356130" cy="444969"/>
+          </a:xfrm>
+          <a:prstGeom prst="flowChartTerminator">
+            <a:avLst/>
+          </a:prstGeom>
+          <a:solidFill>
+            <a:schemeClr val="tx1"/>
+          </a:solidFill>
+          <a:ln>
+            <a:solidFill>
+              <a:schemeClr val="bg1"/>
+            </a:solidFill>
+          </a:ln>
+        </p:spPr>
+        <p:style>
+          <a:lnRef idx="2">
+            <a:schemeClr val="accent1">
+              <a:shade val="50000"/>
+            </a:schemeClr>
+          </a:lnRef>
+          <a:fillRef idx="1">
+            <a:schemeClr val="accent1"/>
+          </a:fillRef>
+          <a:effectRef idx="0">
+            <a:schemeClr val="accent1"/>
+          </a:effectRef>
+          <a:fontRef idx="minor">
+            <a:schemeClr val="lt1"/>
+          </a:fontRef>
+        </p:style>
+        <p:txBody>
+          <a:bodyPr rtlCol="0" anchor="ctr"/>
+          <a:lstStyle/>
+          <a:p>
+            <a:pPr algn="ctr"/>
+            <a:r>
+              <a:rPr kumimoji="1" lang="ja-JP" altLang="en-US" dirty="0" smtClean="0"/>
+              <a:t>ディーラー</a:t>
+            </a:r>
+            <a:endParaRPr kumimoji="1" lang="ja-JP" altLang="en-US" dirty="0"/>
+          </a:p>
+        </p:txBody>
+      </p:sp>
+      <p:pic>
+        <p:nvPicPr>
+          <p:cNvPr id="12" name="図 11"/>
+          <p:cNvPicPr>
+            <a:picLocks noChangeAspect="1"/>
+          </p:cNvPicPr>
+          <p:nvPr/>
+        </p:nvPicPr>
+        <p:blipFill>
+          <a:blip r:embed="rId4"/>
+          <a:stretch>
+            <a:fillRect/>
+          </a:stretch>
+        </p:blipFill>
+        <p:spPr>
+          <a:xfrm>
+            <a:off x="4645242" y="6032760"/>
+            <a:ext cx="2447416" cy="536853"/>
+          </a:xfrm>
+          <a:prstGeom prst="rect">
+            <a:avLst/>
+          </a:prstGeom>
+        </p:spPr>
+      </p:pic>
+      <p:sp>
+        <p:nvSpPr>
+          <p:cNvPr id="13" name="テキスト ボックス 12"/>
+          <p:cNvSpPr txBox="1"/>
+          <p:nvPr/>
+        </p:nvSpPr>
+        <p:spPr>
+          <a:xfrm>
+            <a:off x="5430368" y="6116520"/>
+            <a:ext cx="877163" cy="369332"/>
+          </a:xfrm>
+          <a:prstGeom prst="rect">
+            <a:avLst/>
+          </a:prstGeom>
+          <a:noFill/>
+        </p:spPr>
+        <p:txBody>
+          <a:bodyPr wrap="none" rtlCol="0">
+            <a:spAutoFit/>
+          </a:bodyPr>
+          <a:lstStyle/>
+          <a:p>
+            <a:r>
+              <a:rPr kumimoji="1" lang="ja-JP" altLang="en-US" dirty="0" smtClean="0">
+                <a:solidFill>
+                  <a:schemeClr val="bg1"/>
+                </a:solidFill>
+              </a:rPr>
+              <a:t>あなた</a:t>
+            </a:r>
+            <a:endParaRPr kumimoji="1" lang="ja-JP" altLang="en-US" dirty="0">
+              <a:solidFill>
+                <a:schemeClr val="bg1"/>
+              </a:solidFill>
+            </a:endParaRPr>
+          </a:p>
+        </p:txBody>
+      </p:sp>
+      <p:sp>
+        <p:nvSpPr>
+          <p:cNvPr id="14" name="正方形/長方形 13"/>
+          <p:cNvSpPr/>
+          <p:nvPr/>
+        </p:nvSpPr>
+        <p:spPr>
+          <a:xfrm>
+            <a:off x="7469195" y="3867715"/>
+            <a:ext cx="2080800" cy="1209821"/>
+          </a:xfrm>
+          <a:prstGeom prst="rect">
+            <a:avLst/>
+          </a:prstGeom>
+          <a:solidFill>
+            <a:schemeClr val="accent1">
+              <a:lumMod val="75000"/>
+            </a:schemeClr>
+          </a:solidFill>
+          <a:ln w="88900" cmpd="sng">
+            <a:solidFill>
+              <a:srgbClr val="FFFF00"/>
+            </a:solidFill>
+          </a:ln>
+        </p:spPr>
+        <p:style>
+          <a:lnRef idx="2">
+            <a:schemeClr val="accent1">
+              <a:shade val="50000"/>
+            </a:schemeClr>
+          </a:lnRef>
+          <a:fillRef idx="1">
+            <a:schemeClr val="accent1"/>
+          </a:fillRef>
+          <a:effectRef idx="0">
+            <a:schemeClr val="accent1"/>
+          </a:effectRef>
+          <a:fontRef idx="minor">
+            <a:schemeClr val="lt1"/>
+          </a:fontRef>
+        </p:style>
+        <p:txBody>
+          <a:bodyPr rtlCol="0" anchor="ctr"/>
+          <a:lstStyle/>
+          <a:p>
+            <a:pPr algn="ctr"/>
+            <a:r>
+              <a:rPr kumimoji="1" lang="en-US" altLang="ja-JP" sz="5400" b="1" dirty="0" smtClean="0">
+                <a:solidFill>
+                  <a:srgbClr val="FFFF00"/>
+                </a:solidFill>
+              </a:rPr>
+              <a:t>LOW</a:t>
+            </a:r>
+            <a:endParaRPr kumimoji="1" lang="ja-JP" altLang="en-US" sz="5400" b="1" dirty="0">
+              <a:solidFill>
+                <a:srgbClr val="FFFF00"/>
+              </a:solidFill>
+            </a:endParaRPr>
+          </a:p>
+        </p:txBody>
+      </p:sp>
+      <p:pic>
+        <p:nvPicPr>
+          <p:cNvPr id="16" name="図 15"/>
+          <p:cNvPicPr>
+            <a:picLocks noChangeAspect="1"/>
+          </p:cNvPicPr>
+          <p:nvPr/>
+        </p:nvPicPr>
+        <p:blipFill>
+          <a:blip r:embed="rId5"/>
+          <a:stretch>
+            <a:fillRect/>
+          </a:stretch>
+        </p:blipFill>
+        <p:spPr>
+          <a:xfrm>
+            <a:off x="1716257" y="3778975"/>
+            <a:ext cx="2170364" cy="1298561"/>
+          </a:xfrm>
+          <a:prstGeom prst="rect">
+            <a:avLst/>
+          </a:prstGeom>
+        </p:spPr>
+      </p:pic>
+      <p:sp>
+        <p:nvSpPr>
+          <p:cNvPr id="17" name="テキスト ボックス 16"/>
+          <p:cNvSpPr txBox="1"/>
+          <p:nvPr/>
+        </p:nvSpPr>
+        <p:spPr>
+          <a:xfrm>
+            <a:off x="1836270" y="3966589"/>
+            <a:ext cx="2013693" cy="923330"/>
+          </a:xfrm>
+          <a:prstGeom prst="rect">
+            <a:avLst/>
+          </a:prstGeom>
+          <a:noFill/>
+        </p:spPr>
+        <p:txBody>
+          <a:bodyPr wrap="none" rtlCol="0">
+            <a:spAutoFit/>
+          </a:bodyPr>
+          <a:lstStyle/>
+          <a:p>
+            <a:r>
+              <a:rPr kumimoji="1" lang="en-US" altLang="ja-JP" sz="5400" b="1" dirty="0" smtClean="0">
+                <a:solidFill>
+                  <a:srgbClr val="FFFF00"/>
+                </a:solidFill>
+              </a:rPr>
+              <a:t>HIGH</a:t>
+            </a:r>
+            <a:endParaRPr kumimoji="1" lang="ja-JP" altLang="en-US" sz="5400" b="1" dirty="0">
+              <a:solidFill>
+                <a:srgbClr val="FFFF00"/>
+              </a:solidFill>
+            </a:endParaRPr>
+          </a:p>
+        </p:txBody>
+      </p:sp>
+      <p:sp>
+        <p:nvSpPr>
+          <p:cNvPr id="18" name="フローチャート: 端子 17"/>
+          <p:cNvSpPr/>
+          <p:nvPr/>
+        </p:nvSpPr>
+        <p:spPr>
+          <a:xfrm>
+            <a:off x="3273460" y="2752455"/>
+            <a:ext cx="5190978" cy="679696"/>
+          </a:xfrm>
+          <a:prstGeom prst="flowChartTerminator">
+            <a:avLst/>
+          </a:prstGeom>
+          <a:ln w="38100">
+            <a:solidFill>
+              <a:schemeClr val="bg1"/>
+            </a:solidFill>
+          </a:ln>
+        </p:spPr>
+        <p:style>
+          <a:lnRef idx="2">
+            <a:schemeClr val="dk1">
+              <a:shade val="50000"/>
+            </a:schemeClr>
+          </a:lnRef>
+          <a:fillRef idx="1">
+            <a:schemeClr val="dk1"/>
+          </a:fillRef>
+          <a:effectRef idx="0">
+            <a:schemeClr val="dk1"/>
+          </a:effectRef>
+          <a:fontRef idx="minor">
+            <a:schemeClr val="lt1"/>
+          </a:fontRef>
+        </p:style>
+        <p:txBody>
+          <a:bodyPr rtlCol="0" anchor="ctr"/>
+          <a:lstStyle/>
+          <a:p>
+            <a:pPr algn="ctr"/>
+            <a:r>
+              <a:rPr kumimoji="1" lang="en-US" altLang="ja-JP" dirty="0" smtClean="0"/>
+              <a:t>HIGT</a:t>
+            </a:r>
+            <a:r>
+              <a:rPr kumimoji="1" lang="ja-JP" altLang="en-US" dirty="0" smtClean="0"/>
+              <a:t>か</a:t>
+            </a:r>
+            <a:r>
+              <a:rPr kumimoji="1" lang="en-US" altLang="ja-JP" dirty="0" smtClean="0"/>
+              <a:t>LOW</a:t>
+            </a:r>
+            <a:r>
+              <a:rPr kumimoji="1" lang="ja-JP" altLang="en-US" dirty="0" smtClean="0"/>
+              <a:t>を</a:t>
+            </a:r>
+            <a:r>
+              <a:rPr lang="ja-JP" altLang="en-US" dirty="0" smtClean="0"/>
+              <a:t>宣言してください</a:t>
+            </a:r>
+            <a:r>
+              <a:rPr kumimoji="1" lang="ja-JP" altLang="en-US" dirty="0" smtClean="0"/>
+              <a:t>。</a:t>
+            </a:r>
+            <a:endParaRPr kumimoji="1" lang="ja-JP" altLang="en-US" dirty="0"/>
+          </a:p>
+        </p:txBody>
+      </p:sp>
+      <p:pic>
+        <p:nvPicPr>
+          <p:cNvPr id="26" name="図 25"/>
+          <p:cNvPicPr>
+            <a:picLocks noChangeAspect="1"/>
+          </p:cNvPicPr>
+          <p:nvPr/>
+        </p:nvPicPr>
+        <p:blipFill>
+          <a:blip r:embed="rId2">
+            <a:extLst>
+              <a:ext uri="{28A0092B-C50C-407E-A947-70E740481C1C}">
+                <a14:useLocalDpi xmlns:a14="http://schemas.microsoft.com/office/drawing/2010/main" val="0"/>
+              </a:ext>
+            </a:extLst>
+          </a:blip>
+          <a:stretch>
+            <a:fillRect/>
+          </a:stretch>
+        </p:blipFill>
+        <p:spPr>
+          <a:xfrm>
+            <a:off x="546102" y="297282"/>
+            <a:ext cx="1731929" cy="2406308"/>
+          </a:xfrm>
+          <a:prstGeom prst="rect">
+            <a:avLst/>
+          </a:prstGeom>
+        </p:spPr>
+      </p:pic>
+      <p:pic>
+        <p:nvPicPr>
+          <p:cNvPr id="27" name="図 26"/>
+          <p:cNvPicPr>
+            <a:picLocks noChangeAspect="1"/>
+          </p:cNvPicPr>
+          <p:nvPr/>
+        </p:nvPicPr>
+        <p:blipFill>
+          <a:blip r:embed="rId2">
+            <a:extLst>
+              <a:ext uri="{28A0092B-C50C-407E-A947-70E740481C1C}">
+                <a14:useLocalDpi xmlns:a14="http://schemas.microsoft.com/office/drawing/2010/main" val="0"/>
+              </a:ext>
+            </a:extLst>
+          </a:blip>
+          <a:stretch>
+            <a:fillRect/>
+          </a:stretch>
+        </p:blipFill>
+        <p:spPr>
+          <a:xfrm>
+            <a:off x="844627" y="277443"/>
+            <a:ext cx="1742054" cy="2420376"/>
+          </a:xfrm>
+          <a:prstGeom prst="rect">
+            <a:avLst/>
+          </a:prstGeom>
+        </p:spPr>
+      </p:pic>
+      <p:pic>
+        <p:nvPicPr>
+          <p:cNvPr id="28" name="図 27"/>
+          <p:cNvPicPr>
+            <a:picLocks noChangeAspect="1"/>
+          </p:cNvPicPr>
+          <p:nvPr/>
+        </p:nvPicPr>
+        <p:blipFill>
+          <a:blip r:embed="rId2">
+            <a:extLst>
+              <a:ext uri="{28A0092B-C50C-407E-A947-70E740481C1C}">
+                <a14:useLocalDpi xmlns:a14="http://schemas.microsoft.com/office/drawing/2010/main" val="0"/>
+              </a:ext>
+            </a:extLst>
+          </a:blip>
+          <a:stretch>
+            <a:fillRect/>
+          </a:stretch>
+        </p:blipFill>
+        <p:spPr>
+          <a:xfrm>
+            <a:off x="1075521" y="235185"/>
+            <a:ext cx="1731929" cy="2406308"/>
+          </a:xfrm>
+          <a:prstGeom prst="rect">
+            <a:avLst/>
+          </a:prstGeom>
+        </p:spPr>
+      </p:pic>
+      <p:sp>
+        <p:nvSpPr>
+          <p:cNvPr id="29" name="フローチャート: 端子 28"/>
+          <p:cNvSpPr/>
+          <p:nvPr/>
+        </p:nvSpPr>
+        <p:spPr>
+          <a:xfrm>
+            <a:off x="353314" y="2779333"/>
+            <a:ext cx="2233367" cy="399966"/>
+          </a:xfrm>
+          <a:prstGeom prst="flowChartTerminator">
+            <a:avLst/>
+          </a:prstGeom>
+          <a:solidFill>
+            <a:schemeClr val="tx1"/>
+          </a:solidFill>
+          <a:ln>
+            <a:solidFill>
+              <a:schemeClr val="bg1"/>
+            </a:solidFill>
+          </a:ln>
+        </p:spPr>
+        <p:style>
+          <a:lnRef idx="2">
+            <a:schemeClr val="accent1">
+              <a:shade val="50000"/>
+            </a:schemeClr>
+          </a:lnRef>
+          <a:fillRef idx="1">
+            <a:schemeClr val="accent1"/>
+          </a:fillRef>
+          <a:effectRef idx="0">
+            <a:schemeClr val="accent1"/>
+          </a:effectRef>
+          <a:fontRef idx="minor">
+            <a:schemeClr val="lt1"/>
+          </a:fontRef>
+        </p:style>
+        <p:txBody>
+          <a:bodyPr rtlCol="0" anchor="ctr"/>
+          <a:lstStyle/>
+          <a:p>
+            <a:pPr algn="ctr"/>
+            <a:r>
+              <a:rPr kumimoji="1" lang="ja-JP" altLang="en-US" dirty="0" smtClean="0"/>
+              <a:t>山札</a:t>
+            </a:r>
+            <a:endParaRPr kumimoji="1" lang="ja-JP" altLang="en-US" dirty="0"/>
+          </a:p>
+        </p:txBody>
+      </p:sp>
+      <p:sp>
+        <p:nvSpPr>
+          <p:cNvPr id="11" name="正方形/長方形 10"/>
+          <p:cNvSpPr/>
+          <p:nvPr/>
+        </p:nvSpPr>
+        <p:spPr>
+          <a:xfrm>
+            <a:off x="647114" y="5345723"/>
+            <a:ext cx="2160336" cy="1140129"/>
+          </a:xfrm>
+          <a:prstGeom prst="rect">
+            <a:avLst/>
+          </a:prstGeom>
+        </p:spPr>
+        <p:style>
+          <a:lnRef idx="2">
+            <a:schemeClr val="dk1">
+              <a:shade val="50000"/>
+            </a:schemeClr>
+          </a:lnRef>
+          <a:fillRef idx="1">
+            <a:schemeClr val="dk1"/>
+          </a:fillRef>
+          <a:effectRef idx="0">
+            <a:schemeClr val="dk1"/>
+          </a:effectRef>
+          <a:fontRef idx="minor">
+            <a:schemeClr val="lt1"/>
+          </a:fontRef>
+        </p:style>
+        <p:txBody>
+          <a:bodyPr rtlCol="0" anchor="ctr"/>
+          <a:lstStyle/>
+          <a:p>
+            <a:pPr algn="ctr"/>
+            <a:r>
+              <a:rPr kumimoji="1" lang="ja-JP" altLang="en-US" dirty="0" smtClean="0"/>
+              <a:t>０連勝</a:t>
+            </a:r>
+            <a:endParaRPr kumimoji="1" lang="ja-JP" altLang="en-US" dirty="0"/>
+          </a:p>
+        </p:txBody>
+      </p:sp>
+      <p:pic>
+        <p:nvPicPr>
+          <p:cNvPr id="19" name="図 18"/>
+          <p:cNvPicPr>
+            <a:picLocks noChangeAspect="1"/>
+          </p:cNvPicPr>
+          <p:nvPr/>
+        </p:nvPicPr>
+        <p:blipFill>
+          <a:blip r:embed="rId2">
+            <a:extLst>
+              <a:ext uri="{28A0092B-C50C-407E-A947-70E740481C1C}">
+                <a14:useLocalDpi xmlns:a14="http://schemas.microsoft.com/office/drawing/2010/main" val="0"/>
+              </a:ext>
+            </a:extLst>
+          </a:blip>
+          <a:stretch>
+            <a:fillRect/>
+          </a:stretch>
+        </p:blipFill>
+        <p:spPr>
+          <a:xfrm>
+            <a:off x="5033515" y="797979"/>
+            <a:ext cx="1421403" cy="1974870"/>
+          </a:xfrm>
+          <a:prstGeom prst="rect">
+            <a:avLst/>
+          </a:prstGeom>
+        </p:spPr>
+      </p:pic>
+      <p:pic>
+        <p:nvPicPr>
+          <p:cNvPr id="20" name="図 19"/>
+          <p:cNvPicPr>
+            <a:picLocks noChangeAspect="1"/>
+          </p:cNvPicPr>
+          <p:nvPr/>
+        </p:nvPicPr>
+        <p:blipFill rotWithShape="1">
+          <a:blip r:embed="rId6" cstate="print">
+            <a:extLst>
+              <a:ext uri="{28A0092B-C50C-407E-A947-70E740481C1C}">
+                <a14:useLocalDpi xmlns:a14="http://schemas.microsoft.com/office/drawing/2010/main" val="0"/>
+              </a:ext>
+            </a:extLst>
+          </a:blip>
+          <a:srcRect l="20075" t="7442" r="18439" b="5288"/>
+          <a:stretch/>
+        </p:blipFill>
+        <p:spPr>
+          <a:xfrm>
+            <a:off x="5064458" y="3652679"/>
+            <a:ext cx="1514272" cy="2149291"/>
+          </a:xfrm>
+          <a:prstGeom prst="rect">
+            <a:avLst/>
+          </a:prstGeom>
+        </p:spPr>
+      </p:pic>
+      <p:pic>
+        <p:nvPicPr>
+          <p:cNvPr id="21" name="図 20"/>
+          <p:cNvPicPr>
+            <a:picLocks noChangeAspect="1"/>
+          </p:cNvPicPr>
+          <p:nvPr/>
+        </p:nvPicPr>
+        <p:blipFill>
+          <a:blip r:embed="rId7">
+            <a:extLst>
+              <a:ext uri="{28A0092B-C50C-407E-A947-70E740481C1C}">
+                <a14:useLocalDpi xmlns:a14="http://schemas.microsoft.com/office/drawing/2010/main" val="0"/>
+              </a:ext>
+            </a:extLst>
+          </a:blip>
+          <a:stretch>
+            <a:fillRect/>
+          </a:stretch>
+        </p:blipFill>
+        <p:spPr>
+          <a:xfrm>
+            <a:off x="10046749" y="3778975"/>
+            <a:ext cx="1427266" cy="1965290"/>
+          </a:xfrm>
+          <a:prstGeom prst="rect">
+            <a:avLst/>
+          </a:prstGeom>
+        </p:spPr>
+      </p:pic>
+      <p:pic>
+        <p:nvPicPr>
+          <p:cNvPr id="22" name="図 21"/>
+          <p:cNvPicPr>
+            <a:picLocks noChangeAspect="1"/>
+          </p:cNvPicPr>
+          <p:nvPr/>
+        </p:nvPicPr>
+        <p:blipFill>
+          <a:blip r:embed="rId8" cstate="print">
+            <a:extLst>
+              <a:ext uri="{28A0092B-C50C-407E-A947-70E740481C1C}">
+                <a14:useLocalDpi xmlns:a14="http://schemas.microsoft.com/office/drawing/2010/main" val="0"/>
+              </a:ext>
+            </a:extLst>
+          </a:blip>
+          <a:stretch>
+            <a:fillRect/>
+          </a:stretch>
+        </p:blipFill>
+        <p:spPr>
+          <a:xfrm>
+            <a:off x="10668285" y="3778975"/>
+            <a:ext cx="1407186" cy="1965290"/>
+          </a:xfrm>
+          <a:prstGeom prst="rect">
+            <a:avLst/>
+          </a:prstGeom>
+        </p:spPr>
+      </p:pic>
+    </p:spTree>
+    <p:extLst>
+      <p:ext uri="{BB962C8B-B14F-4D97-AF65-F5344CB8AC3E}">
+        <p14:creationId xmlns:p14="http://schemas.microsoft.com/office/powerpoint/2010/main" val="2294276364"/>
+      </p:ext>
+    </p:extLst>
+  </p:cSld>
+  <p:clrMapOvr>
+    <a:masterClrMapping/>
+  </p:clrMapOvr>
+  <p:timing>
+    <p:tnLst>
+      <p:par>
+        <p:cTn id="1" dur="indefinite" restart="never" nodeType="tmRoot"/>
+      </p:par>
+    </p:tnLst>
+  </p:timing>
+</p:sld>
+</file>
+
+<file path=ppt/slides/slide5.xml><?xml version="1.0" encoding="utf-8"?>
+<p:sld xmlns:a="http://schemas.openxmlformats.org/drawingml/2006/main" xmlns:r="http://schemas.openxmlformats.org/officeDocument/2006/relationships" xmlns:p="http://schemas.openxmlformats.org/presentationml/2006/main">
+  <p:cSld>
+    <p:bg>
+      <p:bgPr>
+        <a:solidFill>
+          <a:schemeClr val="accent5"/>
+        </a:solidFill>
+        <a:effectLst/>
+      </p:bgPr>
+    </p:bg>
+    <p:spTree>
+      <p:nvGrpSpPr>
+        <p:cNvPr id="1" name=""/>
+        <p:cNvGrpSpPr/>
+        <p:nvPr/>
+      </p:nvGrpSpPr>
+      <p:grpSpPr>
+        <a:xfrm>
+          <a:off x="0" y="0"/>
+          <a:ext cx="0" cy="0"/>
+          <a:chOff x="0" y="0"/>
+          <a:chExt cx="0" cy="0"/>
+        </a:xfrm>
+      </p:grpSpPr>
+      <p:pic>
+        <p:nvPicPr>
+          <p:cNvPr id="4" name="図 3"/>
+          <p:cNvPicPr>
+            <a:picLocks noChangeAspect="1"/>
+          </p:cNvPicPr>
+          <p:nvPr/>
+        </p:nvPicPr>
+        <p:blipFill>
+          <a:blip r:embed="rId2">
+            <a:extLst>
+              <a:ext uri="{28A0092B-C50C-407E-A947-70E740481C1C}">
+                <a14:useLocalDpi xmlns:a14="http://schemas.microsoft.com/office/drawing/2010/main" val="0"/>
+              </a:ext>
+            </a:extLst>
+          </a:blip>
+          <a:stretch>
+            <a:fillRect/>
+          </a:stretch>
+        </p:blipFill>
+        <p:spPr>
+          <a:xfrm>
+            <a:off x="9094588" y="723387"/>
+            <a:ext cx="1731929" cy="2406308"/>
+          </a:xfrm>
+          <a:prstGeom prst="rect">
+            <a:avLst/>
+          </a:prstGeom>
+        </p:spPr>
+      </p:pic>
+      <p:pic>
+        <p:nvPicPr>
+          <p:cNvPr id="5" name="図 4"/>
+          <p:cNvPicPr>
+            <a:picLocks noChangeAspect="1"/>
+          </p:cNvPicPr>
+          <p:nvPr/>
+        </p:nvPicPr>
+        <p:blipFill>
+          <a:blip r:embed="rId2">
+            <a:extLst>
+              <a:ext uri="{28A0092B-C50C-407E-A947-70E740481C1C}">
+                <a14:useLocalDpi xmlns:a14="http://schemas.microsoft.com/office/drawing/2010/main" val="0"/>
+              </a:ext>
+            </a:extLst>
+          </a:blip>
+          <a:stretch>
+            <a:fillRect/>
+          </a:stretch>
+        </p:blipFill>
+        <p:spPr>
+          <a:xfrm>
+            <a:off x="9224873" y="723387"/>
+            <a:ext cx="1742054" cy="2420376"/>
+          </a:xfrm>
+          <a:prstGeom prst="rect">
+            <a:avLst/>
+          </a:prstGeom>
+        </p:spPr>
+      </p:pic>
+      <p:pic>
+        <p:nvPicPr>
+          <p:cNvPr id="6" name="図 5"/>
+          <p:cNvPicPr>
+            <a:picLocks noChangeAspect="1"/>
+          </p:cNvPicPr>
+          <p:nvPr/>
+        </p:nvPicPr>
+        <p:blipFill>
+          <a:blip r:embed="rId2">
+            <a:extLst>
+              <a:ext uri="{28A0092B-C50C-407E-A947-70E740481C1C}">
+                <a14:useLocalDpi xmlns:a14="http://schemas.microsoft.com/office/drawing/2010/main" val="0"/>
+              </a:ext>
+            </a:extLst>
+          </a:blip>
+          <a:stretch>
+            <a:fillRect/>
+          </a:stretch>
+        </p:blipFill>
+        <p:spPr>
+          <a:xfrm>
+            <a:off x="9355158" y="723387"/>
+            <a:ext cx="1742054" cy="2420376"/>
+          </a:xfrm>
+          <a:prstGeom prst="rect">
+            <a:avLst/>
+          </a:prstGeom>
+        </p:spPr>
+      </p:pic>
+      <p:pic>
+        <p:nvPicPr>
+          <p:cNvPr id="7" name="図 6"/>
+          <p:cNvPicPr>
+            <a:picLocks noChangeAspect="1"/>
+          </p:cNvPicPr>
+          <p:nvPr/>
+        </p:nvPicPr>
+        <p:blipFill>
+          <a:blip r:embed="rId2">
+            <a:extLst>
+              <a:ext uri="{28A0092B-C50C-407E-A947-70E740481C1C}">
+                <a14:useLocalDpi xmlns:a14="http://schemas.microsoft.com/office/drawing/2010/main" val="0"/>
+              </a:ext>
+            </a:extLst>
+          </a:blip>
+          <a:stretch>
+            <a:fillRect/>
+          </a:stretch>
+        </p:blipFill>
+        <p:spPr>
+          <a:xfrm>
+            <a:off x="5023383" y="3559126"/>
+            <a:ext cx="1600301" cy="2223428"/>
+          </a:xfrm>
+          <a:prstGeom prst="rect">
+            <a:avLst/>
+          </a:prstGeom>
+        </p:spPr>
+      </p:pic>
+      <p:pic>
+        <p:nvPicPr>
+          <p:cNvPr id="8" name="図 7"/>
+          <p:cNvPicPr>
+            <a:picLocks noChangeAspect="1"/>
+          </p:cNvPicPr>
+          <p:nvPr/>
+        </p:nvPicPr>
+        <p:blipFill>
+          <a:blip r:embed="rId3" cstate="print">
+            <a:extLst>
+              <a:ext uri="{28A0092B-C50C-407E-A947-70E740481C1C}">
+                <a14:useLocalDpi xmlns:a14="http://schemas.microsoft.com/office/drawing/2010/main" val="0"/>
+              </a:ext>
+            </a:extLst>
+          </a:blip>
+          <a:stretch>
+            <a:fillRect/>
+          </a:stretch>
+        </p:blipFill>
+        <p:spPr>
+          <a:xfrm>
+            <a:off x="5023383" y="797711"/>
+            <a:ext cx="1379996" cy="1829641"/>
+          </a:xfrm>
+          <a:prstGeom prst="rect">
+            <a:avLst/>
+          </a:prstGeom>
+        </p:spPr>
+      </p:pic>
+      <p:sp>
+        <p:nvSpPr>
+          <p:cNvPr id="9" name="フローチャート: 端子 8"/>
+          <p:cNvSpPr/>
+          <p:nvPr/>
+        </p:nvSpPr>
+        <p:spPr>
+          <a:xfrm>
+            <a:off x="4645242" y="273221"/>
+            <a:ext cx="2356130" cy="444969"/>
+          </a:xfrm>
+          <a:prstGeom prst="flowChartTerminator">
+            <a:avLst/>
+          </a:prstGeom>
+          <a:solidFill>
+            <a:schemeClr val="tx1"/>
+          </a:solidFill>
+          <a:ln>
+            <a:solidFill>
+              <a:schemeClr val="bg1"/>
+            </a:solidFill>
+          </a:ln>
+        </p:spPr>
+        <p:style>
+          <a:lnRef idx="2">
+            <a:schemeClr val="accent1">
+              <a:shade val="50000"/>
+            </a:schemeClr>
+          </a:lnRef>
+          <a:fillRef idx="1">
+            <a:schemeClr val="accent1"/>
+          </a:fillRef>
+          <a:effectRef idx="0">
+            <a:schemeClr val="accent1"/>
+          </a:effectRef>
+          <a:fontRef idx="minor">
+            <a:schemeClr val="lt1"/>
+          </a:fontRef>
+        </p:style>
+        <p:txBody>
+          <a:bodyPr rtlCol="0" anchor="ctr"/>
+          <a:lstStyle/>
+          <a:p>
+            <a:pPr algn="ctr"/>
+            <a:r>
+              <a:rPr kumimoji="1" lang="ja-JP" altLang="en-US" dirty="0" smtClean="0"/>
+              <a:t>ディーラー</a:t>
+            </a:r>
+            <a:endParaRPr kumimoji="1" lang="ja-JP" altLang="en-US" dirty="0"/>
+          </a:p>
+        </p:txBody>
+      </p:sp>
+      <p:pic>
+        <p:nvPicPr>
+          <p:cNvPr id="12" name="図 11"/>
+          <p:cNvPicPr>
+            <a:picLocks noChangeAspect="1"/>
+          </p:cNvPicPr>
+          <p:nvPr/>
+        </p:nvPicPr>
+        <p:blipFill>
+          <a:blip r:embed="rId4"/>
+          <a:stretch>
+            <a:fillRect/>
+          </a:stretch>
+        </p:blipFill>
+        <p:spPr>
+          <a:xfrm>
+            <a:off x="4645242" y="6032760"/>
+            <a:ext cx="2447416" cy="536853"/>
+          </a:xfrm>
+          <a:prstGeom prst="rect">
+            <a:avLst/>
+          </a:prstGeom>
+        </p:spPr>
+      </p:pic>
+      <p:sp>
+        <p:nvSpPr>
+          <p:cNvPr id="13" name="テキスト ボックス 12"/>
+          <p:cNvSpPr txBox="1"/>
+          <p:nvPr/>
+        </p:nvSpPr>
+        <p:spPr>
+          <a:xfrm>
+            <a:off x="5430368" y="6116520"/>
+            <a:ext cx="877163" cy="369332"/>
+          </a:xfrm>
+          <a:prstGeom prst="rect">
+            <a:avLst/>
+          </a:prstGeom>
+          <a:noFill/>
+        </p:spPr>
+        <p:txBody>
+          <a:bodyPr wrap="none" rtlCol="0">
+            <a:spAutoFit/>
+          </a:bodyPr>
+          <a:lstStyle/>
+          <a:p>
+            <a:r>
+              <a:rPr kumimoji="1" lang="ja-JP" altLang="en-US" dirty="0" smtClean="0">
+                <a:solidFill>
+                  <a:schemeClr val="bg1"/>
+                </a:solidFill>
+              </a:rPr>
+              <a:t>あなた</a:t>
+            </a:r>
+            <a:endParaRPr kumimoji="1" lang="ja-JP" altLang="en-US" dirty="0">
+              <a:solidFill>
+                <a:schemeClr val="bg1"/>
+              </a:solidFill>
+            </a:endParaRPr>
+          </a:p>
+        </p:txBody>
+      </p:sp>
+      <p:sp>
+        <p:nvSpPr>
+          <p:cNvPr id="14" name="正方形/長方形 13"/>
+          <p:cNvSpPr/>
+          <p:nvPr/>
+        </p:nvSpPr>
+        <p:spPr>
+          <a:xfrm>
+            <a:off x="7865827" y="3823343"/>
+            <a:ext cx="2080800" cy="1209821"/>
+          </a:xfrm>
+          <a:prstGeom prst="rect">
+            <a:avLst/>
+          </a:prstGeom>
+          <a:solidFill>
+            <a:schemeClr val="accent1">
+              <a:lumMod val="75000"/>
+            </a:schemeClr>
+          </a:solidFill>
+          <a:ln w="88900" cmpd="sng">
+            <a:solidFill>
+              <a:srgbClr val="FFFF00"/>
+            </a:solidFill>
+          </a:ln>
+        </p:spPr>
+        <p:style>
+          <a:lnRef idx="2">
+            <a:schemeClr val="accent1">
+              <a:shade val="50000"/>
+            </a:schemeClr>
+          </a:lnRef>
+          <a:fillRef idx="1">
+            <a:schemeClr val="accent1"/>
+          </a:fillRef>
+          <a:effectRef idx="0">
+            <a:schemeClr val="accent1"/>
+          </a:effectRef>
+          <a:fontRef idx="minor">
+            <a:schemeClr val="lt1"/>
+          </a:fontRef>
+        </p:style>
+        <p:txBody>
+          <a:bodyPr rtlCol="0" anchor="ctr"/>
+          <a:lstStyle/>
+          <a:p>
+            <a:pPr algn="ctr"/>
+            <a:r>
+              <a:rPr kumimoji="1" lang="en-US" altLang="ja-JP" sz="5400" b="1" dirty="0" smtClean="0">
+                <a:solidFill>
+                  <a:srgbClr val="FFFF00"/>
+                </a:solidFill>
+              </a:rPr>
+              <a:t>LOW</a:t>
+            </a:r>
+            <a:endParaRPr kumimoji="1" lang="ja-JP" altLang="en-US" sz="5400" b="1" dirty="0">
+              <a:solidFill>
+                <a:srgbClr val="FFFF00"/>
+              </a:solidFill>
+            </a:endParaRPr>
+          </a:p>
+        </p:txBody>
+      </p:sp>
+      <p:pic>
+        <p:nvPicPr>
+          <p:cNvPr id="16" name="図 15"/>
+          <p:cNvPicPr>
+            <a:picLocks noChangeAspect="1"/>
+          </p:cNvPicPr>
+          <p:nvPr/>
+        </p:nvPicPr>
+        <p:blipFill>
+          <a:blip r:embed="rId5"/>
+          <a:stretch>
+            <a:fillRect/>
+          </a:stretch>
+        </p:blipFill>
+        <p:spPr>
+          <a:xfrm>
+            <a:off x="1716257" y="3778975"/>
+            <a:ext cx="2170364" cy="1298561"/>
+          </a:xfrm>
+          <a:prstGeom prst="rect">
+            <a:avLst/>
+          </a:prstGeom>
+        </p:spPr>
+      </p:pic>
+      <p:sp>
+        <p:nvSpPr>
+          <p:cNvPr id="17" name="テキスト ボックス 16"/>
+          <p:cNvSpPr txBox="1"/>
+          <p:nvPr/>
+        </p:nvSpPr>
+        <p:spPr>
+          <a:xfrm>
+            <a:off x="1836270" y="3966589"/>
+            <a:ext cx="2013693" cy="923330"/>
+          </a:xfrm>
+          <a:prstGeom prst="rect">
+            <a:avLst/>
+          </a:prstGeom>
+          <a:noFill/>
+        </p:spPr>
+        <p:txBody>
+          <a:bodyPr wrap="none" rtlCol="0">
+            <a:spAutoFit/>
+          </a:bodyPr>
+          <a:lstStyle/>
+          <a:p>
+            <a:r>
+              <a:rPr kumimoji="1" lang="en-US" altLang="ja-JP" sz="5400" b="1" dirty="0" smtClean="0">
+                <a:solidFill>
+                  <a:srgbClr val="FFFF00"/>
+                </a:solidFill>
+              </a:rPr>
+              <a:t>HIGH</a:t>
+            </a:r>
+            <a:endParaRPr kumimoji="1" lang="ja-JP" altLang="en-US" sz="5400" b="1" dirty="0">
+              <a:solidFill>
+                <a:srgbClr val="FFFF00"/>
+              </a:solidFill>
+            </a:endParaRPr>
+          </a:p>
+        </p:txBody>
+      </p:sp>
+      <p:sp>
+        <p:nvSpPr>
+          <p:cNvPr id="18" name="フローチャート: 端子 17"/>
+          <p:cNvSpPr/>
+          <p:nvPr/>
+        </p:nvSpPr>
+        <p:spPr>
+          <a:xfrm>
+            <a:off x="3273460" y="2752455"/>
+            <a:ext cx="5190978" cy="679696"/>
+          </a:xfrm>
+          <a:prstGeom prst="flowChartTerminator">
+            <a:avLst/>
+          </a:prstGeom>
+          <a:ln w="38100">
+            <a:solidFill>
+              <a:schemeClr val="bg1"/>
+            </a:solidFill>
+          </a:ln>
+        </p:spPr>
+        <p:style>
+          <a:lnRef idx="2">
+            <a:schemeClr val="dk1">
+              <a:shade val="50000"/>
+            </a:schemeClr>
+          </a:lnRef>
+          <a:fillRef idx="1">
+            <a:schemeClr val="dk1"/>
+          </a:fillRef>
+          <a:effectRef idx="0">
+            <a:schemeClr val="dk1"/>
+          </a:effectRef>
+          <a:fontRef idx="minor">
+            <a:schemeClr val="lt1"/>
+          </a:fontRef>
+        </p:style>
+        <p:txBody>
+          <a:bodyPr rtlCol="0" anchor="ctr"/>
+          <a:lstStyle/>
+          <a:p>
+            <a:pPr algn="ctr"/>
+            <a:r>
+              <a:rPr kumimoji="1" lang="en-US" altLang="ja-JP" dirty="0" smtClean="0"/>
+              <a:t>HIGT</a:t>
+            </a:r>
+            <a:r>
+              <a:rPr kumimoji="1" lang="ja-JP" altLang="en-US" dirty="0" smtClean="0"/>
+              <a:t>か</a:t>
+            </a:r>
+            <a:r>
+              <a:rPr kumimoji="1" lang="en-US" altLang="ja-JP" dirty="0" smtClean="0"/>
+              <a:t>LOW</a:t>
+            </a:r>
+            <a:r>
+              <a:rPr kumimoji="1" lang="ja-JP" altLang="en-US" dirty="0" smtClean="0"/>
+              <a:t>を選択してください。</a:t>
+            </a:r>
+            <a:endParaRPr kumimoji="1" lang="ja-JP" altLang="en-US" dirty="0"/>
+          </a:p>
+        </p:txBody>
+      </p:sp>
+      <p:pic>
+        <p:nvPicPr>
+          <p:cNvPr id="2" name="図 1"/>
+          <p:cNvPicPr>
+            <a:picLocks noChangeAspect="1"/>
+          </p:cNvPicPr>
+          <p:nvPr/>
+        </p:nvPicPr>
+        <p:blipFill>
+          <a:blip r:embed="rId6">
+            <a:extLst>
+              <a:ext uri="{28A0092B-C50C-407E-A947-70E740481C1C}">
+                <a14:useLocalDpi xmlns:a14="http://schemas.microsoft.com/office/drawing/2010/main" val="0"/>
+              </a:ext>
+            </a:extLst>
+          </a:blip>
+          <a:stretch>
+            <a:fillRect/>
+          </a:stretch>
+        </p:blipFill>
+        <p:spPr>
+          <a:xfrm>
+            <a:off x="3836167" y="1861296"/>
+            <a:ext cx="4065563" cy="2462014"/>
+          </a:xfrm>
+          <a:prstGeom prst="rect">
+            <a:avLst/>
+          </a:prstGeom>
+        </p:spPr>
+      </p:pic>
+      <p:pic>
+        <p:nvPicPr>
+          <p:cNvPr id="3" name="図 2"/>
+          <p:cNvPicPr>
+            <a:picLocks noChangeAspect="1"/>
+          </p:cNvPicPr>
+          <p:nvPr/>
+        </p:nvPicPr>
+        <p:blipFill rotWithShape="1">
+          <a:blip r:embed="rId7" cstate="print">
+            <a:extLst>
+              <a:ext uri="{28A0092B-C50C-407E-A947-70E740481C1C}">
+                <a14:useLocalDpi xmlns:a14="http://schemas.microsoft.com/office/drawing/2010/main" val="0"/>
+              </a:ext>
+            </a:extLst>
+          </a:blip>
+          <a:srcRect l="20075" t="7442" r="18439" b="5288"/>
+          <a:stretch/>
+        </p:blipFill>
+        <p:spPr>
+          <a:xfrm>
+            <a:off x="5023383" y="3570124"/>
+            <a:ext cx="1514272" cy="2149291"/>
+          </a:xfrm>
+          <a:prstGeom prst="rect">
+            <a:avLst/>
+          </a:prstGeom>
+        </p:spPr>
+      </p:pic>
+      <p:pic>
+        <p:nvPicPr>
+          <p:cNvPr id="26" name="図 25"/>
+          <p:cNvPicPr>
+            <a:picLocks noChangeAspect="1"/>
+          </p:cNvPicPr>
+          <p:nvPr/>
+        </p:nvPicPr>
+        <p:blipFill>
+          <a:blip r:embed="rId2">
+            <a:extLst>
+              <a:ext uri="{28A0092B-C50C-407E-A947-70E740481C1C}">
+                <a14:useLocalDpi xmlns:a14="http://schemas.microsoft.com/office/drawing/2010/main" val="0"/>
+              </a:ext>
+            </a:extLst>
+          </a:blip>
+          <a:stretch>
+            <a:fillRect/>
+          </a:stretch>
+        </p:blipFill>
+        <p:spPr>
+          <a:xfrm>
+            <a:off x="546102" y="297282"/>
+            <a:ext cx="1731929" cy="2406308"/>
+          </a:xfrm>
+          <a:prstGeom prst="rect">
+            <a:avLst/>
+          </a:prstGeom>
+        </p:spPr>
+      </p:pic>
+      <p:pic>
+        <p:nvPicPr>
+          <p:cNvPr id="27" name="図 26"/>
+          <p:cNvPicPr>
+            <a:picLocks noChangeAspect="1"/>
+          </p:cNvPicPr>
+          <p:nvPr/>
+        </p:nvPicPr>
+        <p:blipFill>
+          <a:blip r:embed="rId2">
+            <a:extLst>
+              <a:ext uri="{28A0092B-C50C-407E-A947-70E740481C1C}">
+                <a14:useLocalDpi xmlns:a14="http://schemas.microsoft.com/office/drawing/2010/main" val="0"/>
+              </a:ext>
+            </a:extLst>
+          </a:blip>
+          <a:stretch>
+            <a:fillRect/>
+          </a:stretch>
+        </p:blipFill>
+        <p:spPr>
+          <a:xfrm>
+            <a:off x="844627" y="277443"/>
+            <a:ext cx="1742054" cy="2420376"/>
+          </a:xfrm>
+          <a:prstGeom prst="rect">
+            <a:avLst/>
+          </a:prstGeom>
+        </p:spPr>
+      </p:pic>
+      <p:pic>
+        <p:nvPicPr>
+          <p:cNvPr id="28" name="図 27"/>
+          <p:cNvPicPr>
+            <a:picLocks noChangeAspect="1"/>
+          </p:cNvPicPr>
+          <p:nvPr/>
+        </p:nvPicPr>
+        <p:blipFill>
+          <a:blip r:embed="rId2">
+            <a:extLst>
+              <a:ext uri="{28A0092B-C50C-407E-A947-70E740481C1C}">
+                <a14:useLocalDpi xmlns:a14="http://schemas.microsoft.com/office/drawing/2010/main" val="0"/>
+              </a:ext>
+            </a:extLst>
+          </a:blip>
+          <a:stretch>
+            <a:fillRect/>
+          </a:stretch>
+        </p:blipFill>
+        <p:spPr>
+          <a:xfrm>
+            <a:off x="1075521" y="235185"/>
+            <a:ext cx="1731929" cy="2406308"/>
+          </a:xfrm>
+          <a:prstGeom prst="rect">
+            <a:avLst/>
+          </a:prstGeom>
+        </p:spPr>
+      </p:pic>
+      <p:sp>
+        <p:nvSpPr>
+          <p:cNvPr id="29" name="フローチャート: 端子 28"/>
+          <p:cNvSpPr/>
+          <p:nvPr/>
+        </p:nvSpPr>
+        <p:spPr>
+          <a:xfrm>
+            <a:off x="353314" y="2779333"/>
+            <a:ext cx="2233367" cy="399966"/>
+          </a:xfrm>
+          <a:prstGeom prst="flowChartTerminator">
+            <a:avLst/>
+          </a:prstGeom>
+          <a:solidFill>
+            <a:schemeClr val="tx1"/>
+          </a:solidFill>
+          <a:ln>
+            <a:solidFill>
+              <a:schemeClr val="bg1"/>
+            </a:solidFill>
+          </a:ln>
+        </p:spPr>
+        <p:style>
+          <a:lnRef idx="2">
+            <a:schemeClr val="accent1">
+              <a:shade val="50000"/>
+            </a:schemeClr>
+          </a:lnRef>
+          <a:fillRef idx="1">
+            <a:schemeClr val="accent1"/>
+          </a:fillRef>
+          <a:effectRef idx="0">
+            <a:schemeClr val="accent1"/>
+          </a:effectRef>
+          <a:fontRef idx="minor">
+            <a:schemeClr val="lt1"/>
+          </a:fontRef>
+        </p:style>
+        <p:txBody>
+          <a:bodyPr rtlCol="0" anchor="ctr"/>
+          <a:lstStyle/>
+          <a:p>
+            <a:pPr algn="ctr"/>
+            <a:r>
+              <a:rPr kumimoji="1" lang="ja-JP" altLang="en-US" dirty="0" smtClean="0"/>
+              <a:t>山札</a:t>
+            </a:r>
+            <a:endParaRPr kumimoji="1" lang="ja-JP" altLang="en-US" dirty="0"/>
+          </a:p>
+        </p:txBody>
+      </p:sp>
+      <p:sp>
+        <p:nvSpPr>
+          <p:cNvPr id="30" name="正方形/長方形 29"/>
+          <p:cNvSpPr/>
+          <p:nvPr/>
+        </p:nvSpPr>
+        <p:spPr>
+          <a:xfrm>
+            <a:off x="647114" y="5345723"/>
+            <a:ext cx="2160336" cy="1140129"/>
+          </a:xfrm>
+          <a:prstGeom prst="rect">
+            <a:avLst/>
+          </a:prstGeom>
+        </p:spPr>
+        <p:style>
+          <a:lnRef idx="2">
+            <a:schemeClr val="dk1">
+              <a:shade val="50000"/>
+            </a:schemeClr>
+          </a:lnRef>
+          <a:fillRef idx="1">
+            <a:schemeClr val="dk1"/>
+          </a:fillRef>
+          <a:effectRef idx="0">
+            <a:schemeClr val="dk1"/>
+          </a:effectRef>
+          <a:fontRef idx="minor">
+            <a:schemeClr val="lt1"/>
+          </a:fontRef>
+        </p:style>
+        <p:txBody>
+          <a:bodyPr rtlCol="0" anchor="ctr"/>
+          <a:lstStyle/>
+          <a:p>
+            <a:pPr algn="ctr"/>
+            <a:r>
+              <a:rPr lang="en-US" altLang="ja-JP" dirty="0"/>
+              <a:t>1</a:t>
+            </a:r>
+            <a:r>
+              <a:rPr kumimoji="1" lang="ja-JP" altLang="en-US" dirty="0" smtClean="0"/>
+              <a:t>連勝</a:t>
+            </a:r>
+            <a:endParaRPr kumimoji="1" lang="ja-JP" altLang="en-US" dirty="0"/>
+          </a:p>
+        </p:txBody>
+      </p:sp>
+      <p:pic>
+        <p:nvPicPr>
+          <p:cNvPr id="23" name="図 22"/>
+          <p:cNvPicPr>
+            <a:picLocks noChangeAspect="1"/>
+          </p:cNvPicPr>
+          <p:nvPr/>
+        </p:nvPicPr>
+        <p:blipFill>
+          <a:blip r:embed="rId2">
+            <a:extLst>
+              <a:ext uri="{28A0092B-C50C-407E-A947-70E740481C1C}">
+                <a14:useLocalDpi xmlns:a14="http://schemas.microsoft.com/office/drawing/2010/main" val="0"/>
+              </a:ext>
+            </a:extLst>
+          </a:blip>
+          <a:stretch>
+            <a:fillRect/>
+          </a:stretch>
+        </p:blipFill>
+        <p:spPr>
+          <a:xfrm>
+            <a:off x="4976441" y="670855"/>
+            <a:ext cx="1426938" cy="1982560"/>
+          </a:xfrm>
+          <a:prstGeom prst="rect">
+            <a:avLst/>
+          </a:prstGeom>
+        </p:spPr>
+      </p:pic>
+      <p:pic>
+        <p:nvPicPr>
+          <p:cNvPr id="32" name="図 31"/>
+          <p:cNvPicPr>
+            <a:picLocks noChangeAspect="1"/>
+          </p:cNvPicPr>
+          <p:nvPr/>
+        </p:nvPicPr>
+        <p:blipFill>
+          <a:blip r:embed="rId8">
+            <a:extLst>
+              <a:ext uri="{28A0092B-C50C-407E-A947-70E740481C1C}">
+                <a14:useLocalDpi xmlns:a14="http://schemas.microsoft.com/office/drawing/2010/main" val="0"/>
+              </a:ext>
+            </a:extLst>
+          </a:blip>
+          <a:stretch>
+            <a:fillRect/>
+          </a:stretch>
+        </p:blipFill>
+        <p:spPr>
+          <a:xfrm>
+            <a:off x="10046749" y="3778975"/>
+            <a:ext cx="1427266" cy="1965290"/>
+          </a:xfrm>
+          <a:prstGeom prst="rect">
+            <a:avLst/>
+          </a:prstGeom>
+        </p:spPr>
+      </p:pic>
+      <p:pic>
+        <p:nvPicPr>
+          <p:cNvPr id="33" name="図 32"/>
+          <p:cNvPicPr>
+            <a:picLocks noChangeAspect="1"/>
+          </p:cNvPicPr>
+          <p:nvPr/>
+        </p:nvPicPr>
+        <p:blipFill>
+          <a:blip r:embed="rId9" cstate="print">
+            <a:extLst>
+              <a:ext uri="{28A0092B-C50C-407E-A947-70E740481C1C}">
+                <a14:useLocalDpi xmlns:a14="http://schemas.microsoft.com/office/drawing/2010/main" val="0"/>
+              </a:ext>
+            </a:extLst>
+          </a:blip>
+          <a:stretch>
+            <a:fillRect/>
+          </a:stretch>
+        </p:blipFill>
+        <p:spPr>
+          <a:xfrm>
+            <a:off x="10668285" y="3778975"/>
+            <a:ext cx="1407186" cy="1965290"/>
+          </a:xfrm>
+          <a:prstGeom prst="rect">
+            <a:avLst/>
+          </a:prstGeom>
+        </p:spPr>
+      </p:pic>
+    </p:spTree>
+    <p:extLst>
+      <p:ext uri="{BB962C8B-B14F-4D97-AF65-F5344CB8AC3E}">
+        <p14:creationId xmlns:p14="http://schemas.microsoft.com/office/powerpoint/2010/main" val="901299354"/>
+      </p:ext>
+    </p:extLst>
+  </p:cSld>
+  <p:clrMapOvr>
+    <a:masterClrMapping/>
+  </p:clrMapOvr>
+  <p:timing>
+    <p:tnLst>
+      <p:par>
+        <p:cTn id="1" dur="indefinite" restart="never" nodeType="tmRoot"/>
+      </p:par>
+    </p:tnLst>
+  </p:timing>
+</p:sld>
+</file>
+
+<file path=ppt/slides/slide6.xml><?xml version="1.0" encoding="utf-8"?>
+<p:sld xmlns:a="http://schemas.openxmlformats.org/drawingml/2006/main" xmlns:r="http://schemas.openxmlformats.org/officeDocument/2006/relationships" xmlns:p="http://schemas.openxmlformats.org/presentationml/2006/main">
+  <p:cSld>
+    <p:bg>
+      <p:bgPr>
+        <a:solidFill>
+          <a:schemeClr val="accent5"/>
+        </a:solidFill>
+        <a:effectLst/>
+      </p:bgPr>
+    </p:bg>
+    <p:spTree>
+      <p:nvGrpSpPr>
+        <p:cNvPr id="1" name=""/>
+        <p:cNvGrpSpPr/>
+        <p:nvPr/>
+      </p:nvGrpSpPr>
+      <p:grpSpPr>
+        <a:xfrm>
+          <a:off x="0" y="0"/>
+          <a:ext cx="0" cy="0"/>
+          <a:chOff x="0" y="0"/>
+          <a:chExt cx="0" cy="0"/>
+        </a:xfrm>
+      </p:grpSpPr>
+      <p:pic>
+        <p:nvPicPr>
+          <p:cNvPr id="4" name="図 3"/>
+          <p:cNvPicPr>
+            <a:picLocks noChangeAspect="1"/>
+          </p:cNvPicPr>
+          <p:nvPr/>
+        </p:nvPicPr>
+        <p:blipFill>
+          <a:blip r:embed="rId2">
+            <a:extLst>
+              <a:ext uri="{28A0092B-C50C-407E-A947-70E740481C1C}">
+                <a14:useLocalDpi xmlns:a14="http://schemas.microsoft.com/office/drawing/2010/main" val="0"/>
+              </a:ext>
+            </a:extLst>
+          </a:blip>
+          <a:stretch>
+            <a:fillRect/>
+          </a:stretch>
+        </p:blipFill>
+        <p:spPr>
+          <a:xfrm>
             <a:off x="9094588" y="723387"/>
             <a:ext cx="1731929" cy="2406308"/>
           </a:xfrm>
@@ -5748,7 +7041,7 @@
 </p:sld>
 </file>
 
-<file path=ppt/slides/slide5.xml><?xml version="1.0" encoding="utf-8"?>
+<file path=ppt/slides/slide7.xml><?xml version="1.0" encoding="utf-8"?>
 <p:sld xmlns:a="http://schemas.openxmlformats.org/drawingml/2006/main" xmlns:r="http://schemas.openxmlformats.org/officeDocument/2006/relationships" xmlns:p="http://schemas.openxmlformats.org/presentationml/2006/main">
   <p:cSld>
     <p:bg>

--- a/設計/画面設計.pptx
+++ b/設計/画面設計.pptx
@@ -3632,11 +3632,7 @@
             </a:r>
             <a:r>
               <a:rPr kumimoji="1" lang="ja-JP" altLang="en-US" dirty="0" smtClean="0"/>
-              <a:t>枚選択</a:t>
-            </a:r>
-            <a:r>
-              <a:rPr kumimoji="1" lang="ja-JP" altLang="en-US" dirty="0" smtClean="0"/>
-              <a:t>してください</a:t>
+              <a:t>枚選択してください</a:t>
             </a:r>
             <a:endParaRPr kumimoji="1" lang="ja-JP" altLang="en-US" dirty="0"/>
           </a:p>
@@ -6216,6 +6212,36 @@
           <a:xfrm>
             <a:off x="10668285" y="3778975"/>
             <a:ext cx="1407186" cy="1965290"/>
+          </a:xfrm>
+          <a:prstGeom prst="rect">
+            <a:avLst/>
+          </a:prstGeom>
+        </p:spPr>
+      </p:pic>
+      <p:pic>
+        <p:nvPicPr>
+          <p:cNvPr id="24" name="図 23"/>
+          <p:cNvPicPr>
+            <a:picLocks noChangeAspect="1"/>
+          </p:cNvPicPr>
+          <p:nvPr/>
+        </p:nvPicPr>
+        <p:blipFill>
+          <a:blip r:embed="rId3" cstate="print">
+            <a:extLst>
+              <a:ext uri="{28A0092B-C50C-407E-A947-70E740481C1C}">
+                <a14:useLocalDpi xmlns:a14="http://schemas.microsoft.com/office/drawing/2010/main" val="0"/>
+              </a:ext>
+            </a:extLst>
+          </a:blip>
+          <a:stretch>
+            <a:fillRect/>
+          </a:stretch>
+        </p:blipFill>
+        <p:spPr>
+          <a:xfrm>
+            <a:off x="5023383" y="827719"/>
+            <a:ext cx="1379996" cy="1829641"/>
           </a:xfrm>
           <a:prstGeom prst="rect">
             <a:avLst/>
